--- a/0 발표용 파워포인트/0522 3차발표/0522 project06 - 파워포인트 - 송우.pptx
+++ b/0 발표용 파워포인트/0522 3차발표/0522 project06 - 파워포인트 - 송우.pptx
@@ -5085,7 +5085,7 @@
                 <a:gridCol w="2688299">
                   <a:extLst>
                     <a:ext uri="{9D8B030D-6E8A-4147-A177-3AD203B41FA5}">
-                      <a16:colId xmlns:a16="http://schemas.microsoft.com/office/drawing/2014/main" xmlns="" val="20000"/>
+                      <a16:colId xmlns="" xmlns:a16="http://schemas.microsoft.com/office/drawing/2014/main" val="20000"/>
                     </a:ext>
                   </a:extLst>
                 </a:gridCol>
@@ -5117,7 +5117,7 @@
                 </a:tc>
                 <a:extLst>
                   <a:ext uri="{0D108BD9-81ED-4DB2-BD59-A6C34878D82A}">
-                    <a16:rowId xmlns:a16="http://schemas.microsoft.com/office/drawing/2014/main" xmlns="" val="10000"/>
+                    <a16:rowId xmlns="" xmlns:a16="http://schemas.microsoft.com/office/drawing/2014/main" val="10000"/>
                   </a:ext>
                 </a:extLst>
               </a:tr>
@@ -5169,7 +5169,7 @@
                 </a:tc>
                 <a:extLst>
                   <a:ext uri="{0D108BD9-81ED-4DB2-BD59-A6C34878D82A}">
-                    <a16:rowId xmlns:a16="http://schemas.microsoft.com/office/drawing/2014/main" xmlns="" val="10001"/>
+                    <a16:rowId xmlns="" xmlns:a16="http://schemas.microsoft.com/office/drawing/2014/main" val="10001"/>
                   </a:ext>
                 </a:extLst>
               </a:tr>
@@ -5199,14 +5199,14 @@
                 <a:gridCol w="280507">
                   <a:extLst>
                     <a:ext uri="{9D8B030D-6E8A-4147-A177-3AD203B41FA5}">
-                      <a16:colId xmlns:a16="http://schemas.microsoft.com/office/drawing/2014/main" xmlns="" val="20000"/>
+                      <a16:colId xmlns="" xmlns:a16="http://schemas.microsoft.com/office/drawing/2014/main" val="20000"/>
                     </a:ext>
                   </a:extLst>
                 </a:gridCol>
                 <a:gridCol w="2407792">
                   <a:extLst>
                     <a:ext uri="{9D8B030D-6E8A-4147-A177-3AD203B41FA5}">
-                      <a16:colId xmlns:a16="http://schemas.microsoft.com/office/drawing/2014/main" xmlns="" val="20001"/>
+                      <a16:colId xmlns="" xmlns:a16="http://schemas.microsoft.com/office/drawing/2014/main" val="20001"/>
                     </a:ext>
                   </a:extLst>
                 </a:gridCol>
@@ -5260,7 +5260,7 @@
                 </a:tc>
                 <a:extLst>
                   <a:ext uri="{0D108BD9-81ED-4DB2-BD59-A6C34878D82A}">
-                    <a16:rowId xmlns:a16="http://schemas.microsoft.com/office/drawing/2014/main" xmlns="" val="10000"/>
+                    <a16:rowId xmlns="" xmlns:a16="http://schemas.microsoft.com/office/drawing/2014/main" val="10000"/>
                   </a:ext>
                 </a:extLst>
               </a:tr>
@@ -5338,7 +5338,7 @@
                 </a:tc>
                 <a:extLst>
                   <a:ext uri="{0D108BD9-81ED-4DB2-BD59-A6C34878D82A}">
-                    <a16:rowId xmlns:a16="http://schemas.microsoft.com/office/drawing/2014/main" xmlns="" val="10001"/>
+                    <a16:rowId xmlns="" xmlns:a16="http://schemas.microsoft.com/office/drawing/2014/main" val="10001"/>
                   </a:ext>
                 </a:extLst>
               </a:tr>
@@ -6485,7 +6485,7 @@
           <p:cNvPr id="24" name="직사각형 23">
             <a:extLst>
               <a:ext uri="{FF2B5EF4-FFF2-40B4-BE49-F238E27FC236}">
-                <a16:creationId xmlns:a16="http://schemas.microsoft.com/office/drawing/2014/main" xmlns="" id="{7C9E9366-B86C-4147-AAEA-0E8C98D7DA95}"/>
+                <a16:creationId xmlns="" xmlns:a16="http://schemas.microsoft.com/office/drawing/2014/main" id="{7C9E9366-B86C-4147-AAEA-0E8C98D7DA95}"/>
               </a:ext>
             </a:extLst>
           </p:cNvPr>
@@ -8724,7 +8724,7 @@
                 <a:gridCol w="2688299">
                   <a:extLst>
                     <a:ext uri="{9D8B030D-6E8A-4147-A177-3AD203B41FA5}">
-                      <a16:colId xmlns:a16="http://schemas.microsoft.com/office/drawing/2014/main" xmlns="" val="20000"/>
+                      <a16:colId xmlns="" xmlns:a16="http://schemas.microsoft.com/office/drawing/2014/main" val="20000"/>
                     </a:ext>
                   </a:extLst>
                 </a:gridCol>
@@ -8756,7 +8756,7 @@
                 </a:tc>
                 <a:extLst>
                   <a:ext uri="{0D108BD9-81ED-4DB2-BD59-A6C34878D82A}">
-                    <a16:rowId xmlns:a16="http://schemas.microsoft.com/office/drawing/2014/main" xmlns="" val="10000"/>
+                    <a16:rowId xmlns="" xmlns:a16="http://schemas.microsoft.com/office/drawing/2014/main" val="10000"/>
                   </a:ext>
                 </a:extLst>
               </a:tr>
@@ -8784,7 +8784,7 @@
                 </a:tc>
                 <a:extLst>
                   <a:ext uri="{0D108BD9-81ED-4DB2-BD59-A6C34878D82A}">
-                    <a16:rowId xmlns:a16="http://schemas.microsoft.com/office/drawing/2014/main" xmlns="" val="10001"/>
+                    <a16:rowId xmlns="" xmlns:a16="http://schemas.microsoft.com/office/drawing/2014/main" val="10001"/>
                   </a:ext>
                 </a:extLst>
               </a:tr>
@@ -8814,14 +8814,14 @@
                 <a:gridCol w="280507">
                   <a:extLst>
                     <a:ext uri="{9D8B030D-6E8A-4147-A177-3AD203B41FA5}">
-                      <a16:colId xmlns:a16="http://schemas.microsoft.com/office/drawing/2014/main" xmlns="" val="20000"/>
+                      <a16:colId xmlns="" xmlns:a16="http://schemas.microsoft.com/office/drawing/2014/main" val="20000"/>
                     </a:ext>
                   </a:extLst>
                 </a:gridCol>
                 <a:gridCol w="2407792">
                   <a:extLst>
                     <a:ext uri="{9D8B030D-6E8A-4147-A177-3AD203B41FA5}">
-                      <a16:colId xmlns:a16="http://schemas.microsoft.com/office/drawing/2014/main" xmlns="" val="20001"/>
+                      <a16:colId xmlns="" xmlns:a16="http://schemas.microsoft.com/office/drawing/2014/main" val="20001"/>
                     </a:ext>
                   </a:extLst>
                 </a:gridCol>
@@ -8875,7 +8875,7 @@
                 </a:tc>
                 <a:extLst>
                   <a:ext uri="{0D108BD9-81ED-4DB2-BD59-A6C34878D82A}">
-                    <a16:rowId xmlns:a16="http://schemas.microsoft.com/office/drawing/2014/main" xmlns="" val="10000"/>
+                    <a16:rowId xmlns="" xmlns:a16="http://schemas.microsoft.com/office/drawing/2014/main" val="10000"/>
                   </a:ext>
                 </a:extLst>
               </a:tr>
@@ -8977,7 +8977,7 @@
                 </a:tc>
                 <a:extLst>
                   <a:ext uri="{0D108BD9-81ED-4DB2-BD59-A6C34878D82A}">
-                    <a16:rowId xmlns:a16="http://schemas.microsoft.com/office/drawing/2014/main" xmlns="" val="10001"/>
+                    <a16:rowId xmlns="" xmlns:a16="http://schemas.microsoft.com/office/drawing/2014/main" val="10001"/>
                   </a:ext>
                 </a:extLst>
               </a:tr>
@@ -9075,7 +9075,7 @@
           <p:cNvPr id="33" name="직사각형 32">
             <a:extLst>
               <a:ext uri="{FF2B5EF4-FFF2-40B4-BE49-F238E27FC236}">
-                <a16:creationId xmlns:a16="http://schemas.microsoft.com/office/drawing/2014/main" xmlns="" id="{7C9E9366-B86C-4147-AAEA-0E8C98D7DA95}"/>
+                <a16:creationId xmlns="" xmlns:a16="http://schemas.microsoft.com/office/drawing/2014/main" id="{7C9E9366-B86C-4147-AAEA-0E8C98D7DA95}"/>
               </a:ext>
             </a:extLst>
           </p:cNvPr>
@@ -11349,7 +11349,7 @@
         <p:spPr>
           <a:xfrm>
             <a:off x="1871531" y="626202"/>
-            <a:ext cx="7532965" cy="600164"/>
+            <a:ext cx="7532965" cy="646331"/>
           </a:xfrm>
           <a:prstGeom prst="rect">
             <a:avLst/>
@@ -11445,7 +11445,7 @@
               <a:t>공지사항 목록 </a:t>
             </a:r>
             <a:r>
-              <a:rPr lang="en-US" altLang="ko-KR" sz="2400" b="1" dirty="0" smtClean="0">
+              <a:rPr lang="en-US" altLang="ko-KR" sz="2400" b="1" dirty="0">
                 <a:solidFill>
                   <a:schemeClr val="tx1">
                     <a:lumMod val="75000"/>
@@ -11455,7 +11455,7 @@
                 <a:latin typeface="나눔바른고딕" panose="020B0603020101020101" pitchFamily="50" charset="-127"/>
                 <a:ea typeface="나눔바른고딕" panose="020B0603020101020101" pitchFamily="50" charset="-127"/>
               </a:rPr>
-              <a:t>- </a:t>
+              <a:t>– </a:t>
             </a:r>
             <a:r>
               <a:rPr lang="ko-KR" altLang="en-US" sz="2400" b="1" dirty="0" smtClean="0">
@@ -13291,7 +13291,7 @@
                 <a:gridCol w="2688299">
                   <a:extLst>
                     <a:ext uri="{9D8B030D-6E8A-4147-A177-3AD203B41FA5}">
-                      <a16:colId xmlns:a16="http://schemas.microsoft.com/office/drawing/2014/main" xmlns="" val="20000"/>
+                      <a16:colId xmlns="" xmlns:a16="http://schemas.microsoft.com/office/drawing/2014/main" val="20000"/>
                     </a:ext>
                   </a:extLst>
                 </a:gridCol>
@@ -13323,7 +13323,7 @@
                 </a:tc>
                 <a:extLst>
                   <a:ext uri="{0D108BD9-81ED-4DB2-BD59-A6C34878D82A}">
-                    <a16:rowId xmlns:a16="http://schemas.microsoft.com/office/drawing/2014/main" xmlns="" val="10000"/>
+                    <a16:rowId xmlns="" xmlns:a16="http://schemas.microsoft.com/office/drawing/2014/main" val="10000"/>
                   </a:ext>
                 </a:extLst>
               </a:tr>
@@ -13351,7 +13351,7 @@
                 </a:tc>
                 <a:extLst>
                   <a:ext uri="{0D108BD9-81ED-4DB2-BD59-A6C34878D82A}">
-                    <a16:rowId xmlns:a16="http://schemas.microsoft.com/office/drawing/2014/main" xmlns="" val="10001"/>
+                    <a16:rowId xmlns="" xmlns:a16="http://schemas.microsoft.com/office/drawing/2014/main" val="10001"/>
                   </a:ext>
                 </a:extLst>
               </a:tr>
@@ -13364,7 +13364,7 @@
           <p:cNvPr id="13" name="직사각형 12">
             <a:extLst>
               <a:ext uri="{FF2B5EF4-FFF2-40B4-BE49-F238E27FC236}">
-                <a16:creationId xmlns:a16="http://schemas.microsoft.com/office/drawing/2014/main" xmlns="" id="{7C9E9366-B86C-4147-AAEA-0E8C98D7DA95}"/>
+                <a16:creationId xmlns="" xmlns:a16="http://schemas.microsoft.com/office/drawing/2014/main" id="{7C9E9366-B86C-4147-AAEA-0E8C98D7DA95}"/>
               </a:ext>
             </a:extLst>
           </p:cNvPr>
@@ -14899,14 +14899,14 @@
                 <a:gridCol w="280507">
                   <a:extLst>
                     <a:ext uri="{9D8B030D-6E8A-4147-A177-3AD203B41FA5}">
-                      <a16:colId xmlns:a16="http://schemas.microsoft.com/office/drawing/2014/main" xmlns="" val="20000"/>
+                      <a16:colId xmlns="" xmlns:a16="http://schemas.microsoft.com/office/drawing/2014/main" val="20000"/>
                     </a:ext>
                   </a:extLst>
                 </a:gridCol>
                 <a:gridCol w="2407792">
                   <a:extLst>
                     <a:ext uri="{9D8B030D-6E8A-4147-A177-3AD203B41FA5}">
-                      <a16:colId xmlns:a16="http://schemas.microsoft.com/office/drawing/2014/main" xmlns="" val="20001"/>
+                      <a16:colId xmlns="" xmlns:a16="http://schemas.microsoft.com/office/drawing/2014/main" val="20001"/>
                     </a:ext>
                   </a:extLst>
                 </a:gridCol>
@@ -14960,7 +14960,7 @@
                 </a:tc>
                 <a:extLst>
                   <a:ext uri="{0D108BD9-81ED-4DB2-BD59-A6C34878D82A}">
-                    <a16:rowId xmlns:a16="http://schemas.microsoft.com/office/drawing/2014/main" xmlns="" val="10000"/>
+                    <a16:rowId xmlns="" xmlns:a16="http://schemas.microsoft.com/office/drawing/2014/main" val="10000"/>
                   </a:ext>
                 </a:extLst>
               </a:tr>
@@ -15105,7 +15105,7 @@
                 </a:tc>
                 <a:extLst>
                   <a:ext uri="{0D108BD9-81ED-4DB2-BD59-A6C34878D82A}">
-                    <a16:rowId xmlns:a16="http://schemas.microsoft.com/office/drawing/2014/main" xmlns="" val="10001"/>
+                    <a16:rowId xmlns="" xmlns:a16="http://schemas.microsoft.com/office/drawing/2014/main" val="10001"/>
                   </a:ext>
                 </a:extLst>
               </a:tr>
@@ -17097,7 +17097,7 @@
                 <a:gridCol w="2688299">
                   <a:extLst>
                     <a:ext uri="{9D8B030D-6E8A-4147-A177-3AD203B41FA5}">
-                      <a16:colId xmlns:a16="http://schemas.microsoft.com/office/drawing/2014/main" xmlns="" val="20000"/>
+                      <a16:colId xmlns="" xmlns:a16="http://schemas.microsoft.com/office/drawing/2014/main" val="20000"/>
                     </a:ext>
                   </a:extLst>
                 </a:gridCol>
@@ -17129,7 +17129,7 @@
                 </a:tc>
                 <a:extLst>
                   <a:ext uri="{0D108BD9-81ED-4DB2-BD59-A6C34878D82A}">
-                    <a16:rowId xmlns:a16="http://schemas.microsoft.com/office/drawing/2014/main" xmlns="" val="10000"/>
+                    <a16:rowId xmlns="" xmlns:a16="http://schemas.microsoft.com/office/drawing/2014/main" val="10000"/>
                   </a:ext>
                 </a:extLst>
               </a:tr>
@@ -17157,7 +17157,7 @@
                 </a:tc>
                 <a:extLst>
                   <a:ext uri="{0D108BD9-81ED-4DB2-BD59-A6C34878D82A}">
-                    <a16:rowId xmlns:a16="http://schemas.microsoft.com/office/drawing/2014/main" xmlns="" val="10001"/>
+                    <a16:rowId xmlns="" xmlns:a16="http://schemas.microsoft.com/office/drawing/2014/main" val="10001"/>
                   </a:ext>
                 </a:extLst>
               </a:tr>
@@ -18315,7 +18315,7 @@
           <p:cNvPr id="21" name="직사각형 20">
             <a:extLst>
               <a:ext uri="{FF2B5EF4-FFF2-40B4-BE49-F238E27FC236}">
-                <a16:creationId xmlns:a16="http://schemas.microsoft.com/office/drawing/2014/main" xmlns="" id="{7C9E9366-B86C-4147-AAEA-0E8C98D7DA95}"/>
+                <a16:creationId xmlns="" xmlns:a16="http://schemas.microsoft.com/office/drawing/2014/main" id="{7C9E9366-B86C-4147-AAEA-0E8C98D7DA95}"/>
               </a:ext>
             </a:extLst>
           </p:cNvPr>
@@ -18858,14 +18858,14 @@
                 <a:gridCol w="280507">
                   <a:extLst>
                     <a:ext uri="{9D8B030D-6E8A-4147-A177-3AD203B41FA5}">
-                      <a16:colId xmlns:a16="http://schemas.microsoft.com/office/drawing/2014/main" xmlns="" val="20000"/>
+                      <a16:colId xmlns="" xmlns:a16="http://schemas.microsoft.com/office/drawing/2014/main" val="20000"/>
                     </a:ext>
                   </a:extLst>
                 </a:gridCol>
                 <a:gridCol w="2407792">
                   <a:extLst>
                     <a:ext uri="{9D8B030D-6E8A-4147-A177-3AD203B41FA5}">
-                      <a16:colId xmlns:a16="http://schemas.microsoft.com/office/drawing/2014/main" xmlns="" val="20001"/>
+                      <a16:colId xmlns="" xmlns:a16="http://schemas.microsoft.com/office/drawing/2014/main" val="20001"/>
                     </a:ext>
                   </a:extLst>
                 </a:gridCol>
@@ -18919,7 +18919,7 @@
                 </a:tc>
                 <a:extLst>
                   <a:ext uri="{0D108BD9-81ED-4DB2-BD59-A6C34878D82A}">
-                    <a16:rowId xmlns:a16="http://schemas.microsoft.com/office/drawing/2014/main" xmlns="" val="10000"/>
+                    <a16:rowId xmlns="" xmlns:a16="http://schemas.microsoft.com/office/drawing/2014/main" val="10000"/>
                   </a:ext>
                 </a:extLst>
               </a:tr>
@@ -19064,7 +19064,7 @@
                 </a:tc>
                 <a:extLst>
                   <a:ext uri="{0D108BD9-81ED-4DB2-BD59-A6C34878D82A}">
-                    <a16:rowId xmlns:a16="http://schemas.microsoft.com/office/drawing/2014/main" xmlns="" val="10001"/>
+                    <a16:rowId xmlns="" xmlns:a16="http://schemas.microsoft.com/office/drawing/2014/main" val="10001"/>
                   </a:ext>
                 </a:extLst>
               </a:tr>

--- a/0 발표용 파워포인트/0522 3차발표/0522 project06 - 파워포인트 - 송우.pptx
+++ b/0 발표용 파워포인트/0522 3차발표/0522 project06 - 파워포인트 - 송우.pptx
@@ -5,21 +5,22 @@
     <p:sldMasterId id="2147483660" r:id="rId1"/>
   </p:sldMasterIdLst>
   <p:notesMasterIdLst>
-    <p:notesMasterId r:id="rId14"/>
+    <p:notesMasterId r:id="rId15"/>
   </p:notesMasterIdLst>
   <p:sldIdLst>
     <p:sldId id="261" r:id="rId2"/>
     <p:sldId id="264" r:id="rId3"/>
     <p:sldId id="262" r:id="rId4"/>
-    <p:sldId id="260" r:id="rId5"/>
-    <p:sldId id="265" r:id="rId6"/>
-    <p:sldId id="263" r:id="rId7"/>
-    <p:sldId id="257" r:id="rId8"/>
-    <p:sldId id="258" r:id="rId9"/>
-    <p:sldId id="259" r:id="rId10"/>
-    <p:sldId id="266" r:id="rId11"/>
-    <p:sldId id="267" r:id="rId12"/>
-    <p:sldId id="268" r:id="rId13"/>
+    <p:sldId id="269" r:id="rId5"/>
+    <p:sldId id="260" r:id="rId6"/>
+    <p:sldId id="265" r:id="rId7"/>
+    <p:sldId id="263" r:id="rId8"/>
+    <p:sldId id="257" r:id="rId9"/>
+    <p:sldId id="258" r:id="rId10"/>
+    <p:sldId id="259" r:id="rId11"/>
+    <p:sldId id="266" r:id="rId12"/>
+    <p:sldId id="267" r:id="rId13"/>
+    <p:sldId id="268" r:id="rId14"/>
   </p:sldIdLst>
   <p:sldSz cx="12192000" cy="6858000"/>
   <p:notesSz cx="6858000" cy="9144000"/>
@@ -220,7 +221,7 @@
             <a:fld id="{EFE7F2A0-C7D9-4DBD-AE3B-C1A712DCE501}" type="datetimeFigureOut">
               <a:rPr lang="ko-KR" altLang="en-US" smtClean="0"/>
               <a:pPr/>
-              <a:t>2020-05-21 Thu</a:t>
+              <a:t>20-05-21 [Thu]</a:t>
             </a:fld>
             <a:endParaRPr lang="ko-KR" altLang="en-US"/>
           </a:p>
@@ -625,7 +626,7 @@
                 </a:solidFill>
               </a:rPr>
               <a:pPr/>
-              <a:t>2020-05-21 Thu</a:t>
+              <a:t>20-05-21 [Thu]</a:t>
             </a:fld>
             <a:endParaRPr lang="ko-KR" altLang="en-US">
               <a:solidFill>
@@ -825,7 +826,7 @@
                 </a:solidFill>
               </a:rPr>
               <a:pPr/>
-              <a:t>2020-05-21 Thu</a:t>
+              <a:t>20-05-21 [Thu]</a:t>
             </a:fld>
             <a:endParaRPr lang="ko-KR" altLang="en-US">
               <a:solidFill>
@@ -1035,7 +1036,7 @@
                 </a:solidFill>
               </a:rPr>
               <a:pPr/>
-              <a:t>2020-05-21 Thu</a:t>
+              <a:t>20-05-21 [Thu]</a:t>
             </a:fld>
             <a:endParaRPr lang="ko-KR" altLang="en-US">
               <a:solidFill>
@@ -1433,7 +1434,7 @@
                 </a:solidFill>
               </a:rPr>
               <a:pPr/>
-              <a:t>2020-05-21 Thu</a:t>
+              <a:t>20-05-21 [Thu]</a:t>
             </a:fld>
             <a:endParaRPr lang="ko-KR" altLang="en-US">
               <a:solidFill>
@@ -1710,7 +1711,7 @@
                 </a:solidFill>
               </a:rPr>
               <a:pPr/>
-              <a:t>2020-05-21 Thu</a:t>
+              <a:t>20-05-21 [Thu]</a:t>
             </a:fld>
             <a:endParaRPr lang="ko-KR" altLang="en-US">
               <a:solidFill>
@@ -1971,7 +1972,7 @@
                 </a:solidFill>
               </a:rPr>
               <a:pPr/>
-              <a:t>2020-05-21 Thu</a:t>
+              <a:t>20-05-21 [Thu]</a:t>
             </a:fld>
             <a:endParaRPr lang="ko-KR" altLang="en-US">
               <a:solidFill>
@@ -2367,7 +2368,7 @@
                 </a:solidFill>
               </a:rPr>
               <a:pPr/>
-              <a:t>2020-05-21 Thu</a:t>
+              <a:t>20-05-21 [Thu]</a:t>
             </a:fld>
             <a:endParaRPr lang="ko-KR" altLang="en-US">
               <a:solidFill>
@@ -2516,7 +2517,7 @@
                 </a:solidFill>
               </a:rPr>
               <a:pPr/>
-              <a:t>2020-05-21 Thu</a:t>
+              <a:t>20-05-21 [Thu]</a:t>
             </a:fld>
             <a:endParaRPr lang="ko-KR" altLang="en-US">
               <a:solidFill>
@@ -2643,7 +2644,7 @@
                 </a:solidFill>
               </a:rPr>
               <a:pPr/>
-              <a:t>2020-05-21 Thu</a:t>
+              <a:t>20-05-21 [Thu]</a:t>
             </a:fld>
             <a:endParaRPr lang="ko-KR" altLang="en-US">
               <a:solidFill>
@@ -2950,7 +2951,7 @@
                 </a:solidFill>
               </a:rPr>
               <a:pPr/>
-              <a:t>2020-05-21 Thu</a:t>
+              <a:t>20-05-21 [Thu]</a:t>
             </a:fld>
             <a:endParaRPr lang="ko-KR" altLang="en-US">
               <a:solidFill>
@@ -3234,7 +3235,7 @@
                 </a:solidFill>
               </a:rPr>
               <a:pPr/>
-              <a:t>2020-05-21 Thu</a:t>
+              <a:t>20-05-21 [Thu]</a:t>
             </a:fld>
             <a:endParaRPr lang="ko-KR" altLang="en-US">
               <a:solidFill>
@@ -3482,7 +3483,7 @@
                 </a:solidFill>
               </a:rPr>
               <a:pPr/>
-              <a:t>2020-05-21 Thu</a:t>
+              <a:t>20-05-21 [Thu]</a:t>
             </a:fld>
             <a:endParaRPr lang="ko-KR" altLang="en-US" dirty="0">
               <a:solidFill>
@@ -3993,6 +3994,662 @@
 </file>
 
 <file path=ppt/slides/slide10.xml><?xml version="1.0" encoding="utf-8"?>
+<p:sld xmlns:a="http://schemas.openxmlformats.org/drawingml/2006/main" xmlns:r="http://schemas.openxmlformats.org/officeDocument/2006/relationships" xmlns:p="http://schemas.openxmlformats.org/presentationml/2006/main">
+  <p:cSld>
+    <p:spTree>
+      <p:nvGrpSpPr>
+        <p:cNvPr id="1" name=""/>
+        <p:cNvGrpSpPr/>
+        <p:nvPr/>
+      </p:nvGrpSpPr>
+      <p:grpSpPr>
+        <a:xfrm>
+          <a:off x="0" y="0"/>
+          <a:ext cx="0" cy="0"/>
+          <a:chOff x="0" y="0"/>
+          <a:chExt cx="0" cy="0"/>
+        </a:xfrm>
+      </p:grpSpPr>
+      <p:sp>
+        <p:nvSpPr>
+          <p:cNvPr id="6" name="양쪽 모서리가 둥근 사각형 5"/>
+          <p:cNvSpPr/>
+          <p:nvPr/>
+        </p:nvSpPr>
+        <p:spPr>
+          <a:xfrm>
+            <a:off x="143339" y="548680"/>
+            <a:ext cx="11905323" cy="6144683"/>
+          </a:xfrm>
+          <a:prstGeom prst="round2SameRect">
+            <a:avLst>
+              <a:gd name="adj1" fmla="val 0"/>
+              <a:gd name="adj2" fmla="val 2405"/>
+            </a:avLst>
+          </a:prstGeom>
+          <a:solidFill>
+            <a:schemeClr val="bg1"/>
+          </a:solidFill>
+          <a:ln>
+            <a:noFill/>
+          </a:ln>
+          <a:effectLst>
+            <a:outerShdw dist="254000" dir="5400000" sx="97000" sy="97000" algn="t" rotWithShape="0">
+              <a:prstClr val="black">
+                <a:alpha val="40000"/>
+              </a:prstClr>
+            </a:outerShdw>
+          </a:effectLst>
+        </p:spPr>
+        <p:style>
+          <a:lnRef idx="2">
+            <a:schemeClr val="accent1">
+              <a:shade val="50000"/>
+            </a:schemeClr>
+          </a:lnRef>
+          <a:fillRef idx="1">
+            <a:schemeClr val="accent1"/>
+          </a:fillRef>
+          <a:effectRef idx="0">
+            <a:schemeClr val="accent1"/>
+          </a:effectRef>
+          <a:fontRef idx="minor">
+            <a:schemeClr val="lt1"/>
+          </a:fontRef>
+        </p:style>
+        <p:txBody>
+          <a:bodyPr lIns="91440" tIns="45720" rIns="91440" bIns="45720" rtlCol="0" anchor="ctr"/>
+          <a:lstStyle/>
+          <a:p>
+            <a:pPr algn="ctr"/>
+            <a:endParaRPr lang="ko-KR" altLang="en-US" sz="2400" dirty="0">
+              <a:solidFill>
+                <a:prstClr val="white"/>
+              </a:solidFill>
+              <a:latin typeface="나눔바른고딕" panose="020B0603020101020101" pitchFamily="50" charset="-127"/>
+              <a:ea typeface="나눔바른고딕" panose="020B0603020101020101" pitchFamily="50" charset="-127"/>
+            </a:endParaRPr>
+          </a:p>
+        </p:txBody>
+      </p:sp>
+      <p:sp>
+        <p:nvSpPr>
+          <p:cNvPr id="5" name="양쪽 모서리가 둥근 사각형 4"/>
+          <p:cNvSpPr/>
+          <p:nvPr/>
+        </p:nvSpPr>
+        <p:spPr>
+          <a:xfrm>
+            <a:off x="143339" y="243880"/>
+            <a:ext cx="11905323" cy="304800"/>
+          </a:xfrm>
+          <a:prstGeom prst="round2SameRect">
+            <a:avLst>
+              <a:gd name="adj1" fmla="val 44667"/>
+              <a:gd name="adj2" fmla="val 0"/>
+            </a:avLst>
+          </a:prstGeom>
+          <a:solidFill>
+            <a:srgbClr val="411F42"/>
+          </a:solidFill>
+          <a:ln>
+            <a:noFill/>
+          </a:ln>
+          <a:effectLst>
+            <a:outerShdw dist="76200" dir="16200000" sx="97000" sy="97000" rotWithShape="0">
+              <a:prstClr val="black">
+                <a:alpha val="40000"/>
+              </a:prstClr>
+            </a:outerShdw>
+          </a:effectLst>
+        </p:spPr>
+        <p:style>
+          <a:lnRef idx="2">
+            <a:schemeClr val="accent1">
+              <a:shade val="50000"/>
+            </a:schemeClr>
+          </a:lnRef>
+          <a:fillRef idx="1">
+            <a:schemeClr val="accent1"/>
+          </a:fillRef>
+          <a:effectRef idx="0">
+            <a:schemeClr val="accent1"/>
+          </a:effectRef>
+          <a:fontRef idx="minor">
+            <a:schemeClr val="lt1"/>
+          </a:fontRef>
+        </p:style>
+        <p:txBody>
+          <a:bodyPr lIns="91440" tIns="45720" rIns="91440" bIns="45720" rtlCol="0" anchor="ctr"/>
+          <a:lstStyle/>
+          <a:p>
+            <a:pPr algn="ctr"/>
+            <a:endParaRPr lang="ko-KR" altLang="en-US" sz="2400" dirty="0">
+              <a:solidFill>
+                <a:prstClr val="white"/>
+              </a:solidFill>
+              <a:latin typeface="나눔바른고딕" panose="020B0603020101020101" pitchFamily="50" charset="-127"/>
+              <a:ea typeface="나눔바른고딕" panose="020B0603020101020101" pitchFamily="50" charset="-127"/>
+            </a:endParaRPr>
+          </a:p>
+        </p:txBody>
+      </p:sp>
+      <p:sp>
+        <p:nvSpPr>
+          <p:cNvPr id="7" name="직사각형 6"/>
+          <p:cNvSpPr/>
+          <p:nvPr/>
+        </p:nvSpPr>
+        <p:spPr>
+          <a:xfrm>
+            <a:off x="935120" y="366664"/>
+            <a:ext cx="10613801" cy="72000"/>
+          </a:xfrm>
+          <a:prstGeom prst="rect">
+            <a:avLst/>
+          </a:prstGeom>
+          <a:solidFill>
+            <a:schemeClr val="bg1"/>
+          </a:solidFill>
+          <a:ln>
+            <a:noFill/>
+          </a:ln>
+        </p:spPr>
+        <p:style>
+          <a:lnRef idx="2">
+            <a:schemeClr val="accent1">
+              <a:shade val="50000"/>
+            </a:schemeClr>
+          </a:lnRef>
+          <a:fillRef idx="1">
+            <a:schemeClr val="accent1"/>
+          </a:fillRef>
+          <a:effectRef idx="0">
+            <a:schemeClr val="accent1"/>
+          </a:effectRef>
+          <a:fontRef idx="minor">
+            <a:schemeClr val="lt1"/>
+          </a:fontRef>
+        </p:style>
+        <p:txBody>
+          <a:bodyPr lIns="91440" tIns="45720" rIns="91440" bIns="45720" rtlCol="0" anchor="ctr"/>
+          <a:lstStyle/>
+          <a:p>
+            <a:pPr algn="ctr"/>
+            <a:endParaRPr lang="ko-KR" altLang="en-US" sz="2400" dirty="0">
+              <a:solidFill>
+                <a:prstClr val="white"/>
+              </a:solidFill>
+              <a:latin typeface="나눔바른고딕" panose="020B0603020101020101" pitchFamily="50" charset="-127"/>
+              <a:ea typeface="나눔바른고딕" panose="020B0603020101020101" pitchFamily="50" charset="-127"/>
+            </a:endParaRPr>
+          </a:p>
+        </p:txBody>
+      </p:sp>
+      <p:sp>
+        <p:nvSpPr>
+          <p:cNvPr id="8" name="타원 7"/>
+          <p:cNvSpPr/>
+          <p:nvPr/>
+        </p:nvSpPr>
+        <p:spPr>
+          <a:xfrm>
+            <a:off x="576949" y="366664"/>
+            <a:ext cx="75276" cy="72000"/>
+          </a:xfrm>
+          <a:prstGeom prst="ellipse">
+            <a:avLst/>
+          </a:prstGeom>
+          <a:solidFill>
+            <a:srgbClr val="FF6189"/>
+          </a:solidFill>
+          <a:ln>
+            <a:noFill/>
+          </a:ln>
+        </p:spPr>
+        <p:style>
+          <a:lnRef idx="2">
+            <a:schemeClr val="accent1">
+              <a:shade val="50000"/>
+            </a:schemeClr>
+          </a:lnRef>
+          <a:fillRef idx="1">
+            <a:schemeClr val="accent1"/>
+          </a:fillRef>
+          <a:effectRef idx="0">
+            <a:schemeClr val="accent1"/>
+          </a:effectRef>
+          <a:fontRef idx="minor">
+            <a:schemeClr val="lt1"/>
+          </a:fontRef>
+        </p:style>
+        <p:txBody>
+          <a:bodyPr lIns="91440" tIns="45720" rIns="91440" bIns="45720" rtlCol="0" anchor="ctr"/>
+          <a:lstStyle/>
+          <a:p>
+            <a:pPr algn="ctr"/>
+            <a:endParaRPr lang="ko-KR" altLang="en-US" sz="2400" dirty="0">
+              <a:solidFill>
+                <a:prstClr val="white"/>
+              </a:solidFill>
+              <a:latin typeface="나눔바른고딕" panose="020B0603020101020101" pitchFamily="50" charset="-127"/>
+              <a:ea typeface="나눔바른고딕" panose="020B0603020101020101" pitchFamily="50" charset="-127"/>
+            </a:endParaRPr>
+          </a:p>
+        </p:txBody>
+      </p:sp>
+      <p:sp>
+        <p:nvSpPr>
+          <p:cNvPr id="9" name="타원 8"/>
+          <p:cNvSpPr/>
+          <p:nvPr/>
+        </p:nvSpPr>
+        <p:spPr>
+          <a:xfrm>
+            <a:off x="766826" y="366664"/>
+            <a:ext cx="75276" cy="72000"/>
+          </a:xfrm>
+          <a:prstGeom prst="ellipse">
+            <a:avLst/>
+          </a:prstGeom>
+          <a:solidFill>
+            <a:srgbClr val="00B0F0"/>
+          </a:solidFill>
+          <a:ln>
+            <a:noFill/>
+          </a:ln>
+        </p:spPr>
+        <p:style>
+          <a:lnRef idx="2">
+            <a:schemeClr val="accent1">
+              <a:shade val="50000"/>
+            </a:schemeClr>
+          </a:lnRef>
+          <a:fillRef idx="1">
+            <a:schemeClr val="accent1"/>
+          </a:fillRef>
+          <a:effectRef idx="0">
+            <a:schemeClr val="accent1"/>
+          </a:effectRef>
+          <a:fontRef idx="minor">
+            <a:schemeClr val="lt1"/>
+          </a:fontRef>
+        </p:style>
+        <p:txBody>
+          <a:bodyPr lIns="91440" tIns="45720" rIns="91440" bIns="45720" rtlCol="0" anchor="ctr"/>
+          <a:lstStyle/>
+          <a:p>
+            <a:pPr algn="ctr"/>
+            <a:endParaRPr lang="ko-KR" altLang="en-US" sz="2400" dirty="0">
+              <a:solidFill>
+                <a:prstClr val="white"/>
+              </a:solidFill>
+              <a:latin typeface="나눔바른고딕" panose="020B0603020101020101" pitchFamily="50" charset="-127"/>
+              <a:ea typeface="나눔바른고딕" panose="020B0603020101020101" pitchFamily="50" charset="-127"/>
+            </a:endParaRPr>
+          </a:p>
+        </p:txBody>
+      </p:sp>
+      <p:sp>
+        <p:nvSpPr>
+          <p:cNvPr id="10" name="타원 9"/>
+          <p:cNvSpPr/>
+          <p:nvPr/>
+        </p:nvSpPr>
+        <p:spPr>
+          <a:xfrm>
+            <a:off x="956703" y="366664"/>
+            <a:ext cx="75276" cy="72000"/>
+          </a:xfrm>
+          <a:prstGeom prst="ellipse">
+            <a:avLst/>
+          </a:prstGeom>
+          <a:solidFill>
+            <a:schemeClr val="accent4"/>
+          </a:solidFill>
+          <a:ln>
+            <a:noFill/>
+          </a:ln>
+        </p:spPr>
+        <p:style>
+          <a:lnRef idx="2">
+            <a:schemeClr val="accent1">
+              <a:shade val="50000"/>
+            </a:schemeClr>
+          </a:lnRef>
+          <a:fillRef idx="1">
+            <a:schemeClr val="accent1"/>
+          </a:fillRef>
+          <a:effectRef idx="0">
+            <a:schemeClr val="accent1"/>
+          </a:effectRef>
+          <a:fontRef idx="minor">
+            <a:schemeClr val="lt1"/>
+          </a:fontRef>
+        </p:style>
+        <p:txBody>
+          <a:bodyPr lIns="91440" tIns="45720" rIns="91440" bIns="45720" rtlCol="0" anchor="ctr"/>
+          <a:lstStyle/>
+          <a:p>
+            <a:pPr algn="ctr"/>
+            <a:endParaRPr lang="ko-KR" altLang="en-US" sz="2400" dirty="0">
+              <a:solidFill>
+                <a:prstClr val="white"/>
+              </a:solidFill>
+              <a:latin typeface="나눔바른고딕" panose="020B0603020101020101" pitchFamily="50" charset="-127"/>
+              <a:ea typeface="나눔바른고딕" panose="020B0603020101020101" pitchFamily="50" charset="-127"/>
+            </a:endParaRPr>
+          </a:p>
+        </p:txBody>
+      </p:sp>
+      <p:sp>
+        <p:nvSpPr>
+          <p:cNvPr id="11" name="직사각형 10"/>
+          <p:cNvSpPr/>
+          <p:nvPr/>
+        </p:nvSpPr>
+        <p:spPr>
+          <a:xfrm>
+            <a:off x="1871531" y="626202"/>
+            <a:ext cx="7532965" cy="646331"/>
+          </a:xfrm>
+          <a:prstGeom prst="rect">
+            <a:avLst/>
+          </a:prstGeom>
+        </p:spPr>
+        <p:txBody>
+          <a:bodyPr wrap="square" lIns="91440" tIns="45720" rIns="91440" bIns="45720">
+            <a:spAutoFit/>
+          </a:bodyPr>
+          <a:lstStyle/>
+          <a:p>
+            <a:pPr>
+              <a:lnSpc>
+                <a:spcPct val="150000"/>
+              </a:lnSpc>
+            </a:pPr>
+            <a:r>
+              <a:rPr lang="en-US" altLang="ko-KR" sz="2400" b="1" dirty="0">
+                <a:solidFill>
+                  <a:prstClr val="black">
+                    <a:lumMod val="75000"/>
+                    <a:lumOff val="25000"/>
+                  </a:prstClr>
+                </a:solidFill>
+                <a:latin typeface="나눔바른고딕" panose="020B0603020101020101" pitchFamily="50" charset="-127"/>
+                <a:ea typeface="나눔바른고딕" panose="020B0603020101020101" pitchFamily="50" charset="-127"/>
+              </a:rPr>
+              <a:t>[ </a:t>
+            </a:r>
+            <a:r>
+              <a:rPr lang="ko-KR" altLang="en-US" sz="2400" b="1" dirty="0">
+                <a:solidFill>
+                  <a:prstClr val="black">
+                    <a:lumMod val="75000"/>
+                    <a:lumOff val="25000"/>
+                  </a:prstClr>
+                </a:solidFill>
+                <a:latin typeface="나눔바른고딕" panose="020B0603020101020101" pitchFamily="50" charset="-127"/>
+                <a:ea typeface="나눔바른고딕" panose="020B0603020101020101" pitchFamily="50" charset="-127"/>
+              </a:rPr>
+              <a:t>화면구현 </a:t>
+            </a:r>
+            <a:r>
+              <a:rPr lang="en-US" altLang="ko-KR" sz="2400" b="1" dirty="0">
+                <a:solidFill>
+                  <a:prstClr val="black">
+                    <a:lumMod val="75000"/>
+                    <a:lumOff val="25000"/>
+                  </a:prstClr>
+                </a:solidFill>
+                <a:latin typeface="나눔바른고딕" panose="020B0603020101020101" pitchFamily="50" charset="-127"/>
+                <a:ea typeface="나눔바른고딕" panose="020B0603020101020101" pitchFamily="50" charset="-127"/>
+              </a:rPr>
+              <a:t>] </a:t>
+            </a:r>
+            <a:r>
+              <a:rPr lang="ko-KR" altLang="en-US" sz="2400" b="1" dirty="0">
+                <a:solidFill>
+                  <a:prstClr val="black">
+                    <a:lumMod val="75000"/>
+                    <a:lumOff val="25000"/>
+                  </a:prstClr>
+                </a:solidFill>
+                <a:latin typeface="나눔바른고딕" panose="020B0603020101020101" pitchFamily="50" charset="-127"/>
+                <a:ea typeface="나눔바른고딕" panose="020B0603020101020101" pitchFamily="50" charset="-127"/>
+              </a:rPr>
+              <a:t>고객센터 </a:t>
+            </a:r>
+            <a:r>
+              <a:rPr lang="en-US" altLang="ko-KR" sz="2400" b="1" dirty="0">
+                <a:solidFill>
+                  <a:prstClr val="black">
+                    <a:lumMod val="75000"/>
+                    <a:lumOff val="25000"/>
+                  </a:prstClr>
+                </a:solidFill>
+                <a:latin typeface="나눔바른고딕" panose="020B0603020101020101" pitchFamily="50" charset="-127"/>
+                <a:ea typeface="나눔바른고딕" panose="020B0603020101020101" pitchFamily="50" charset="-127"/>
+              </a:rPr>
+              <a:t>– FAQ </a:t>
+            </a:r>
+            <a:r>
+              <a:rPr lang="ko-KR" altLang="en-US" sz="2400" b="1" dirty="0">
+                <a:solidFill>
+                  <a:prstClr val="black">
+                    <a:lumMod val="75000"/>
+                    <a:lumOff val="25000"/>
+                  </a:prstClr>
+                </a:solidFill>
+                <a:latin typeface="나눔바른고딕" panose="020B0603020101020101" pitchFamily="50" charset="-127"/>
+                <a:ea typeface="나눔바른고딕" panose="020B0603020101020101" pitchFamily="50" charset="-127"/>
+              </a:rPr>
+              <a:t>목록 </a:t>
+            </a:r>
+            <a:r>
+              <a:rPr lang="en-US" altLang="ko-KR" sz="2400" b="1" dirty="0">
+                <a:solidFill>
+                  <a:prstClr val="black">
+                    <a:lumMod val="75000"/>
+                    <a:lumOff val="25000"/>
+                  </a:prstClr>
+                </a:solidFill>
+                <a:latin typeface="나눔바른고딕" panose="020B0603020101020101" pitchFamily="50" charset="-127"/>
+                <a:ea typeface="나눔바른고딕" panose="020B0603020101020101" pitchFamily="50" charset="-127"/>
+              </a:rPr>
+              <a:t>– </a:t>
+            </a:r>
+            <a:r>
+              <a:rPr lang="ko-KR" altLang="en-US" sz="2400" b="1" dirty="0">
+                <a:solidFill>
+                  <a:prstClr val="black">
+                    <a:lumMod val="75000"/>
+                    <a:lumOff val="25000"/>
+                  </a:prstClr>
+                </a:solidFill>
+                <a:latin typeface="나눔바른고딕" panose="020B0603020101020101" pitchFamily="50" charset="-127"/>
+                <a:ea typeface="나눔바른고딕" panose="020B0603020101020101" pitchFamily="50" charset="-127"/>
+              </a:rPr>
+              <a:t>사용자</a:t>
+            </a:r>
+          </a:p>
+        </p:txBody>
+      </p:sp>
+      <p:pic>
+        <p:nvPicPr>
+          <p:cNvPr id="13" name="Picture 2"/>
+          <p:cNvPicPr>
+            <a:picLocks noChangeAspect="1" noChangeArrowheads="1"/>
+          </p:cNvPicPr>
+          <p:nvPr/>
+        </p:nvPicPr>
+        <p:blipFill>
+          <a:blip r:embed="rId2" cstate="print">
+            <a:extLst>
+              <a:ext uri="{28A0092B-C50C-407E-A947-70E740481C1C}">
+                <a14:useLocalDpi xmlns:a14="http://schemas.microsoft.com/office/drawing/2010/main" val="0"/>
+              </a:ext>
+            </a:extLst>
+          </a:blip>
+          <a:srcRect/>
+          <a:stretch>
+            <a:fillRect/>
+          </a:stretch>
+        </p:blipFill>
+        <p:spPr bwMode="auto">
+          <a:xfrm>
+            <a:off x="804463" y="626202"/>
+            <a:ext cx="1128060" cy="751305"/>
+          </a:xfrm>
+          <a:prstGeom prst="rect">
+            <a:avLst/>
+          </a:prstGeom>
+          <a:noFill/>
+          <a:ln>
+            <a:noFill/>
+          </a:ln>
+          <a:extLst>
+            <a:ext uri="{909E8E84-426E-40DD-AFC4-6F175D3DCCD1}">
+              <a14:hiddenFill xmlns:a14="http://schemas.microsoft.com/office/drawing/2010/main">
+                <a:solidFill>
+                  <a:schemeClr val="accent1"/>
+                </a:solidFill>
+              </a14:hiddenFill>
+            </a:ext>
+            <a:ext uri="{91240B29-F687-4F45-9708-019B960494DF}">
+              <a14:hiddenLine xmlns:a14="http://schemas.microsoft.com/office/drawing/2010/main" w="9525">
+                <a:solidFill>
+                  <a:schemeClr val="tx1"/>
+                </a:solidFill>
+                <a:miter lim="800000"/>
+                <a:headEnd/>
+                <a:tailEnd/>
+              </a14:hiddenLine>
+            </a:ext>
+          </a:extLst>
+        </p:spPr>
+      </p:pic>
+      <p:pic>
+        <p:nvPicPr>
+          <p:cNvPr id="2" name="그림 1"/>
+          <p:cNvPicPr>
+            <a:picLocks noChangeAspect="1"/>
+          </p:cNvPicPr>
+          <p:nvPr/>
+        </p:nvPicPr>
+        <p:blipFill>
+          <a:blip r:embed="rId3" cstate="print">
+            <a:extLst>
+              <a:ext uri="{28A0092B-C50C-407E-A947-70E740481C1C}">
+                <a14:useLocalDpi xmlns:a14="http://schemas.microsoft.com/office/drawing/2010/main" val="0"/>
+              </a:ext>
+            </a:extLst>
+          </a:blip>
+          <a:stretch>
+            <a:fillRect/>
+          </a:stretch>
+        </p:blipFill>
+        <p:spPr>
+          <a:xfrm>
+            <a:off x="1223855" y="1555718"/>
+            <a:ext cx="2590800" cy="4605867"/>
+          </a:xfrm>
+          <a:prstGeom prst="rect">
+            <a:avLst/>
+          </a:prstGeom>
+        </p:spPr>
+      </p:pic>
+      <p:pic>
+        <p:nvPicPr>
+          <p:cNvPr id="14" name="그림 13"/>
+          <p:cNvPicPr>
+            <a:picLocks noChangeAspect="1"/>
+          </p:cNvPicPr>
+          <p:nvPr/>
+        </p:nvPicPr>
+        <p:blipFill>
+          <a:blip r:embed="rId4">
+            <a:clrChange>
+              <a:clrFrom>
+                <a:srgbClr val="FFFFFF"/>
+              </a:clrFrom>
+              <a:clrTo>
+                <a:srgbClr val="FFFFFF">
+                  <a:alpha val="0"/>
+                </a:srgbClr>
+              </a:clrTo>
+            </a:clrChange>
+          </a:blip>
+          <a:stretch>
+            <a:fillRect/>
+          </a:stretch>
+        </p:blipFill>
+        <p:spPr>
+          <a:xfrm>
+            <a:off x="4869787" y="4153817"/>
+            <a:ext cx="5192810" cy="2321314"/>
+          </a:xfrm>
+          <a:prstGeom prst="rect">
+            <a:avLst/>
+          </a:prstGeom>
+        </p:spPr>
+      </p:pic>
+      <p:pic>
+        <p:nvPicPr>
+          <p:cNvPr id="18" name="그림 17"/>
+          <p:cNvPicPr>
+            <a:picLocks noChangeAspect="1"/>
+          </p:cNvPicPr>
+          <p:nvPr/>
+        </p:nvPicPr>
+        <p:blipFill>
+          <a:blip r:embed="rId5">
+            <a:clrChange>
+              <a:clrFrom>
+                <a:srgbClr val="FFFFFF"/>
+              </a:clrFrom>
+              <a:clrTo>
+                <a:srgbClr val="FFFFFF">
+                  <a:alpha val="0"/>
+                </a:srgbClr>
+              </a:clrTo>
+            </a:clrChange>
+          </a:blip>
+          <a:stretch>
+            <a:fillRect/>
+          </a:stretch>
+        </p:blipFill>
+        <p:spPr>
+          <a:xfrm>
+            <a:off x="4869787" y="1272533"/>
+            <a:ext cx="6225343" cy="2826276"/>
+          </a:xfrm>
+          <a:prstGeom prst="rect">
+            <a:avLst/>
+          </a:prstGeom>
+        </p:spPr>
+      </p:pic>
+    </p:spTree>
+    <p:extLst>
+      <p:ext uri="{BB962C8B-B14F-4D97-AF65-F5344CB8AC3E}">
+        <p14:creationId xmlns:p14="http://schemas.microsoft.com/office/powerpoint/2010/main" val="862724149"/>
+      </p:ext>
+    </p:extLst>
+  </p:cSld>
+  <p:clrMapOvr>
+    <a:masterClrMapping/>
+  </p:clrMapOvr>
+  <p:timing>
+    <p:tnLst>
+      <p:par>
+        <p:cTn id="1" dur="indefinite" restart="never" nodeType="tmRoot"/>
+      </p:par>
+    </p:tnLst>
+  </p:timing>
+</p:sld>
+</file>
+
+<file path=ppt/slides/slide11.xml><?xml version="1.0" encoding="utf-8"?>
 <p:sld xmlns:a="http://schemas.openxmlformats.org/drawingml/2006/main" xmlns:r="http://schemas.openxmlformats.org/officeDocument/2006/relationships" xmlns:p="http://schemas.openxmlformats.org/presentationml/2006/main">
   <p:cSld>
     <p:spTree>
@@ -5085,7 +5742,7 @@
                 <a:gridCol w="2688299">
                   <a:extLst>
                     <a:ext uri="{9D8B030D-6E8A-4147-A177-3AD203B41FA5}">
-                      <a16:colId xmlns="" xmlns:a16="http://schemas.microsoft.com/office/drawing/2014/main" val="20000"/>
+                      <a16:colId xmlns:a16="http://schemas.microsoft.com/office/drawing/2014/main" val="20000"/>
                     </a:ext>
                   </a:extLst>
                 </a:gridCol>
@@ -5117,7 +5774,7 @@
                 </a:tc>
                 <a:extLst>
                   <a:ext uri="{0D108BD9-81ED-4DB2-BD59-A6C34878D82A}">
-                    <a16:rowId xmlns="" xmlns:a16="http://schemas.microsoft.com/office/drawing/2014/main" val="10000"/>
+                    <a16:rowId xmlns:a16="http://schemas.microsoft.com/office/drawing/2014/main" val="10000"/>
                   </a:ext>
                 </a:extLst>
               </a:tr>
@@ -5169,7 +5826,7 @@
                 </a:tc>
                 <a:extLst>
                   <a:ext uri="{0D108BD9-81ED-4DB2-BD59-A6C34878D82A}">
-                    <a16:rowId xmlns="" xmlns:a16="http://schemas.microsoft.com/office/drawing/2014/main" val="10001"/>
+                    <a16:rowId xmlns:a16="http://schemas.microsoft.com/office/drawing/2014/main" val="10001"/>
                   </a:ext>
                 </a:extLst>
               </a:tr>
@@ -5199,14 +5856,14 @@
                 <a:gridCol w="280507">
                   <a:extLst>
                     <a:ext uri="{9D8B030D-6E8A-4147-A177-3AD203B41FA5}">
-                      <a16:colId xmlns="" xmlns:a16="http://schemas.microsoft.com/office/drawing/2014/main" val="20000"/>
+                      <a16:colId xmlns:a16="http://schemas.microsoft.com/office/drawing/2014/main" val="20000"/>
                     </a:ext>
                   </a:extLst>
                 </a:gridCol>
                 <a:gridCol w="2407792">
                   <a:extLst>
                     <a:ext uri="{9D8B030D-6E8A-4147-A177-3AD203B41FA5}">
-                      <a16:colId xmlns="" xmlns:a16="http://schemas.microsoft.com/office/drawing/2014/main" val="20001"/>
+                      <a16:colId xmlns:a16="http://schemas.microsoft.com/office/drawing/2014/main" val="20001"/>
                     </a:ext>
                   </a:extLst>
                 </a:gridCol>
@@ -5260,7 +5917,7 @@
                 </a:tc>
                 <a:extLst>
                   <a:ext uri="{0D108BD9-81ED-4DB2-BD59-A6C34878D82A}">
-                    <a16:rowId xmlns="" xmlns:a16="http://schemas.microsoft.com/office/drawing/2014/main" val="10000"/>
+                    <a16:rowId xmlns:a16="http://schemas.microsoft.com/office/drawing/2014/main" val="10000"/>
                   </a:ext>
                 </a:extLst>
               </a:tr>
@@ -5338,7 +5995,7 @@
                 </a:tc>
                 <a:extLst>
                   <a:ext uri="{0D108BD9-81ED-4DB2-BD59-A6C34878D82A}">
-                    <a16:rowId xmlns="" xmlns:a16="http://schemas.microsoft.com/office/drawing/2014/main" val="10001"/>
+                    <a16:rowId xmlns:a16="http://schemas.microsoft.com/office/drawing/2014/main" val="10001"/>
                   </a:ext>
                 </a:extLst>
               </a:tr>
@@ -5367,9 +6024,27 @@
                 <a:tableStyleId>{2D5ABB26-0587-4C30-8999-92F81FD0307C}</a:tableStyleId>
               </a:tblPr>
               <a:tblGrid>
-                <a:gridCol w="694268"/>
-                <a:gridCol w="4292600"/>
-                <a:gridCol w="821266"/>
+                <a:gridCol w="694268">
+                  <a:extLst>
+                    <a:ext uri="{9D8B030D-6E8A-4147-A177-3AD203B41FA5}">
+                      <a16:colId xmlns:a16="http://schemas.microsoft.com/office/drawing/2014/main" val="20000"/>
+                    </a:ext>
+                  </a:extLst>
+                </a:gridCol>
+                <a:gridCol w="4292600">
+                  <a:extLst>
+                    <a:ext uri="{9D8B030D-6E8A-4147-A177-3AD203B41FA5}">
+                      <a16:colId xmlns:a16="http://schemas.microsoft.com/office/drawing/2014/main" val="20001"/>
+                    </a:ext>
+                  </a:extLst>
+                </a:gridCol>
+                <a:gridCol w="821266">
+                  <a:extLst>
+                    <a:ext uri="{9D8B030D-6E8A-4147-A177-3AD203B41FA5}">
+                      <a16:colId xmlns:a16="http://schemas.microsoft.com/office/drawing/2014/main" val="20002"/>
+                    </a:ext>
+                  </a:extLst>
+                </a:gridCol>
               </a:tblGrid>
               <a:tr h="370840">
                 <a:tc>
@@ -5555,6 +6230,11 @@
                     </a:solidFill>
                   </a:tcPr>
                 </a:tc>
+                <a:extLst>
+                  <a:ext uri="{0D108BD9-81ED-4DB2-BD59-A6C34878D82A}">
+                    <a16:rowId xmlns:a16="http://schemas.microsoft.com/office/drawing/2014/main" val="10000"/>
+                  </a:ext>
+                </a:extLst>
               </a:tr>
               <a:tr h="370840">
                 <a:tc>
@@ -5731,6 +6411,11 @@
                     </a:lnB>
                   </a:tcPr>
                 </a:tc>
+                <a:extLst>
+                  <a:ext uri="{0D108BD9-81ED-4DB2-BD59-A6C34878D82A}">
+                    <a16:rowId xmlns:a16="http://schemas.microsoft.com/office/drawing/2014/main" val="10001"/>
+                  </a:ext>
+                </a:extLst>
               </a:tr>
               <a:tr h="370840">
                 <a:tc>
@@ -5907,6 +6592,11 @@
                     </a:lnB>
                   </a:tcPr>
                 </a:tc>
+                <a:extLst>
+                  <a:ext uri="{0D108BD9-81ED-4DB2-BD59-A6C34878D82A}">
+                    <a16:rowId xmlns:a16="http://schemas.microsoft.com/office/drawing/2014/main" val="10002"/>
+                  </a:ext>
+                </a:extLst>
               </a:tr>
               <a:tr h="370840">
                 <a:tc>
@@ -6083,6 +6773,11 @@
                     </a:lnB>
                   </a:tcPr>
                 </a:tc>
+                <a:extLst>
+                  <a:ext uri="{0D108BD9-81ED-4DB2-BD59-A6C34878D82A}">
+                    <a16:rowId xmlns:a16="http://schemas.microsoft.com/office/drawing/2014/main" val="10003"/>
+                  </a:ext>
+                </a:extLst>
               </a:tr>
               <a:tr h="370840">
                 <a:tc>
@@ -6259,6 +6954,11 @@
                     </a:lnB>
                   </a:tcPr>
                 </a:tc>
+                <a:extLst>
+                  <a:ext uri="{0D108BD9-81ED-4DB2-BD59-A6C34878D82A}">
+                    <a16:rowId xmlns:a16="http://schemas.microsoft.com/office/drawing/2014/main" val="10004"/>
+                  </a:ext>
+                </a:extLst>
               </a:tr>
             </a:tbl>
           </a:graphicData>
@@ -6485,7 +7185,7 @@
           <p:cNvPr id="24" name="직사각형 23">
             <a:extLst>
               <a:ext uri="{FF2B5EF4-FFF2-40B4-BE49-F238E27FC236}">
-                <a16:creationId xmlns="" xmlns:a16="http://schemas.microsoft.com/office/drawing/2014/main" id="{7C9E9366-B86C-4147-AAEA-0E8C98D7DA95}"/>
+                <a16:creationId xmlns:a16="http://schemas.microsoft.com/office/drawing/2014/main" id="{7C9E9366-B86C-4147-AAEA-0E8C98D7DA95}"/>
               </a:ext>
             </a:extLst>
           </p:cNvPr>
@@ -6555,7 +7255,7 @@
 </p:sld>
 </file>
 
-<file path=ppt/slides/slide11.xml><?xml version="1.0" encoding="utf-8"?>
+<file path=ppt/slides/slide12.xml><?xml version="1.0" encoding="utf-8"?>
 <p:sld xmlns:a="http://schemas.openxmlformats.org/drawingml/2006/main" xmlns:r="http://schemas.openxmlformats.org/officeDocument/2006/relationships" xmlns:p="http://schemas.openxmlformats.org/presentationml/2006/main">
   <p:cSld>
     <p:spTree>
@@ -7121,7 +7821,7 @@
 </p:sld>
 </file>
 
-<file path=ppt/slides/slide12.xml><?xml version="1.0" encoding="utf-8"?>
+<file path=ppt/slides/slide13.xml><?xml version="1.0" encoding="utf-8"?>
 <p:sld xmlns:a="http://schemas.openxmlformats.org/drawingml/2006/main" xmlns:r="http://schemas.openxmlformats.org/officeDocument/2006/relationships" xmlns:p="http://schemas.openxmlformats.org/presentationml/2006/main">
   <p:cSld>
     <p:spTree>
@@ -7665,6 +8365,35 @@
           <a:prstGeom prst="rect">
             <a:avLst/>
           </a:prstGeom>
+        </p:spPr>
+      </p:pic>
+      <p:pic>
+        <p:nvPicPr>
+          <p:cNvPr id="13" name="그림 12"/>
+          <p:cNvPicPr>
+            <a:picLocks noChangeAspect="1"/>
+          </p:cNvPicPr>
+          <p:nvPr/>
+        </p:nvPicPr>
+        <p:blipFill>
+          <a:blip r:embed="rId4"/>
+          <a:stretch>
+            <a:fillRect/>
+          </a:stretch>
+        </p:blipFill>
+        <p:spPr>
+          <a:xfrm>
+            <a:off x="4330238" y="1531166"/>
+            <a:ext cx="6850380" cy="4753652"/>
+          </a:xfrm>
+          <a:prstGeom prst="rect">
+            <a:avLst/>
+          </a:prstGeom>
+          <a:ln>
+            <a:solidFill>
+              <a:srgbClr val="FF0000"/>
+            </a:solidFill>
+          </a:ln>
         </p:spPr>
       </p:pic>
     </p:spTree>
@@ -8724,7 +9453,7 @@
                 <a:gridCol w="2688299">
                   <a:extLst>
                     <a:ext uri="{9D8B030D-6E8A-4147-A177-3AD203B41FA5}">
-                      <a16:colId xmlns="" xmlns:a16="http://schemas.microsoft.com/office/drawing/2014/main" val="20000"/>
+                      <a16:colId xmlns:a16="http://schemas.microsoft.com/office/drawing/2014/main" val="20000"/>
                     </a:ext>
                   </a:extLst>
                 </a:gridCol>
@@ -8756,7 +9485,7 @@
                 </a:tc>
                 <a:extLst>
                   <a:ext uri="{0D108BD9-81ED-4DB2-BD59-A6C34878D82A}">
-                    <a16:rowId xmlns="" xmlns:a16="http://schemas.microsoft.com/office/drawing/2014/main" val="10000"/>
+                    <a16:rowId xmlns:a16="http://schemas.microsoft.com/office/drawing/2014/main" val="10000"/>
                   </a:ext>
                 </a:extLst>
               </a:tr>
@@ -8784,7 +9513,7 @@
                 </a:tc>
                 <a:extLst>
                   <a:ext uri="{0D108BD9-81ED-4DB2-BD59-A6C34878D82A}">
-                    <a16:rowId xmlns="" xmlns:a16="http://schemas.microsoft.com/office/drawing/2014/main" val="10001"/>
+                    <a16:rowId xmlns:a16="http://schemas.microsoft.com/office/drawing/2014/main" val="10001"/>
                   </a:ext>
                 </a:extLst>
               </a:tr>
@@ -8814,14 +9543,14 @@
                 <a:gridCol w="280507">
                   <a:extLst>
                     <a:ext uri="{9D8B030D-6E8A-4147-A177-3AD203B41FA5}">
-                      <a16:colId xmlns="" xmlns:a16="http://schemas.microsoft.com/office/drawing/2014/main" val="20000"/>
+                      <a16:colId xmlns:a16="http://schemas.microsoft.com/office/drawing/2014/main" val="20000"/>
                     </a:ext>
                   </a:extLst>
                 </a:gridCol>
                 <a:gridCol w="2407792">
                   <a:extLst>
                     <a:ext uri="{9D8B030D-6E8A-4147-A177-3AD203B41FA5}">
-                      <a16:colId xmlns="" xmlns:a16="http://schemas.microsoft.com/office/drawing/2014/main" val="20001"/>
+                      <a16:colId xmlns:a16="http://schemas.microsoft.com/office/drawing/2014/main" val="20001"/>
                     </a:ext>
                   </a:extLst>
                 </a:gridCol>
@@ -8875,7 +9604,7 @@
                 </a:tc>
                 <a:extLst>
                   <a:ext uri="{0D108BD9-81ED-4DB2-BD59-A6C34878D82A}">
-                    <a16:rowId xmlns="" xmlns:a16="http://schemas.microsoft.com/office/drawing/2014/main" val="10000"/>
+                    <a16:rowId xmlns:a16="http://schemas.microsoft.com/office/drawing/2014/main" val="10000"/>
                   </a:ext>
                 </a:extLst>
               </a:tr>
@@ -8977,7 +9706,7 @@
                 </a:tc>
                 <a:extLst>
                   <a:ext uri="{0D108BD9-81ED-4DB2-BD59-A6C34878D82A}">
-                    <a16:rowId xmlns="" xmlns:a16="http://schemas.microsoft.com/office/drawing/2014/main" val="10001"/>
+                    <a16:rowId xmlns:a16="http://schemas.microsoft.com/office/drawing/2014/main" val="10001"/>
                   </a:ext>
                 </a:extLst>
               </a:tr>
@@ -9065,6 +9794,11 @@
                   </a:txBody>
                   <a:tcPr marL="121920" marR="121920" marT="60960" marB="60960"/>
                 </a:tc>
+                <a:extLst>
+                  <a:ext uri="{0D108BD9-81ED-4DB2-BD59-A6C34878D82A}">
+                    <a16:rowId xmlns:a16="http://schemas.microsoft.com/office/drawing/2014/main" val="10002"/>
+                  </a:ext>
+                </a:extLst>
               </a:tr>
             </a:tbl>
           </a:graphicData>
@@ -9075,7 +9809,7 @@
           <p:cNvPr id="33" name="직사각형 32">
             <a:extLst>
               <a:ext uri="{FF2B5EF4-FFF2-40B4-BE49-F238E27FC236}">
-                <a16:creationId xmlns="" xmlns:a16="http://schemas.microsoft.com/office/drawing/2014/main" id="{7C9E9366-B86C-4147-AAEA-0E8C98D7DA95}"/>
+                <a16:creationId xmlns:a16="http://schemas.microsoft.com/office/drawing/2014/main" id="{7C9E9366-B86C-4147-AAEA-0E8C98D7DA95}"/>
               </a:ext>
             </a:extLst>
           </p:cNvPr>
@@ -9388,10 +10122,34 @@
                 <a:tableStyleId>{2D5ABB26-0587-4C30-8999-92F81FD0307C}</a:tableStyleId>
               </a:tblPr>
               <a:tblGrid>
-                <a:gridCol w="745066"/>
-                <a:gridCol w="2954867"/>
-                <a:gridCol w="1210733"/>
-                <a:gridCol w="1354669"/>
+                <a:gridCol w="745066">
+                  <a:extLst>
+                    <a:ext uri="{9D8B030D-6E8A-4147-A177-3AD203B41FA5}">
+                      <a16:colId xmlns:a16="http://schemas.microsoft.com/office/drawing/2014/main" val="20000"/>
+                    </a:ext>
+                  </a:extLst>
+                </a:gridCol>
+                <a:gridCol w="2954867">
+                  <a:extLst>
+                    <a:ext uri="{9D8B030D-6E8A-4147-A177-3AD203B41FA5}">
+                      <a16:colId xmlns:a16="http://schemas.microsoft.com/office/drawing/2014/main" val="20001"/>
+                    </a:ext>
+                  </a:extLst>
+                </a:gridCol>
+                <a:gridCol w="1210733">
+                  <a:extLst>
+                    <a:ext uri="{9D8B030D-6E8A-4147-A177-3AD203B41FA5}">
+                      <a16:colId xmlns:a16="http://schemas.microsoft.com/office/drawing/2014/main" val="20002"/>
+                    </a:ext>
+                  </a:extLst>
+                </a:gridCol>
+                <a:gridCol w="1354669">
+                  <a:extLst>
+                    <a:ext uri="{9D8B030D-6E8A-4147-A177-3AD203B41FA5}">
+                      <a16:colId xmlns:a16="http://schemas.microsoft.com/office/drawing/2014/main" val="20003"/>
+                    </a:ext>
+                  </a:extLst>
+                </a:gridCol>
               </a:tblGrid>
               <a:tr h="370840">
                 <a:tc>
@@ -9638,6 +10396,11 @@
                     </a:solidFill>
                   </a:tcPr>
                 </a:tc>
+                <a:extLst>
+                  <a:ext uri="{0D108BD9-81ED-4DB2-BD59-A6C34878D82A}">
+                    <a16:rowId xmlns:a16="http://schemas.microsoft.com/office/drawing/2014/main" val="10000"/>
+                  </a:ext>
+                </a:extLst>
               </a:tr>
               <a:tr h="370840">
                 <a:tc>
@@ -9872,6 +10635,11 @@
                     </a:lnB>
                   </a:tcPr>
                 </a:tc>
+                <a:extLst>
+                  <a:ext uri="{0D108BD9-81ED-4DB2-BD59-A6C34878D82A}">
+                    <a16:rowId xmlns:a16="http://schemas.microsoft.com/office/drawing/2014/main" val="10001"/>
+                  </a:ext>
+                </a:extLst>
               </a:tr>
               <a:tr h="370840">
                 <a:tc gridSpan="4">
@@ -10046,6 +10814,11 @@
                     </a:lnB>
                   </a:tcPr>
                 </a:tc>
+                <a:extLst>
+                  <a:ext uri="{0D108BD9-81ED-4DB2-BD59-A6C34878D82A}">
+                    <a16:rowId xmlns:a16="http://schemas.microsoft.com/office/drawing/2014/main" val="10002"/>
+                  </a:ext>
+                </a:extLst>
               </a:tr>
               <a:tr h="370840">
                 <a:tc>
@@ -10280,6 +11053,11 @@
                     </a:lnB>
                   </a:tcPr>
                 </a:tc>
+                <a:extLst>
+                  <a:ext uri="{0D108BD9-81ED-4DB2-BD59-A6C34878D82A}">
+                    <a16:rowId xmlns:a16="http://schemas.microsoft.com/office/drawing/2014/main" val="10003"/>
+                  </a:ext>
+                </a:extLst>
               </a:tr>
               <a:tr h="370840">
                 <a:tc>
@@ -10514,6 +11292,11 @@
                     </a:lnB>
                   </a:tcPr>
                 </a:tc>
+                <a:extLst>
+                  <a:ext uri="{0D108BD9-81ED-4DB2-BD59-A6C34878D82A}">
+                    <a16:rowId xmlns:a16="http://schemas.microsoft.com/office/drawing/2014/main" val="10004"/>
+                  </a:ext>
+                </a:extLst>
               </a:tr>
               <a:tr h="370840">
                 <a:tc>
@@ -10748,6 +11531,11 @@
                     </a:lnB>
                   </a:tcPr>
                 </a:tc>
+                <a:extLst>
+                  <a:ext uri="{0D108BD9-81ED-4DB2-BD59-A6C34878D82A}">
+                    <a16:rowId xmlns:a16="http://schemas.microsoft.com/office/drawing/2014/main" val="10005"/>
+                  </a:ext>
+                </a:extLst>
               </a:tr>
             </a:tbl>
           </a:graphicData>
@@ -11576,6 +12364,3343 @@
       </p:grpSpPr>
       <p:sp>
         <p:nvSpPr>
+          <p:cNvPr id="18" name="직사각형 17"/>
+          <p:cNvSpPr/>
+          <p:nvPr/>
+        </p:nvSpPr>
+        <p:spPr>
+          <a:xfrm rot="21409477">
+            <a:off x="832975" y="128932"/>
+            <a:ext cx="9282799" cy="6218171"/>
+          </a:xfrm>
+          <a:prstGeom prst="rect">
+            <a:avLst/>
+          </a:prstGeom>
+          <a:solidFill>
+            <a:schemeClr val="bg1">
+              <a:lumMod val="95000"/>
+            </a:schemeClr>
+          </a:solidFill>
+          <a:ln>
+            <a:noFill/>
+          </a:ln>
+        </p:spPr>
+        <p:style>
+          <a:lnRef idx="2">
+            <a:schemeClr val="accent1">
+              <a:shade val="50000"/>
+            </a:schemeClr>
+          </a:lnRef>
+          <a:fillRef idx="1">
+            <a:schemeClr val="accent1"/>
+          </a:fillRef>
+          <a:effectRef idx="0">
+            <a:schemeClr val="accent1"/>
+          </a:effectRef>
+          <a:fontRef idx="minor">
+            <a:schemeClr val="lt1"/>
+          </a:fontRef>
+        </p:style>
+        <p:txBody>
+          <a:bodyPr lIns="91440" tIns="45720" rIns="91440" bIns="45720" rtlCol="0" anchor="ctr"/>
+          <a:lstStyle/>
+          <a:p>
+            <a:pPr algn="ctr"/>
+            <a:endParaRPr lang="ko-KR" altLang="en-US" sz="2400" dirty="0">
+              <a:latin typeface="나눔바른고딕" panose="020B0603020101020101" pitchFamily="50" charset="-127"/>
+              <a:ea typeface="나눔바른고딕" panose="020B0603020101020101" pitchFamily="50" charset="-127"/>
+            </a:endParaRPr>
+          </a:p>
+        </p:txBody>
+      </p:sp>
+      <p:sp>
+        <p:nvSpPr>
+          <p:cNvPr id="5" name="직사각형 4"/>
+          <p:cNvSpPr/>
+          <p:nvPr/>
+        </p:nvSpPr>
+        <p:spPr>
+          <a:xfrm>
+            <a:off x="667880" y="331857"/>
+            <a:ext cx="11425909" cy="6392929"/>
+          </a:xfrm>
+          <a:prstGeom prst="rect">
+            <a:avLst/>
+          </a:prstGeom>
+          <a:gradFill flip="none" rotWithShape="1">
+            <a:gsLst>
+              <a:gs pos="100000">
+                <a:schemeClr val="bg1">
+                  <a:shade val="67500"/>
+                  <a:satMod val="115000"/>
+                </a:schemeClr>
+              </a:gs>
+              <a:gs pos="64000">
+                <a:schemeClr val="bg1">
+                  <a:shade val="100000"/>
+                  <a:satMod val="115000"/>
+                </a:schemeClr>
+              </a:gs>
+            </a:gsLst>
+            <a:lin ang="10800000" scaled="1"/>
+            <a:tileRect/>
+          </a:gradFill>
+          <a:ln>
+            <a:noFill/>
+          </a:ln>
+          <a:effectLst>
+            <a:outerShdw blurRad="228600" dist="76200" dir="16200000" rotWithShape="0">
+              <a:prstClr val="black">
+                <a:alpha val="40000"/>
+              </a:prstClr>
+            </a:outerShdw>
+          </a:effectLst>
+        </p:spPr>
+        <p:style>
+          <a:lnRef idx="2">
+            <a:schemeClr val="accent1">
+              <a:shade val="50000"/>
+            </a:schemeClr>
+          </a:lnRef>
+          <a:fillRef idx="1">
+            <a:schemeClr val="accent1"/>
+          </a:fillRef>
+          <a:effectRef idx="0">
+            <a:schemeClr val="accent1"/>
+          </a:effectRef>
+          <a:fontRef idx="minor">
+            <a:schemeClr val="lt1"/>
+          </a:fontRef>
+        </p:style>
+        <p:txBody>
+          <a:bodyPr lIns="91440" tIns="45720" rIns="91440" bIns="45720" rtlCol="0" anchor="ctr"/>
+          <a:lstStyle/>
+          <a:p>
+            <a:pPr algn="ctr"/>
+            <a:endParaRPr lang="ko-KR" altLang="en-US" sz="2400" dirty="0">
+              <a:latin typeface="나눔바른고딕" panose="020B0603020101020101" pitchFamily="50" charset="-127"/>
+              <a:ea typeface="나눔바른고딕" panose="020B0603020101020101" pitchFamily="50" charset="-127"/>
+            </a:endParaRPr>
+          </a:p>
+        </p:txBody>
+      </p:sp>
+      <p:grpSp>
+        <p:nvGrpSpPr>
+          <p:cNvPr id="2" name="그룹 1"/>
+          <p:cNvGrpSpPr/>
+          <p:nvPr/>
+        </p:nvGrpSpPr>
+        <p:grpSpPr>
+          <a:xfrm>
+            <a:off x="143105" y="68627"/>
+            <a:ext cx="768321" cy="6704028"/>
+            <a:chOff x="586490" y="739768"/>
+            <a:chExt cx="1017302" cy="5420168"/>
+          </a:xfrm>
+        </p:grpSpPr>
+        <p:sp>
+          <p:nvSpPr>
+            <p:cNvPr id="39" name="자유형 38"/>
+            <p:cNvSpPr/>
+            <p:nvPr/>
+          </p:nvSpPr>
+          <p:spPr>
+            <a:xfrm rot="10800000">
+              <a:off x="586490" y="1041378"/>
+              <a:ext cx="1017302" cy="4991063"/>
+            </a:xfrm>
+            <a:custGeom>
+              <a:avLst/>
+              <a:gdLst>
+                <a:gd name="connsiteX0" fmla="*/ 194310 w 388620"/>
+                <a:gd name="connsiteY0" fmla="*/ 0 h 2927235"/>
+                <a:gd name="connsiteX1" fmla="*/ 388620 w 388620"/>
+                <a:gd name="connsiteY1" fmla="*/ 194310 h 2927235"/>
+                <a:gd name="connsiteX2" fmla="*/ 388620 w 388620"/>
+                <a:gd name="connsiteY2" fmla="*/ 2927235 h 2927235"/>
+                <a:gd name="connsiteX3" fmla="*/ 379599 w 388620"/>
+                <a:gd name="connsiteY3" fmla="*/ 2898175 h 2927235"/>
+                <a:gd name="connsiteX4" fmla="*/ 194310 w 388620"/>
+                <a:gd name="connsiteY4" fmla="*/ 2775357 h 2927235"/>
+                <a:gd name="connsiteX5" fmla="*/ 9021 w 388620"/>
+                <a:gd name="connsiteY5" fmla="*/ 2898175 h 2927235"/>
+                <a:gd name="connsiteX6" fmla="*/ 0 w 388620"/>
+                <a:gd name="connsiteY6" fmla="*/ 2927235 h 2927235"/>
+                <a:gd name="connsiteX7" fmla="*/ 0 w 388620"/>
+                <a:gd name="connsiteY7" fmla="*/ 194310 h 2927235"/>
+                <a:gd name="connsiteX8" fmla="*/ 194310 w 388620"/>
+                <a:gd name="connsiteY8" fmla="*/ 0 h 2927235"/>
+              </a:gdLst>
+              <a:ahLst/>
+              <a:cxnLst>
+                <a:cxn ang="0">
+                  <a:pos x="connsiteX0" y="connsiteY0"/>
+                </a:cxn>
+                <a:cxn ang="0">
+                  <a:pos x="connsiteX1" y="connsiteY1"/>
+                </a:cxn>
+                <a:cxn ang="0">
+                  <a:pos x="connsiteX2" y="connsiteY2"/>
+                </a:cxn>
+                <a:cxn ang="0">
+                  <a:pos x="connsiteX3" y="connsiteY3"/>
+                </a:cxn>
+                <a:cxn ang="0">
+                  <a:pos x="connsiteX4" y="connsiteY4"/>
+                </a:cxn>
+                <a:cxn ang="0">
+                  <a:pos x="connsiteX5" y="connsiteY5"/>
+                </a:cxn>
+                <a:cxn ang="0">
+                  <a:pos x="connsiteX6" y="connsiteY6"/>
+                </a:cxn>
+                <a:cxn ang="0">
+                  <a:pos x="connsiteX7" y="connsiteY7"/>
+                </a:cxn>
+                <a:cxn ang="0">
+                  <a:pos x="connsiteX8" y="connsiteY8"/>
+                </a:cxn>
+              </a:cxnLst>
+              <a:rect l="l" t="t" r="r" b="b"/>
+              <a:pathLst>
+                <a:path w="388620" h="2927235">
+                  <a:moveTo>
+                    <a:pt x="194310" y="0"/>
+                  </a:moveTo>
+                  <a:cubicBezTo>
+                    <a:pt x="301624" y="0"/>
+                    <a:pt x="388620" y="86996"/>
+                    <a:pt x="388620" y="194310"/>
+                  </a:cubicBezTo>
+                  <a:lnTo>
+                    <a:pt x="388620" y="2927235"/>
+                  </a:lnTo>
+                  <a:lnTo>
+                    <a:pt x="379599" y="2898175"/>
+                  </a:lnTo>
+                  <a:cubicBezTo>
+                    <a:pt x="349072" y="2826000"/>
+                    <a:pt x="277605" y="2775357"/>
+                    <a:pt x="194310" y="2775357"/>
+                  </a:cubicBezTo>
+                  <a:cubicBezTo>
+                    <a:pt x="111015" y="2775357"/>
+                    <a:pt x="39548" y="2826000"/>
+                    <a:pt x="9021" y="2898175"/>
+                  </a:cubicBezTo>
+                  <a:lnTo>
+                    <a:pt x="0" y="2927235"/>
+                  </a:lnTo>
+                  <a:lnTo>
+                    <a:pt x="0" y="194310"/>
+                  </a:lnTo>
+                  <a:cubicBezTo>
+                    <a:pt x="0" y="86996"/>
+                    <a:pt x="86996" y="0"/>
+                    <a:pt x="194310" y="0"/>
+                  </a:cubicBezTo>
+                  <a:close/>
+                </a:path>
+              </a:pathLst>
+            </a:custGeom>
+            <a:gradFill flip="none" rotWithShape="1">
+              <a:gsLst>
+                <a:gs pos="0">
+                  <a:schemeClr val="bg1">
+                    <a:shade val="67500"/>
+                    <a:satMod val="115000"/>
+                  </a:schemeClr>
+                </a:gs>
+                <a:gs pos="100000">
+                  <a:schemeClr val="bg1">
+                    <a:shade val="100000"/>
+                    <a:satMod val="115000"/>
+                  </a:schemeClr>
+                </a:gs>
+              </a:gsLst>
+              <a:lin ang="10800000" scaled="1"/>
+              <a:tileRect/>
+            </a:gradFill>
+            <a:ln>
+              <a:noFill/>
+            </a:ln>
+            <a:effectLst>
+              <a:outerShdw blurRad="88900" dist="139700" dir="5400000" sx="98000" sy="98000" algn="t" rotWithShape="0">
+                <a:prstClr val="black">
+                  <a:alpha val="40000"/>
+                </a:prstClr>
+              </a:outerShdw>
+            </a:effectLst>
+          </p:spPr>
+          <p:style>
+            <a:lnRef idx="2">
+              <a:schemeClr val="accent1">
+                <a:shade val="50000"/>
+              </a:schemeClr>
+            </a:lnRef>
+            <a:fillRef idx="1">
+              <a:schemeClr val="accent1"/>
+            </a:fillRef>
+            <a:effectRef idx="0">
+              <a:schemeClr val="accent1"/>
+            </a:effectRef>
+            <a:fontRef idx="minor">
+              <a:schemeClr val="lt1"/>
+            </a:fontRef>
+          </p:style>
+          <p:txBody>
+            <a:bodyPr rtlCol="0" anchor="ctr"/>
+            <a:lstStyle/>
+            <a:p>
+              <a:pPr algn="ctr"/>
+              <a:endParaRPr lang="ko-KR" altLang="en-US" sz="2400" dirty="0">
+                <a:latin typeface="나눔바른고딕" panose="020B0603020101020101" pitchFamily="50" charset="-127"/>
+                <a:ea typeface="나눔바른고딕" panose="020B0603020101020101" pitchFamily="50" charset="-127"/>
+              </a:endParaRPr>
+            </a:p>
+          </p:txBody>
+        </p:sp>
+        <p:sp>
+          <p:nvSpPr>
+            <p:cNvPr id="40" name="자유형 39"/>
+            <p:cNvSpPr/>
+            <p:nvPr/>
+          </p:nvSpPr>
+          <p:spPr>
+            <a:xfrm rot="10800000">
+              <a:off x="754421" y="2816677"/>
+              <a:ext cx="681439" cy="3343259"/>
+            </a:xfrm>
+            <a:custGeom>
+              <a:avLst/>
+              <a:gdLst>
+                <a:gd name="connsiteX0" fmla="*/ 194310 w 388620"/>
+                <a:gd name="connsiteY0" fmla="*/ 0 h 2927235"/>
+                <a:gd name="connsiteX1" fmla="*/ 388620 w 388620"/>
+                <a:gd name="connsiteY1" fmla="*/ 194310 h 2927235"/>
+                <a:gd name="connsiteX2" fmla="*/ 388620 w 388620"/>
+                <a:gd name="connsiteY2" fmla="*/ 2927235 h 2927235"/>
+                <a:gd name="connsiteX3" fmla="*/ 379599 w 388620"/>
+                <a:gd name="connsiteY3" fmla="*/ 2898175 h 2927235"/>
+                <a:gd name="connsiteX4" fmla="*/ 194310 w 388620"/>
+                <a:gd name="connsiteY4" fmla="*/ 2775357 h 2927235"/>
+                <a:gd name="connsiteX5" fmla="*/ 9021 w 388620"/>
+                <a:gd name="connsiteY5" fmla="*/ 2898175 h 2927235"/>
+                <a:gd name="connsiteX6" fmla="*/ 0 w 388620"/>
+                <a:gd name="connsiteY6" fmla="*/ 2927235 h 2927235"/>
+                <a:gd name="connsiteX7" fmla="*/ 0 w 388620"/>
+                <a:gd name="connsiteY7" fmla="*/ 194310 h 2927235"/>
+                <a:gd name="connsiteX8" fmla="*/ 194310 w 388620"/>
+                <a:gd name="connsiteY8" fmla="*/ 0 h 2927235"/>
+              </a:gdLst>
+              <a:ahLst/>
+              <a:cxnLst>
+                <a:cxn ang="0">
+                  <a:pos x="connsiteX0" y="connsiteY0"/>
+                </a:cxn>
+                <a:cxn ang="0">
+                  <a:pos x="connsiteX1" y="connsiteY1"/>
+                </a:cxn>
+                <a:cxn ang="0">
+                  <a:pos x="connsiteX2" y="connsiteY2"/>
+                </a:cxn>
+                <a:cxn ang="0">
+                  <a:pos x="connsiteX3" y="connsiteY3"/>
+                </a:cxn>
+                <a:cxn ang="0">
+                  <a:pos x="connsiteX4" y="connsiteY4"/>
+                </a:cxn>
+                <a:cxn ang="0">
+                  <a:pos x="connsiteX5" y="connsiteY5"/>
+                </a:cxn>
+                <a:cxn ang="0">
+                  <a:pos x="connsiteX6" y="connsiteY6"/>
+                </a:cxn>
+                <a:cxn ang="0">
+                  <a:pos x="connsiteX7" y="connsiteY7"/>
+                </a:cxn>
+                <a:cxn ang="0">
+                  <a:pos x="connsiteX8" y="connsiteY8"/>
+                </a:cxn>
+              </a:cxnLst>
+              <a:rect l="l" t="t" r="r" b="b"/>
+              <a:pathLst>
+                <a:path w="388620" h="2927235">
+                  <a:moveTo>
+                    <a:pt x="194310" y="0"/>
+                  </a:moveTo>
+                  <a:cubicBezTo>
+                    <a:pt x="301624" y="0"/>
+                    <a:pt x="388620" y="86996"/>
+                    <a:pt x="388620" y="194310"/>
+                  </a:cubicBezTo>
+                  <a:lnTo>
+                    <a:pt x="388620" y="2927235"/>
+                  </a:lnTo>
+                  <a:lnTo>
+                    <a:pt x="379599" y="2898175"/>
+                  </a:lnTo>
+                  <a:cubicBezTo>
+                    <a:pt x="349072" y="2826000"/>
+                    <a:pt x="277605" y="2775357"/>
+                    <a:pt x="194310" y="2775357"/>
+                  </a:cubicBezTo>
+                  <a:cubicBezTo>
+                    <a:pt x="111015" y="2775357"/>
+                    <a:pt x="39548" y="2826000"/>
+                    <a:pt x="9021" y="2898175"/>
+                  </a:cubicBezTo>
+                  <a:lnTo>
+                    <a:pt x="0" y="2927235"/>
+                  </a:lnTo>
+                  <a:lnTo>
+                    <a:pt x="0" y="194310"/>
+                  </a:lnTo>
+                  <a:cubicBezTo>
+                    <a:pt x="0" y="86996"/>
+                    <a:pt x="86996" y="0"/>
+                    <a:pt x="194310" y="0"/>
+                  </a:cubicBezTo>
+                  <a:close/>
+                </a:path>
+              </a:pathLst>
+            </a:custGeom>
+            <a:gradFill flip="none" rotWithShape="1">
+              <a:gsLst>
+                <a:gs pos="0">
+                  <a:schemeClr val="bg1">
+                    <a:shade val="67500"/>
+                    <a:satMod val="115000"/>
+                  </a:schemeClr>
+                </a:gs>
+                <a:gs pos="100000">
+                  <a:schemeClr val="bg1">
+                    <a:shade val="100000"/>
+                    <a:satMod val="115000"/>
+                  </a:schemeClr>
+                </a:gs>
+              </a:gsLst>
+              <a:lin ang="10800000" scaled="1"/>
+              <a:tileRect/>
+            </a:gradFill>
+            <a:ln>
+              <a:noFill/>
+            </a:ln>
+            <a:effectLst>
+              <a:outerShdw blurRad="88900" dist="139700" dir="5400000" sx="98000" sy="98000" algn="t" rotWithShape="0">
+                <a:prstClr val="black">
+                  <a:alpha val="40000"/>
+                </a:prstClr>
+              </a:outerShdw>
+            </a:effectLst>
+          </p:spPr>
+          <p:style>
+            <a:lnRef idx="2">
+              <a:schemeClr val="accent1">
+                <a:shade val="50000"/>
+              </a:schemeClr>
+            </a:lnRef>
+            <a:fillRef idx="1">
+              <a:schemeClr val="accent1"/>
+            </a:fillRef>
+            <a:effectRef idx="0">
+              <a:schemeClr val="accent1"/>
+            </a:effectRef>
+            <a:fontRef idx="minor">
+              <a:schemeClr val="lt1"/>
+            </a:fontRef>
+          </p:style>
+          <p:txBody>
+            <a:bodyPr rtlCol="0" anchor="ctr"/>
+            <a:lstStyle/>
+            <a:p>
+              <a:pPr algn="ctr"/>
+              <a:endParaRPr lang="ko-KR" altLang="en-US" sz="2400" dirty="0">
+                <a:latin typeface="나눔바른고딕" panose="020B0603020101020101" pitchFamily="50" charset="-127"/>
+                <a:ea typeface="나눔바른고딕" panose="020B0603020101020101" pitchFamily="50" charset="-127"/>
+              </a:endParaRPr>
+            </a:p>
+          </p:txBody>
+        </p:sp>
+        <p:sp>
+          <p:nvSpPr>
+            <p:cNvPr id="41" name="자유형 40"/>
+            <p:cNvSpPr/>
+            <p:nvPr/>
+          </p:nvSpPr>
+          <p:spPr>
+            <a:xfrm>
+              <a:off x="754421" y="2614644"/>
+              <a:ext cx="681439" cy="3343259"/>
+            </a:xfrm>
+            <a:custGeom>
+              <a:avLst/>
+              <a:gdLst>
+                <a:gd name="connsiteX0" fmla="*/ 194310 w 388620"/>
+                <a:gd name="connsiteY0" fmla="*/ 0 h 2927235"/>
+                <a:gd name="connsiteX1" fmla="*/ 388620 w 388620"/>
+                <a:gd name="connsiteY1" fmla="*/ 194310 h 2927235"/>
+                <a:gd name="connsiteX2" fmla="*/ 388620 w 388620"/>
+                <a:gd name="connsiteY2" fmla="*/ 2927235 h 2927235"/>
+                <a:gd name="connsiteX3" fmla="*/ 379599 w 388620"/>
+                <a:gd name="connsiteY3" fmla="*/ 2898175 h 2927235"/>
+                <a:gd name="connsiteX4" fmla="*/ 194310 w 388620"/>
+                <a:gd name="connsiteY4" fmla="*/ 2775357 h 2927235"/>
+                <a:gd name="connsiteX5" fmla="*/ 9021 w 388620"/>
+                <a:gd name="connsiteY5" fmla="*/ 2898175 h 2927235"/>
+                <a:gd name="connsiteX6" fmla="*/ 0 w 388620"/>
+                <a:gd name="connsiteY6" fmla="*/ 2927235 h 2927235"/>
+                <a:gd name="connsiteX7" fmla="*/ 0 w 388620"/>
+                <a:gd name="connsiteY7" fmla="*/ 194310 h 2927235"/>
+                <a:gd name="connsiteX8" fmla="*/ 194310 w 388620"/>
+                <a:gd name="connsiteY8" fmla="*/ 0 h 2927235"/>
+              </a:gdLst>
+              <a:ahLst/>
+              <a:cxnLst>
+                <a:cxn ang="0">
+                  <a:pos x="connsiteX0" y="connsiteY0"/>
+                </a:cxn>
+                <a:cxn ang="0">
+                  <a:pos x="connsiteX1" y="connsiteY1"/>
+                </a:cxn>
+                <a:cxn ang="0">
+                  <a:pos x="connsiteX2" y="connsiteY2"/>
+                </a:cxn>
+                <a:cxn ang="0">
+                  <a:pos x="connsiteX3" y="connsiteY3"/>
+                </a:cxn>
+                <a:cxn ang="0">
+                  <a:pos x="connsiteX4" y="connsiteY4"/>
+                </a:cxn>
+                <a:cxn ang="0">
+                  <a:pos x="connsiteX5" y="connsiteY5"/>
+                </a:cxn>
+                <a:cxn ang="0">
+                  <a:pos x="connsiteX6" y="connsiteY6"/>
+                </a:cxn>
+                <a:cxn ang="0">
+                  <a:pos x="connsiteX7" y="connsiteY7"/>
+                </a:cxn>
+                <a:cxn ang="0">
+                  <a:pos x="connsiteX8" y="connsiteY8"/>
+                </a:cxn>
+              </a:cxnLst>
+              <a:rect l="l" t="t" r="r" b="b"/>
+              <a:pathLst>
+                <a:path w="388620" h="2927235">
+                  <a:moveTo>
+                    <a:pt x="194310" y="0"/>
+                  </a:moveTo>
+                  <a:cubicBezTo>
+                    <a:pt x="301624" y="0"/>
+                    <a:pt x="388620" y="86996"/>
+                    <a:pt x="388620" y="194310"/>
+                  </a:cubicBezTo>
+                  <a:lnTo>
+                    <a:pt x="388620" y="2927235"/>
+                  </a:lnTo>
+                  <a:lnTo>
+                    <a:pt x="379599" y="2898175"/>
+                  </a:lnTo>
+                  <a:cubicBezTo>
+                    <a:pt x="349072" y="2826000"/>
+                    <a:pt x="277605" y="2775357"/>
+                    <a:pt x="194310" y="2775357"/>
+                  </a:cubicBezTo>
+                  <a:cubicBezTo>
+                    <a:pt x="111015" y="2775357"/>
+                    <a:pt x="39548" y="2826000"/>
+                    <a:pt x="9021" y="2898175"/>
+                  </a:cubicBezTo>
+                  <a:lnTo>
+                    <a:pt x="0" y="2927235"/>
+                  </a:lnTo>
+                  <a:lnTo>
+                    <a:pt x="0" y="194310"/>
+                  </a:lnTo>
+                  <a:cubicBezTo>
+                    <a:pt x="0" y="86996"/>
+                    <a:pt x="86996" y="0"/>
+                    <a:pt x="194310" y="0"/>
+                  </a:cubicBezTo>
+                  <a:close/>
+                </a:path>
+              </a:pathLst>
+            </a:custGeom>
+            <a:gradFill flip="none" rotWithShape="1">
+              <a:gsLst>
+                <a:gs pos="0">
+                  <a:schemeClr val="bg1">
+                    <a:shade val="67500"/>
+                    <a:satMod val="115000"/>
+                  </a:schemeClr>
+                </a:gs>
+                <a:gs pos="100000">
+                  <a:schemeClr val="bg1">
+                    <a:shade val="100000"/>
+                    <a:satMod val="115000"/>
+                  </a:schemeClr>
+                </a:gs>
+              </a:gsLst>
+              <a:lin ang="10800000" scaled="1"/>
+              <a:tileRect/>
+            </a:gradFill>
+            <a:ln>
+              <a:noFill/>
+            </a:ln>
+            <a:effectLst>
+              <a:outerShdw blurRad="88900" dist="139700" dir="5400000" sx="98000" sy="98000" algn="t" rotWithShape="0">
+                <a:prstClr val="black">
+                  <a:alpha val="40000"/>
+                </a:prstClr>
+              </a:outerShdw>
+            </a:effectLst>
+          </p:spPr>
+          <p:style>
+            <a:lnRef idx="2">
+              <a:schemeClr val="accent1">
+                <a:shade val="50000"/>
+              </a:schemeClr>
+            </a:lnRef>
+            <a:fillRef idx="1">
+              <a:schemeClr val="accent1"/>
+            </a:fillRef>
+            <a:effectRef idx="0">
+              <a:schemeClr val="accent1"/>
+            </a:effectRef>
+            <a:fontRef idx="minor">
+              <a:schemeClr val="lt1"/>
+            </a:fontRef>
+          </p:style>
+          <p:txBody>
+            <a:bodyPr rtlCol="0" anchor="ctr"/>
+            <a:lstStyle/>
+            <a:p>
+              <a:pPr algn="ctr"/>
+              <a:endParaRPr lang="ko-KR" altLang="en-US" sz="2400" dirty="0">
+                <a:latin typeface="나눔바른고딕" panose="020B0603020101020101" pitchFamily="50" charset="-127"/>
+                <a:ea typeface="나눔바른고딕" panose="020B0603020101020101" pitchFamily="50" charset="-127"/>
+              </a:endParaRPr>
+            </a:p>
+          </p:txBody>
+        </p:sp>
+        <p:sp>
+          <p:nvSpPr>
+            <p:cNvPr id="42" name="자유형 41"/>
+            <p:cNvSpPr/>
+            <p:nvPr/>
+          </p:nvSpPr>
+          <p:spPr>
+            <a:xfrm>
+              <a:off x="586490" y="739768"/>
+              <a:ext cx="1017302" cy="4991063"/>
+            </a:xfrm>
+            <a:custGeom>
+              <a:avLst/>
+              <a:gdLst>
+                <a:gd name="connsiteX0" fmla="*/ 194310 w 388620"/>
+                <a:gd name="connsiteY0" fmla="*/ 0 h 2927235"/>
+                <a:gd name="connsiteX1" fmla="*/ 388620 w 388620"/>
+                <a:gd name="connsiteY1" fmla="*/ 194310 h 2927235"/>
+                <a:gd name="connsiteX2" fmla="*/ 388620 w 388620"/>
+                <a:gd name="connsiteY2" fmla="*/ 2927235 h 2927235"/>
+                <a:gd name="connsiteX3" fmla="*/ 379599 w 388620"/>
+                <a:gd name="connsiteY3" fmla="*/ 2898175 h 2927235"/>
+                <a:gd name="connsiteX4" fmla="*/ 194310 w 388620"/>
+                <a:gd name="connsiteY4" fmla="*/ 2775357 h 2927235"/>
+                <a:gd name="connsiteX5" fmla="*/ 9021 w 388620"/>
+                <a:gd name="connsiteY5" fmla="*/ 2898175 h 2927235"/>
+                <a:gd name="connsiteX6" fmla="*/ 0 w 388620"/>
+                <a:gd name="connsiteY6" fmla="*/ 2927235 h 2927235"/>
+                <a:gd name="connsiteX7" fmla="*/ 0 w 388620"/>
+                <a:gd name="connsiteY7" fmla="*/ 194310 h 2927235"/>
+                <a:gd name="connsiteX8" fmla="*/ 194310 w 388620"/>
+                <a:gd name="connsiteY8" fmla="*/ 0 h 2927235"/>
+              </a:gdLst>
+              <a:ahLst/>
+              <a:cxnLst>
+                <a:cxn ang="0">
+                  <a:pos x="connsiteX0" y="connsiteY0"/>
+                </a:cxn>
+                <a:cxn ang="0">
+                  <a:pos x="connsiteX1" y="connsiteY1"/>
+                </a:cxn>
+                <a:cxn ang="0">
+                  <a:pos x="connsiteX2" y="connsiteY2"/>
+                </a:cxn>
+                <a:cxn ang="0">
+                  <a:pos x="connsiteX3" y="connsiteY3"/>
+                </a:cxn>
+                <a:cxn ang="0">
+                  <a:pos x="connsiteX4" y="connsiteY4"/>
+                </a:cxn>
+                <a:cxn ang="0">
+                  <a:pos x="connsiteX5" y="connsiteY5"/>
+                </a:cxn>
+                <a:cxn ang="0">
+                  <a:pos x="connsiteX6" y="connsiteY6"/>
+                </a:cxn>
+                <a:cxn ang="0">
+                  <a:pos x="connsiteX7" y="connsiteY7"/>
+                </a:cxn>
+                <a:cxn ang="0">
+                  <a:pos x="connsiteX8" y="connsiteY8"/>
+                </a:cxn>
+              </a:cxnLst>
+              <a:rect l="l" t="t" r="r" b="b"/>
+              <a:pathLst>
+                <a:path w="388620" h="2927235">
+                  <a:moveTo>
+                    <a:pt x="194310" y="0"/>
+                  </a:moveTo>
+                  <a:cubicBezTo>
+                    <a:pt x="301624" y="0"/>
+                    <a:pt x="388620" y="86996"/>
+                    <a:pt x="388620" y="194310"/>
+                  </a:cubicBezTo>
+                  <a:lnTo>
+                    <a:pt x="388620" y="2927235"/>
+                  </a:lnTo>
+                  <a:lnTo>
+                    <a:pt x="379599" y="2898175"/>
+                  </a:lnTo>
+                  <a:cubicBezTo>
+                    <a:pt x="349072" y="2826000"/>
+                    <a:pt x="277605" y="2775357"/>
+                    <a:pt x="194310" y="2775357"/>
+                  </a:cubicBezTo>
+                  <a:cubicBezTo>
+                    <a:pt x="111015" y="2775357"/>
+                    <a:pt x="39548" y="2826000"/>
+                    <a:pt x="9021" y="2898175"/>
+                  </a:cubicBezTo>
+                  <a:lnTo>
+                    <a:pt x="0" y="2927235"/>
+                  </a:lnTo>
+                  <a:lnTo>
+                    <a:pt x="0" y="194310"/>
+                  </a:lnTo>
+                  <a:cubicBezTo>
+                    <a:pt x="0" y="86996"/>
+                    <a:pt x="86996" y="0"/>
+                    <a:pt x="194310" y="0"/>
+                  </a:cubicBezTo>
+                  <a:close/>
+                </a:path>
+              </a:pathLst>
+            </a:custGeom>
+            <a:gradFill flip="none" rotWithShape="1">
+              <a:gsLst>
+                <a:gs pos="0">
+                  <a:schemeClr val="bg1">
+                    <a:shade val="67500"/>
+                    <a:satMod val="115000"/>
+                  </a:schemeClr>
+                </a:gs>
+                <a:gs pos="100000">
+                  <a:schemeClr val="bg1">
+                    <a:shade val="100000"/>
+                    <a:satMod val="115000"/>
+                  </a:schemeClr>
+                </a:gs>
+              </a:gsLst>
+              <a:lin ang="10800000" scaled="1"/>
+              <a:tileRect/>
+            </a:gradFill>
+            <a:ln>
+              <a:noFill/>
+            </a:ln>
+            <a:effectLst>
+              <a:outerShdw blurRad="88900" dist="139700" dir="5400000" sx="98000" sy="98000" algn="t" rotWithShape="0">
+                <a:prstClr val="black">
+                  <a:alpha val="40000"/>
+                </a:prstClr>
+              </a:outerShdw>
+            </a:effectLst>
+          </p:spPr>
+          <p:style>
+            <a:lnRef idx="2">
+              <a:schemeClr val="accent1">
+                <a:shade val="50000"/>
+              </a:schemeClr>
+            </a:lnRef>
+            <a:fillRef idx="1">
+              <a:schemeClr val="accent1"/>
+            </a:fillRef>
+            <a:effectRef idx="0">
+              <a:schemeClr val="accent1"/>
+            </a:effectRef>
+            <a:fontRef idx="minor">
+              <a:schemeClr val="lt1"/>
+            </a:fontRef>
+          </p:style>
+          <p:txBody>
+            <a:bodyPr rtlCol="0" anchor="ctr"/>
+            <a:lstStyle/>
+            <a:p>
+              <a:pPr algn="ctr"/>
+              <a:endParaRPr lang="ko-KR" altLang="en-US" sz="2400" dirty="0">
+                <a:latin typeface="나눔바른고딕" panose="020B0603020101020101" pitchFamily="50" charset="-127"/>
+                <a:ea typeface="나눔바른고딕" panose="020B0603020101020101" pitchFamily="50" charset="-127"/>
+              </a:endParaRPr>
+            </a:p>
+          </p:txBody>
+        </p:sp>
+      </p:grpSp>
+      <p:sp>
+        <p:nvSpPr>
+          <p:cNvPr id="19" name="직사각형 18"/>
+          <p:cNvSpPr/>
+          <p:nvPr/>
+        </p:nvSpPr>
+        <p:spPr>
+          <a:xfrm>
+            <a:off x="1081171" y="1433635"/>
+            <a:ext cx="7895148" cy="4875687"/>
+          </a:xfrm>
+          <a:prstGeom prst="rect">
+            <a:avLst/>
+          </a:prstGeom>
+          <a:noFill/>
+          <a:ln w="9525">
+            <a:solidFill>
+              <a:schemeClr val="tx1"/>
+            </a:solidFill>
+          </a:ln>
+        </p:spPr>
+        <p:style>
+          <a:lnRef idx="2">
+            <a:schemeClr val="accent1">
+              <a:shade val="50000"/>
+            </a:schemeClr>
+          </a:lnRef>
+          <a:fillRef idx="1">
+            <a:schemeClr val="accent1"/>
+          </a:fillRef>
+          <a:effectRef idx="0">
+            <a:schemeClr val="accent1"/>
+          </a:effectRef>
+          <a:fontRef idx="minor">
+            <a:schemeClr val="lt1"/>
+          </a:fontRef>
+        </p:style>
+        <p:txBody>
+          <a:bodyPr lIns="91440" tIns="45720" rIns="91440" bIns="45720" rtlCol="0" anchor="ctr"/>
+          <a:lstStyle/>
+          <a:p>
+            <a:pPr algn="ctr"/>
+            <a:endParaRPr lang="ko-KR" altLang="en-US" sz="2400" dirty="0">
+              <a:noFill/>
+              <a:latin typeface="나눔바른고딕" panose="020B0603020101020101" pitchFamily="50" charset="-127"/>
+              <a:ea typeface="나눔바른고딕" panose="020B0603020101020101" pitchFamily="50" charset="-127"/>
+            </a:endParaRPr>
+          </a:p>
+        </p:txBody>
+      </p:sp>
+      <p:pic>
+        <p:nvPicPr>
+          <p:cNvPr id="2050" name="Picture 2"/>
+          <p:cNvPicPr>
+            <a:picLocks noChangeAspect="1" noChangeArrowheads="1"/>
+          </p:cNvPicPr>
+          <p:nvPr/>
+        </p:nvPicPr>
+        <p:blipFill>
+          <a:blip r:embed="rId2" cstate="print">
+            <a:extLst>
+              <a:ext uri="{28A0092B-C50C-407E-A947-70E740481C1C}">
+                <a14:useLocalDpi xmlns:a14="http://schemas.microsoft.com/office/drawing/2010/main" val="0"/>
+              </a:ext>
+            </a:extLst>
+          </a:blip>
+          <a:srcRect/>
+          <a:stretch>
+            <a:fillRect/>
+          </a:stretch>
+        </p:blipFill>
+        <p:spPr bwMode="auto">
+          <a:xfrm>
+            <a:off x="697918" y="557711"/>
+            <a:ext cx="1151805" cy="767120"/>
+          </a:xfrm>
+          <a:prstGeom prst="rect">
+            <a:avLst/>
+          </a:prstGeom>
+          <a:noFill/>
+          <a:ln>
+            <a:noFill/>
+          </a:ln>
+          <a:extLst>
+            <a:ext uri="{909E8E84-426E-40DD-AFC4-6F175D3DCCD1}">
+              <a14:hiddenFill xmlns:a14="http://schemas.microsoft.com/office/drawing/2010/main">
+                <a:solidFill>
+                  <a:schemeClr val="accent1"/>
+                </a:solidFill>
+              </a14:hiddenFill>
+            </a:ext>
+            <a:ext uri="{91240B29-F687-4F45-9708-019B960494DF}">
+              <a14:hiddenLine xmlns:a14="http://schemas.microsoft.com/office/drawing/2010/main" w="9525">
+                <a:solidFill>
+                  <a:schemeClr val="tx1"/>
+                </a:solidFill>
+                <a:miter lim="800000"/>
+                <a:headEnd/>
+                <a:tailEnd/>
+              </a14:hiddenLine>
+            </a:ext>
+          </a:extLst>
+        </p:spPr>
+      </p:pic>
+      <p:sp>
+        <p:nvSpPr>
+          <p:cNvPr id="17" name="직사각형 16"/>
+          <p:cNvSpPr/>
+          <p:nvPr/>
+        </p:nvSpPr>
+        <p:spPr>
+          <a:xfrm>
+            <a:off x="1844742" y="557711"/>
+            <a:ext cx="8789911" cy="600164"/>
+          </a:xfrm>
+          <a:prstGeom prst="rect">
+            <a:avLst/>
+          </a:prstGeom>
+        </p:spPr>
+        <p:txBody>
+          <a:bodyPr wrap="square" lIns="91440" tIns="45720" rIns="91440" bIns="45720">
+            <a:spAutoFit/>
+          </a:bodyPr>
+          <a:lstStyle/>
+          <a:p>
+            <a:pPr>
+              <a:lnSpc>
+                <a:spcPct val="150000"/>
+              </a:lnSpc>
+            </a:pPr>
+            <a:r>
+              <a:rPr lang="en-US" altLang="ko-KR" sz="2400" b="1" dirty="0">
+                <a:solidFill>
+                  <a:schemeClr val="tx1">
+                    <a:lumMod val="75000"/>
+                    <a:lumOff val="25000"/>
+                  </a:schemeClr>
+                </a:solidFill>
+                <a:latin typeface="나눔바른고딕" panose="020B0603020101020101" pitchFamily="50" charset="-127"/>
+                <a:ea typeface="나눔바른고딕" panose="020B0603020101020101" pitchFamily="50" charset="-127"/>
+              </a:rPr>
+              <a:t>[ </a:t>
+            </a:r>
+            <a:r>
+              <a:rPr lang="ko-KR" altLang="en-US" sz="2400" b="1" dirty="0">
+                <a:solidFill>
+                  <a:schemeClr val="tx1">
+                    <a:lumMod val="75000"/>
+                    <a:lumOff val="25000"/>
+                  </a:schemeClr>
+                </a:solidFill>
+                <a:latin typeface="나눔바른고딕" panose="020B0603020101020101" pitchFamily="50" charset="-127"/>
+                <a:ea typeface="나눔바른고딕" panose="020B0603020101020101" pitchFamily="50" charset="-127"/>
+              </a:rPr>
+              <a:t>화면설계 </a:t>
+            </a:r>
+            <a:r>
+              <a:rPr lang="en-US" altLang="ko-KR" sz="2400" b="1" dirty="0">
+                <a:solidFill>
+                  <a:schemeClr val="tx1">
+                    <a:lumMod val="75000"/>
+                    <a:lumOff val="25000"/>
+                  </a:schemeClr>
+                </a:solidFill>
+                <a:latin typeface="나눔바른고딕" panose="020B0603020101020101" pitchFamily="50" charset="-127"/>
+                <a:ea typeface="나눔바른고딕" panose="020B0603020101020101" pitchFamily="50" charset="-127"/>
+              </a:rPr>
+              <a:t>] </a:t>
+            </a:r>
+            <a:r>
+              <a:rPr lang="ko-KR" altLang="en-US" sz="2400" b="1" dirty="0">
+                <a:solidFill>
+                  <a:schemeClr val="tx1">
+                    <a:lumMod val="75000"/>
+                    <a:lumOff val="25000"/>
+                  </a:schemeClr>
+                </a:solidFill>
+                <a:latin typeface="나눔바른고딕" panose="020B0603020101020101" pitchFamily="50" charset="-127"/>
+                <a:ea typeface="나눔바른고딕" panose="020B0603020101020101" pitchFamily="50" charset="-127"/>
+              </a:rPr>
+              <a:t>고객센터 </a:t>
+            </a:r>
+            <a:r>
+              <a:rPr lang="en-US" altLang="ko-KR" sz="2400" b="1" dirty="0">
+                <a:solidFill>
+                  <a:schemeClr val="tx1">
+                    <a:lumMod val="75000"/>
+                    <a:lumOff val="25000"/>
+                  </a:schemeClr>
+                </a:solidFill>
+                <a:latin typeface="나눔바른고딕" panose="020B0603020101020101" pitchFamily="50" charset="-127"/>
+                <a:ea typeface="나눔바른고딕" panose="020B0603020101020101" pitchFamily="50" charset="-127"/>
+              </a:rPr>
+              <a:t>– </a:t>
+            </a:r>
+            <a:r>
+              <a:rPr lang="ko-KR" altLang="en-US" sz="2400" b="1" dirty="0">
+                <a:solidFill>
+                  <a:schemeClr val="tx1">
+                    <a:lumMod val="75000"/>
+                    <a:lumOff val="25000"/>
+                  </a:schemeClr>
+                </a:solidFill>
+                <a:latin typeface="나눔바른고딕" panose="020B0603020101020101" pitchFamily="50" charset="-127"/>
+                <a:ea typeface="나눔바른고딕" panose="020B0603020101020101" pitchFamily="50" charset="-127"/>
+              </a:rPr>
+              <a:t>공지사항 목록 </a:t>
+            </a:r>
+            <a:r>
+              <a:rPr lang="en-US" altLang="ko-KR" sz="2400" b="1" dirty="0">
+                <a:solidFill>
+                  <a:schemeClr val="tx1">
+                    <a:lumMod val="75000"/>
+                    <a:lumOff val="25000"/>
+                  </a:schemeClr>
+                </a:solidFill>
+                <a:latin typeface="나눔바른고딕" panose="020B0603020101020101" pitchFamily="50" charset="-127"/>
+                <a:ea typeface="나눔바른고딕" panose="020B0603020101020101" pitchFamily="50" charset="-127"/>
+              </a:rPr>
+              <a:t>– </a:t>
+            </a:r>
+            <a:r>
+              <a:rPr lang="ko-KR" altLang="en-US" sz="2400" b="1" dirty="0">
+                <a:solidFill>
+                  <a:schemeClr val="tx1">
+                    <a:lumMod val="75000"/>
+                    <a:lumOff val="25000"/>
+                  </a:schemeClr>
+                </a:solidFill>
+                <a:latin typeface="나눔바른고딕" panose="020B0603020101020101" pitchFamily="50" charset="-127"/>
+                <a:ea typeface="나눔바른고딕" panose="020B0603020101020101" pitchFamily="50" charset="-127"/>
+              </a:rPr>
+              <a:t>사용자</a:t>
+            </a:r>
+          </a:p>
+        </p:txBody>
+      </p:sp>
+      <p:graphicFrame>
+        <p:nvGraphicFramePr>
+          <p:cNvPr id="20" name="표 19"/>
+          <p:cNvGraphicFramePr>
+            <a:graphicFrameLocks noGrp="1"/>
+          </p:cNvGraphicFramePr>
+          <p:nvPr>
+            <p:extLst/>
+          </p:nvPr>
+        </p:nvGraphicFramePr>
+        <p:xfrm>
+          <a:off x="9168341" y="1433634"/>
+          <a:ext cx="2688299" cy="915066"/>
+        </p:xfrm>
+        <a:graphic>
+          <a:graphicData uri="http://schemas.openxmlformats.org/drawingml/2006/table">
+            <a:tbl>
+              <a:tblPr firstRow="1" bandRow="1"/>
+              <a:tblGrid>
+                <a:gridCol w="2688299">
+                  <a:extLst>
+                    <a:ext uri="{9D8B030D-6E8A-4147-A177-3AD203B41FA5}">
+                      <a16:colId xmlns:a16="http://schemas.microsoft.com/office/drawing/2014/main" val="20000"/>
+                    </a:ext>
+                  </a:extLst>
+                </a:gridCol>
+              </a:tblGrid>
+              <a:tr h="424495">
+                <a:tc>
+                  <a:txBody>
+                    <a:bodyPr/>
+                    <a:lstStyle/>
+                    <a:p>
+                      <a:pPr algn="ctr" latinLnBrk="1"/>
+                      <a:r>
+                        <a:rPr lang="ko-KR" altLang="en-US" sz="1200" b="1" dirty="0">
+                          <a:solidFill>
+                            <a:schemeClr val="tx1"/>
+                          </a:solidFill>
+                          <a:latin typeface="나눔바른고딕" panose="020B0603020101020101" pitchFamily="50" charset="-127"/>
+                          <a:ea typeface="나눔바른고딕" panose="020B0603020101020101" pitchFamily="50" charset="-127"/>
+                        </a:rPr>
+                        <a:t>화면코드</a:t>
+                      </a:r>
+                    </a:p>
+                  </a:txBody>
+                  <a:tcPr marL="121920" marR="121920" marT="60960" marB="60960" anchor="ctr">
+                    <a:solidFill>
+                      <a:srgbClr val="FF9E00"/>
+                    </a:solidFill>
+                  </a:tcPr>
+                </a:tc>
+                <a:extLst>
+                  <a:ext uri="{0D108BD9-81ED-4DB2-BD59-A6C34878D82A}">
+                    <a16:rowId xmlns:a16="http://schemas.microsoft.com/office/drawing/2014/main" val="10000"/>
+                  </a:ext>
+                </a:extLst>
+              </a:tr>
+              <a:tr h="490571">
+                <a:tc>
+                  <a:txBody>
+                    <a:bodyPr/>
+                    <a:lstStyle/>
+                    <a:p>
+                      <a:pPr algn="ctr" latinLnBrk="1"/>
+                      <a:r>
+                        <a:rPr lang="en-US" altLang="ko-KR" sz="1500" dirty="0" err="1" smtClean="0">
+                          <a:latin typeface="나눔바른고딕" panose="020B0603020101020101" pitchFamily="50" charset="-127"/>
+                          <a:ea typeface="나눔바른고딕" panose="020B0603020101020101" pitchFamily="50" charset="-127"/>
+                        </a:rPr>
+                        <a:t>sw_user_m_notice</a:t>
+                      </a:r>
+                      <a:endParaRPr lang="ko-KR" altLang="en-US" sz="1500" dirty="0">
+                        <a:latin typeface="나눔바른고딕" panose="020B0603020101020101" pitchFamily="50" charset="-127"/>
+                        <a:ea typeface="나눔바른고딕" panose="020B0603020101020101" pitchFamily="50" charset="-127"/>
+                      </a:endParaRPr>
+                    </a:p>
+                  </a:txBody>
+                  <a:tcPr marL="121920" marR="121920" marT="60960" marB="60960" anchor="ctr"/>
+                </a:tc>
+                <a:extLst>
+                  <a:ext uri="{0D108BD9-81ED-4DB2-BD59-A6C34878D82A}">
+                    <a16:rowId xmlns:a16="http://schemas.microsoft.com/office/drawing/2014/main" val="10001"/>
+                  </a:ext>
+                </a:extLst>
+              </a:tr>
+            </a:tbl>
+          </a:graphicData>
+        </a:graphic>
+      </p:graphicFrame>
+      <p:graphicFrame>
+        <p:nvGraphicFramePr>
+          <p:cNvPr id="21" name="표 20"/>
+          <p:cNvGraphicFramePr>
+            <a:graphicFrameLocks noGrp="1"/>
+          </p:cNvGraphicFramePr>
+          <p:nvPr>
+            <p:extLst/>
+          </p:nvPr>
+        </p:nvGraphicFramePr>
+        <p:xfrm>
+          <a:off x="9168341" y="2479152"/>
+          <a:ext cx="2688299" cy="1710010"/>
+        </p:xfrm>
+        <a:graphic>
+          <a:graphicData uri="http://schemas.openxmlformats.org/drawingml/2006/table">
+            <a:tbl>
+              <a:tblPr firstRow="1" bandRow="1"/>
+              <a:tblGrid>
+                <a:gridCol w="280507">
+                  <a:extLst>
+                    <a:ext uri="{9D8B030D-6E8A-4147-A177-3AD203B41FA5}">
+                      <a16:colId xmlns:a16="http://schemas.microsoft.com/office/drawing/2014/main" val="20000"/>
+                    </a:ext>
+                  </a:extLst>
+                </a:gridCol>
+                <a:gridCol w="2407792">
+                  <a:extLst>
+                    <a:ext uri="{9D8B030D-6E8A-4147-A177-3AD203B41FA5}">
+                      <a16:colId xmlns:a16="http://schemas.microsoft.com/office/drawing/2014/main" val="20001"/>
+                    </a:ext>
+                  </a:extLst>
+                </a:gridCol>
+              </a:tblGrid>
+              <a:tr h="469796">
+                <a:tc>
+                  <a:txBody>
+                    <a:bodyPr/>
+                    <a:lstStyle/>
+                    <a:p>
+                      <a:pPr algn="ctr" latinLnBrk="1"/>
+                      <a:r>
+                        <a:rPr lang="en-US" altLang="ko-KR" sz="1200" b="1" dirty="0">
+                          <a:latin typeface="나눔바른고딕" panose="020B0603020101020101" pitchFamily="50" charset="-127"/>
+                          <a:ea typeface="나눔바른고딕" panose="020B0603020101020101" pitchFamily="50" charset="-127"/>
+                        </a:rPr>
+                        <a:t>#</a:t>
+                      </a:r>
+                      <a:endParaRPr lang="ko-KR" altLang="en-US" sz="1200" b="1" dirty="0">
+                        <a:latin typeface="나눔바른고딕" panose="020B0603020101020101" pitchFamily="50" charset="-127"/>
+                        <a:ea typeface="나눔바른고딕" panose="020B0603020101020101" pitchFamily="50" charset="-127"/>
+                      </a:endParaRPr>
+                    </a:p>
+                  </a:txBody>
+                  <a:tcPr marL="121920" marR="121920" marT="60960" marB="60960" anchor="ctr">
+                    <a:solidFill>
+                      <a:srgbClr val="FF9E00"/>
+                    </a:solidFill>
+                  </a:tcPr>
+                </a:tc>
+                <a:tc>
+                  <a:txBody>
+                    <a:bodyPr/>
+                    <a:lstStyle/>
+                    <a:p>
+                      <a:pPr algn="ctr" latinLnBrk="1"/>
+                      <a:r>
+                        <a:rPr lang="ko-KR" altLang="en-US" sz="1200" b="1" dirty="0">
+                          <a:latin typeface="나눔바른고딕" panose="020B0603020101020101" pitchFamily="50" charset="-127"/>
+                          <a:ea typeface="나눔바른고딕" panose="020B0603020101020101" pitchFamily="50" charset="-127"/>
+                        </a:rPr>
+                        <a:t>기능</a:t>
+                      </a:r>
+                    </a:p>
+                  </a:txBody>
+                  <a:tcPr marL="121920" marR="121920" marT="60960" marB="60960" anchor="ctr">
+                    <a:solidFill>
+                      <a:srgbClr val="FF9E00"/>
+                    </a:solidFill>
+                  </a:tcPr>
+                </a:tc>
+                <a:extLst>
+                  <a:ext uri="{0D108BD9-81ED-4DB2-BD59-A6C34878D82A}">
+                    <a16:rowId xmlns:a16="http://schemas.microsoft.com/office/drawing/2014/main" val="10000"/>
+                  </a:ext>
+                </a:extLst>
+              </a:tr>
+              <a:tr h="620107">
+                <a:tc>
+                  <a:txBody>
+                    <a:bodyPr/>
+                    <a:lstStyle/>
+                    <a:p>
+                      <a:pPr algn="ctr" latinLnBrk="1"/>
+                      <a:r>
+                        <a:rPr lang="en-US" altLang="ko-KR" sz="1300" dirty="0">
+                          <a:latin typeface="나눔바른고딕" panose="020B0603020101020101" pitchFamily="50" charset="-127"/>
+                          <a:ea typeface="나눔바른고딕" panose="020B0603020101020101" pitchFamily="50" charset="-127"/>
+                        </a:rPr>
+                        <a:t>1</a:t>
+                      </a:r>
+                      <a:endParaRPr lang="ko-KR" altLang="en-US" sz="1300" dirty="0">
+                        <a:latin typeface="나눔바른고딕" panose="020B0603020101020101" pitchFamily="50" charset="-127"/>
+                        <a:ea typeface="나눔바른고딕" panose="020B0603020101020101" pitchFamily="50" charset="-127"/>
+                      </a:endParaRPr>
+                    </a:p>
+                  </a:txBody>
+                  <a:tcPr marL="121920" marR="121920" marT="60960" marB="60960" anchor="ctr"/>
+                </a:tc>
+                <a:tc>
+                  <a:txBody>
+                    <a:bodyPr/>
+                    <a:lstStyle/>
+                    <a:p>
+                      <a:pPr algn="l" latinLnBrk="0">
+                        <a:lnSpc>
+                          <a:spcPts val="1300"/>
+                        </a:lnSpc>
+                      </a:pPr>
+                      <a:r>
+                        <a:rPr lang="ko-KR" altLang="en-US" sz="1200" b="1" dirty="0" smtClean="0">
+                          <a:latin typeface="나눔바른고딕" panose="020B0603020101020101" pitchFamily="50" charset="-127"/>
+                          <a:ea typeface="나눔바른고딕" panose="020B0603020101020101" pitchFamily="50" charset="-127"/>
+                        </a:rPr>
+                        <a:t>고객센터 목록</a:t>
+                      </a:r>
+                      <a:endParaRPr lang="en-US" altLang="ko-KR" sz="1200" b="1" dirty="0">
+                        <a:latin typeface="나눔바른고딕" panose="020B0603020101020101" pitchFamily="50" charset="-127"/>
+                        <a:ea typeface="나눔바른고딕" panose="020B0603020101020101" pitchFamily="50" charset="-127"/>
+                      </a:endParaRPr>
+                    </a:p>
+                    <a:p>
+                      <a:pPr marL="171450" indent="-171450" algn="l" latinLnBrk="0">
+                        <a:lnSpc>
+                          <a:spcPts val="1300"/>
+                        </a:lnSpc>
+                        <a:buFontTx/>
+                        <a:buChar char="-"/>
+                      </a:pPr>
+                      <a:r>
+                        <a:rPr lang="ko-KR" altLang="en-US" sz="1200" b="0" i="0" u="none" strike="noStrike" cap="none" dirty="0" smtClean="0">
+                          <a:solidFill>
+                            <a:srgbClr val="000000"/>
+                          </a:solidFill>
+                          <a:latin typeface="나눔바른고딕" panose="020B0603020101020101" pitchFamily="50" charset="-127"/>
+                          <a:ea typeface="나눔바른고딕" panose="020B0603020101020101" pitchFamily="50" charset="-127"/>
+                          <a:cs typeface="Arial"/>
+                          <a:sym typeface="Arial"/>
+                        </a:rPr>
+                        <a:t>공지사항</a:t>
+                      </a:r>
+                      <a:r>
+                        <a:rPr lang="en-US" altLang="ko-KR" sz="1200" b="0" i="0" u="none" strike="noStrike" cap="none" dirty="0" smtClean="0">
+                          <a:solidFill>
+                            <a:srgbClr val="000000"/>
+                          </a:solidFill>
+                          <a:latin typeface="나눔바른고딕" panose="020B0603020101020101" pitchFamily="50" charset="-127"/>
+                          <a:ea typeface="나눔바른고딕" panose="020B0603020101020101" pitchFamily="50" charset="-127"/>
+                          <a:cs typeface="Arial"/>
+                          <a:sym typeface="Arial"/>
+                        </a:rPr>
+                        <a:t>, FAQ, </a:t>
+                      </a:r>
+                      <a:r>
+                        <a:rPr lang="ko-KR" altLang="en-US" sz="1200" b="0" i="0" u="none" strike="noStrike" cap="none" dirty="0" smtClean="0">
+                          <a:solidFill>
+                            <a:srgbClr val="000000"/>
+                          </a:solidFill>
+                          <a:latin typeface="나눔바른고딕" panose="020B0603020101020101" pitchFamily="50" charset="-127"/>
+                          <a:ea typeface="나눔바른고딕" panose="020B0603020101020101" pitchFamily="50" charset="-127"/>
+                          <a:cs typeface="Arial"/>
+                          <a:sym typeface="Arial"/>
+                        </a:rPr>
+                        <a:t>실시간 채팅 상담 기능 이동</a:t>
+                      </a:r>
+                      <a:endParaRPr lang="ko-KR" altLang="en-US" sz="1200" dirty="0">
+                        <a:latin typeface="나눔바른고딕" panose="020B0603020101020101" pitchFamily="50" charset="-127"/>
+                        <a:ea typeface="나눔바른고딕" panose="020B0603020101020101" pitchFamily="50" charset="-127"/>
+                      </a:endParaRPr>
+                    </a:p>
+                  </a:txBody>
+                  <a:tcPr marL="121920" marR="121920" marT="60960" marB="60960"/>
+                </a:tc>
+                <a:extLst>
+                  <a:ext uri="{0D108BD9-81ED-4DB2-BD59-A6C34878D82A}">
+                    <a16:rowId xmlns:a16="http://schemas.microsoft.com/office/drawing/2014/main" val="10001"/>
+                  </a:ext>
+                </a:extLst>
+              </a:tr>
+              <a:tr h="620107">
+                <a:tc>
+                  <a:txBody>
+                    <a:bodyPr/>
+                    <a:lstStyle/>
+                    <a:p>
+                      <a:pPr algn="ctr" latinLnBrk="1"/>
+                      <a:r>
+                        <a:rPr lang="en-US" altLang="ko-KR" sz="1300" dirty="0" smtClean="0">
+                          <a:latin typeface="나눔바른고딕" panose="020B0603020101020101" pitchFamily="50" charset="-127"/>
+                          <a:ea typeface="나눔바른고딕" panose="020B0603020101020101" pitchFamily="50" charset="-127"/>
+                        </a:rPr>
+                        <a:t>2</a:t>
+                      </a:r>
+                      <a:endParaRPr lang="ko-KR" altLang="en-US" sz="1300" dirty="0">
+                        <a:latin typeface="나눔바른고딕" panose="020B0603020101020101" pitchFamily="50" charset="-127"/>
+                        <a:ea typeface="나눔바른고딕" panose="020B0603020101020101" pitchFamily="50" charset="-127"/>
+                      </a:endParaRPr>
+                    </a:p>
+                  </a:txBody>
+                  <a:tcPr marL="121920" marR="121920" marT="60960" marB="60960" anchor="ctr"/>
+                </a:tc>
+                <a:tc>
+                  <a:txBody>
+                    <a:bodyPr/>
+                    <a:lstStyle/>
+                    <a:p>
+                      <a:pPr algn="l" latinLnBrk="0">
+                        <a:lnSpc>
+                          <a:spcPts val="1300"/>
+                        </a:lnSpc>
+                      </a:pPr>
+                      <a:r>
+                        <a:rPr lang="ko-KR" altLang="en-US" sz="1200" b="1" kern="1200" dirty="0" smtClean="0">
+                          <a:solidFill>
+                            <a:schemeClr val="tx1"/>
+                          </a:solidFill>
+                          <a:latin typeface="나눔바른고딕" panose="020B0603020101020101" pitchFamily="50" charset="-127"/>
+                          <a:ea typeface="나눔바른고딕" panose="020B0603020101020101" pitchFamily="50" charset="-127"/>
+                          <a:cs typeface="+mn-cs"/>
+                        </a:rPr>
+                        <a:t>고객센터 목록</a:t>
+                      </a:r>
+                      <a:endParaRPr lang="en-US" altLang="ko-KR" sz="1200" b="1" kern="1200" dirty="0" smtClean="0">
+                        <a:solidFill>
+                          <a:schemeClr val="tx1"/>
+                        </a:solidFill>
+                        <a:latin typeface="나눔바른고딕" panose="020B0603020101020101" pitchFamily="50" charset="-127"/>
+                        <a:ea typeface="나눔바른고딕" panose="020B0603020101020101" pitchFamily="50" charset="-127"/>
+                        <a:cs typeface="+mn-cs"/>
+                      </a:endParaRPr>
+                    </a:p>
+                    <a:p>
+                      <a:pPr marL="171450" indent="-171450" algn="l" latinLnBrk="0">
+                        <a:lnSpc>
+                          <a:spcPts val="1300"/>
+                        </a:lnSpc>
+                        <a:buFontTx/>
+                        <a:buChar char="-"/>
+                      </a:pPr>
+                      <a:r>
+                        <a:rPr lang="ko-KR" altLang="en-US" sz="1200" b="0" i="0" u="none" strike="noStrike" kern="1200" cap="none" dirty="0" smtClean="0">
+                          <a:solidFill>
+                            <a:srgbClr val="000000"/>
+                          </a:solidFill>
+                          <a:latin typeface="나눔바른고딕" panose="020B0603020101020101" pitchFamily="50" charset="-127"/>
+                          <a:ea typeface="나눔바른고딕" panose="020B0603020101020101" pitchFamily="50" charset="-127"/>
+                          <a:cs typeface="Arial"/>
+                          <a:sym typeface="Arial"/>
+                        </a:rPr>
+                        <a:t>등록된 공지사항 목록 및 공지사항 내용 확인</a:t>
+                      </a:r>
+                      <a:endParaRPr lang="ko-KR" altLang="en-US" sz="1200" kern="1200" dirty="0">
+                        <a:solidFill>
+                          <a:schemeClr val="tx1"/>
+                        </a:solidFill>
+                        <a:latin typeface="나눔바른고딕" panose="020B0603020101020101" pitchFamily="50" charset="-127"/>
+                        <a:ea typeface="나눔바른고딕" panose="020B0603020101020101" pitchFamily="50" charset="-127"/>
+                        <a:cs typeface="+mn-cs"/>
+                      </a:endParaRPr>
+                    </a:p>
+                  </a:txBody>
+                  <a:tcPr marL="121920" marR="121920" marT="60960" marB="60960"/>
+                </a:tc>
+                <a:extLst>
+                  <a:ext uri="{0D108BD9-81ED-4DB2-BD59-A6C34878D82A}">
+                    <a16:rowId xmlns:a16="http://schemas.microsoft.com/office/drawing/2014/main" val="10002"/>
+                  </a:ext>
+                </a:extLst>
+              </a:tr>
+            </a:tbl>
+          </a:graphicData>
+        </a:graphic>
+      </p:graphicFrame>
+      <p:sp>
+        <p:nvSpPr>
+          <p:cNvPr id="22" name="직사각형 21">
+            <a:extLst>
+              <a:ext uri="{FF2B5EF4-FFF2-40B4-BE49-F238E27FC236}">
+                <a16:creationId xmlns:a16="http://schemas.microsoft.com/office/drawing/2014/main" id="{7C9E9366-B86C-4147-AAEA-0E8C98D7DA95}"/>
+              </a:ext>
+            </a:extLst>
+          </p:cNvPr>
+          <p:cNvSpPr/>
+          <p:nvPr/>
+        </p:nvSpPr>
+        <p:spPr>
+          <a:xfrm>
+            <a:off x="1497106" y="1649506"/>
+            <a:ext cx="4158627" cy="4399977"/>
+          </a:xfrm>
+          <a:prstGeom prst="rect">
+            <a:avLst/>
+          </a:prstGeom>
+          <a:noFill/>
+          <a:ln>
+            <a:solidFill>
+              <a:schemeClr val="tx1"/>
+            </a:solidFill>
+          </a:ln>
+        </p:spPr>
+        <p:style>
+          <a:lnRef idx="2">
+            <a:schemeClr val="accent1">
+              <a:shade val="50000"/>
+            </a:schemeClr>
+          </a:lnRef>
+          <a:fillRef idx="1">
+            <a:schemeClr val="accent1"/>
+          </a:fillRef>
+          <a:effectRef idx="0">
+            <a:schemeClr val="accent1"/>
+          </a:effectRef>
+          <a:fontRef idx="minor">
+            <a:schemeClr val="lt1"/>
+          </a:fontRef>
+        </p:style>
+        <p:txBody>
+          <a:bodyPr rtlCol="0" anchor="ctr"/>
+          <a:lstStyle/>
+          <a:p>
+            <a:pPr algn="ctr"/>
+            <a:endParaRPr lang="ko-KR" altLang="en-US" dirty="0">
+              <a:latin typeface="나눔바른고딕" panose="020B0603020101020101" pitchFamily="50" charset="-127"/>
+              <a:ea typeface="나눔바른고딕" panose="020B0603020101020101" pitchFamily="50" charset="-127"/>
+            </a:endParaRPr>
+          </a:p>
+        </p:txBody>
+      </p:sp>
+      <p:sp>
+        <p:nvSpPr>
+          <p:cNvPr id="23" name="직사각형 22"/>
+          <p:cNvSpPr/>
+          <p:nvPr/>
+        </p:nvSpPr>
+        <p:spPr>
+          <a:xfrm>
+            <a:off x="1896533" y="1828061"/>
+            <a:ext cx="2641600" cy="440267"/>
+          </a:xfrm>
+          <a:prstGeom prst="rect">
+            <a:avLst/>
+          </a:prstGeom>
+          <a:noFill/>
+          <a:ln>
+            <a:solidFill>
+              <a:schemeClr val="accent2"/>
+            </a:solidFill>
+          </a:ln>
+        </p:spPr>
+        <p:style>
+          <a:lnRef idx="2">
+            <a:schemeClr val="accent1">
+              <a:shade val="50000"/>
+            </a:schemeClr>
+          </a:lnRef>
+          <a:fillRef idx="1">
+            <a:schemeClr val="accent1"/>
+          </a:fillRef>
+          <a:effectRef idx="0">
+            <a:schemeClr val="accent1"/>
+          </a:effectRef>
+          <a:fontRef idx="minor">
+            <a:schemeClr val="lt1"/>
+          </a:fontRef>
+        </p:style>
+        <p:txBody>
+          <a:bodyPr rtlCol="0" anchor="ctr"/>
+          <a:lstStyle/>
+          <a:p>
+            <a:pPr algn="ctr"/>
+            <a:r>
+              <a:rPr lang="ko-KR" altLang="en-US" dirty="0" smtClean="0">
+                <a:solidFill>
+                  <a:schemeClr val="tx1"/>
+                </a:solidFill>
+                <a:latin typeface="나눔바른고딕" panose="020B0603020101020101" pitchFamily="50" charset="-127"/>
+                <a:ea typeface="나눔바른고딕" panose="020B0603020101020101" pitchFamily="50" charset="-127"/>
+              </a:rPr>
+              <a:t>고객센터</a:t>
+            </a:r>
+            <a:endParaRPr lang="ko-KR" altLang="en-US" dirty="0">
+              <a:solidFill>
+                <a:schemeClr val="tx1"/>
+              </a:solidFill>
+              <a:latin typeface="나눔바른고딕" panose="020B0603020101020101" pitchFamily="50" charset="-127"/>
+              <a:ea typeface="나눔바른고딕" panose="020B0603020101020101" pitchFamily="50" charset="-127"/>
+            </a:endParaRPr>
+          </a:p>
+        </p:txBody>
+      </p:sp>
+      <p:sp>
+        <p:nvSpPr>
+          <p:cNvPr id="24" name="직사각형 23"/>
+          <p:cNvSpPr/>
+          <p:nvPr/>
+        </p:nvSpPr>
+        <p:spPr>
+          <a:xfrm>
+            <a:off x="1762302" y="2446883"/>
+            <a:ext cx="828796" cy="520579"/>
+          </a:xfrm>
+          <a:prstGeom prst="rect">
+            <a:avLst/>
+          </a:prstGeom>
+          <a:noFill/>
+          <a:ln>
+            <a:noFill/>
+          </a:ln>
+        </p:spPr>
+        <p:style>
+          <a:lnRef idx="2">
+            <a:schemeClr val="accent1">
+              <a:shade val="50000"/>
+            </a:schemeClr>
+          </a:lnRef>
+          <a:fillRef idx="1">
+            <a:schemeClr val="accent1"/>
+          </a:fillRef>
+          <a:effectRef idx="0">
+            <a:schemeClr val="accent1"/>
+          </a:effectRef>
+          <a:fontRef idx="minor">
+            <a:schemeClr val="lt1"/>
+          </a:fontRef>
+        </p:style>
+        <p:txBody>
+          <a:bodyPr rtlCol="0" anchor="ctr"/>
+          <a:lstStyle/>
+          <a:p>
+            <a:pPr algn="ctr"/>
+            <a:r>
+              <a:rPr lang="ko-KR" altLang="en-US" sz="1200" b="1" dirty="0" smtClean="0">
+                <a:solidFill>
+                  <a:schemeClr val="tx1"/>
+                </a:solidFill>
+                <a:latin typeface="나눔바른고딕" panose="020B0603020101020101" pitchFamily="50" charset="-127"/>
+                <a:ea typeface="나눔바른고딕" panose="020B0603020101020101" pitchFamily="50" charset="-127"/>
+              </a:rPr>
+              <a:t>공지사항</a:t>
+            </a:r>
+            <a:endParaRPr lang="ko-KR" altLang="en-US" sz="1200" b="1" dirty="0">
+              <a:solidFill>
+                <a:schemeClr val="tx1"/>
+              </a:solidFill>
+              <a:latin typeface="나눔바른고딕" panose="020B0603020101020101" pitchFamily="50" charset="-127"/>
+              <a:ea typeface="나눔바른고딕" panose="020B0603020101020101" pitchFamily="50" charset="-127"/>
+            </a:endParaRPr>
+          </a:p>
+        </p:txBody>
+      </p:sp>
+      <p:sp>
+        <p:nvSpPr>
+          <p:cNvPr id="25" name="직사각형 24"/>
+          <p:cNvSpPr/>
+          <p:nvPr/>
+        </p:nvSpPr>
+        <p:spPr>
+          <a:xfrm>
+            <a:off x="3246879" y="2446882"/>
+            <a:ext cx="482679" cy="520579"/>
+          </a:xfrm>
+          <a:prstGeom prst="rect">
+            <a:avLst/>
+          </a:prstGeom>
+          <a:noFill/>
+          <a:ln>
+            <a:noFill/>
+          </a:ln>
+        </p:spPr>
+        <p:style>
+          <a:lnRef idx="2">
+            <a:schemeClr val="accent1">
+              <a:shade val="50000"/>
+            </a:schemeClr>
+          </a:lnRef>
+          <a:fillRef idx="1">
+            <a:schemeClr val="accent1"/>
+          </a:fillRef>
+          <a:effectRef idx="0">
+            <a:schemeClr val="accent1"/>
+          </a:effectRef>
+          <a:fontRef idx="minor">
+            <a:schemeClr val="lt1"/>
+          </a:fontRef>
+        </p:style>
+        <p:txBody>
+          <a:bodyPr rtlCol="0" anchor="ctr"/>
+          <a:lstStyle/>
+          <a:p>
+            <a:pPr algn="ctr"/>
+            <a:r>
+              <a:rPr lang="en-US" altLang="ko-KR" sz="1200" dirty="0" smtClean="0">
+                <a:solidFill>
+                  <a:schemeClr val="tx1"/>
+                </a:solidFill>
+                <a:latin typeface="나눔바른고딕" panose="020B0603020101020101" pitchFamily="50" charset="-127"/>
+                <a:ea typeface="나눔바른고딕" panose="020B0603020101020101" pitchFamily="50" charset="-127"/>
+              </a:rPr>
+              <a:t>FAQ</a:t>
+            </a:r>
+            <a:endParaRPr lang="ko-KR" altLang="en-US" sz="1200" dirty="0">
+              <a:solidFill>
+                <a:schemeClr val="tx1"/>
+              </a:solidFill>
+              <a:latin typeface="나눔바른고딕" panose="020B0603020101020101" pitchFamily="50" charset="-127"/>
+              <a:ea typeface="나눔바른고딕" panose="020B0603020101020101" pitchFamily="50" charset="-127"/>
+            </a:endParaRPr>
+          </a:p>
+        </p:txBody>
+      </p:sp>
+      <p:sp>
+        <p:nvSpPr>
+          <p:cNvPr id="26" name="직사각형 25"/>
+          <p:cNvSpPr/>
+          <p:nvPr/>
+        </p:nvSpPr>
+        <p:spPr>
+          <a:xfrm>
+            <a:off x="4026569" y="2446882"/>
+            <a:ext cx="1459827" cy="520579"/>
+          </a:xfrm>
+          <a:prstGeom prst="rect">
+            <a:avLst/>
+          </a:prstGeom>
+          <a:noFill/>
+          <a:ln>
+            <a:noFill/>
+          </a:ln>
+        </p:spPr>
+        <p:style>
+          <a:lnRef idx="2">
+            <a:schemeClr val="accent1">
+              <a:shade val="50000"/>
+            </a:schemeClr>
+          </a:lnRef>
+          <a:fillRef idx="1">
+            <a:schemeClr val="accent1"/>
+          </a:fillRef>
+          <a:effectRef idx="0">
+            <a:schemeClr val="accent1"/>
+          </a:effectRef>
+          <a:fontRef idx="minor">
+            <a:schemeClr val="lt1"/>
+          </a:fontRef>
+        </p:style>
+        <p:txBody>
+          <a:bodyPr rtlCol="0" anchor="ctr"/>
+          <a:lstStyle/>
+          <a:p>
+            <a:pPr algn="ctr"/>
+            <a:r>
+              <a:rPr lang="ko-KR" altLang="en-US" sz="1200" dirty="0" smtClean="0">
+                <a:solidFill>
+                  <a:schemeClr val="tx1"/>
+                </a:solidFill>
+                <a:latin typeface="나눔바른고딕" panose="020B0603020101020101" pitchFamily="50" charset="-127"/>
+                <a:ea typeface="나눔바른고딕" panose="020B0603020101020101" pitchFamily="50" charset="-127"/>
+              </a:rPr>
+              <a:t>실시간 채팅 상담</a:t>
+            </a:r>
+            <a:endParaRPr lang="ko-KR" altLang="en-US" sz="1200" dirty="0">
+              <a:solidFill>
+                <a:schemeClr val="tx1"/>
+              </a:solidFill>
+              <a:latin typeface="나눔바른고딕" panose="020B0603020101020101" pitchFamily="50" charset="-127"/>
+              <a:ea typeface="나눔바른고딕" panose="020B0603020101020101" pitchFamily="50" charset="-127"/>
+            </a:endParaRPr>
+          </a:p>
+        </p:txBody>
+      </p:sp>
+      <p:graphicFrame>
+        <p:nvGraphicFramePr>
+          <p:cNvPr id="27" name="표 26"/>
+          <p:cNvGraphicFramePr>
+            <a:graphicFrameLocks noGrp="1"/>
+          </p:cNvGraphicFramePr>
+          <p:nvPr>
+            <p:extLst/>
+          </p:nvPr>
+        </p:nvGraphicFramePr>
+        <p:xfrm>
+          <a:off x="1896534" y="3378200"/>
+          <a:ext cx="3522133" cy="2157307"/>
+        </p:xfrm>
+        <a:graphic>
+          <a:graphicData uri="http://schemas.openxmlformats.org/drawingml/2006/table">
+            <a:tbl>
+              <a:tblPr firstRow="1" bandRow="1">
+                <a:tableStyleId>{2D5ABB26-0587-4C30-8999-92F81FD0307C}</a:tableStyleId>
+              </a:tblPr>
+              <a:tblGrid>
+                <a:gridCol w="584199">
+                  <a:extLst>
+                    <a:ext uri="{9D8B030D-6E8A-4147-A177-3AD203B41FA5}">
+                      <a16:colId xmlns:a16="http://schemas.microsoft.com/office/drawing/2014/main" val="20000"/>
+                    </a:ext>
+                  </a:extLst>
+                </a:gridCol>
+                <a:gridCol w="1464734">
+                  <a:extLst>
+                    <a:ext uri="{9D8B030D-6E8A-4147-A177-3AD203B41FA5}">
+                      <a16:colId xmlns:a16="http://schemas.microsoft.com/office/drawing/2014/main" val="20001"/>
+                    </a:ext>
+                  </a:extLst>
+                </a:gridCol>
+                <a:gridCol w="660400">
+                  <a:extLst>
+                    <a:ext uri="{9D8B030D-6E8A-4147-A177-3AD203B41FA5}">
+                      <a16:colId xmlns:a16="http://schemas.microsoft.com/office/drawing/2014/main" val="20002"/>
+                    </a:ext>
+                  </a:extLst>
+                </a:gridCol>
+                <a:gridCol w="812800">
+                  <a:extLst>
+                    <a:ext uri="{9D8B030D-6E8A-4147-A177-3AD203B41FA5}">
+                      <a16:colId xmlns:a16="http://schemas.microsoft.com/office/drawing/2014/main" val="20003"/>
+                    </a:ext>
+                  </a:extLst>
+                </a:gridCol>
+              </a:tblGrid>
+              <a:tr h="262467">
+                <a:tc>
+                  <a:txBody>
+                    <a:bodyPr/>
+                    <a:lstStyle/>
+                    <a:p>
+                      <a:pPr algn="ctr" latinLnBrk="1"/>
+                      <a:r>
+                        <a:rPr lang="ko-KR" altLang="en-US" sz="1100" b="1" dirty="0" smtClean="0">
+                          <a:latin typeface="나눔바른고딕" panose="020B0603020101020101" pitchFamily="50" charset="-127"/>
+                          <a:ea typeface="나눔바른고딕" panose="020B0603020101020101" pitchFamily="50" charset="-127"/>
+                        </a:rPr>
+                        <a:t>번호</a:t>
+                      </a:r>
+                      <a:endParaRPr lang="ko-KR" altLang="en-US" sz="1100" b="1" dirty="0">
+                        <a:latin typeface="나눔바른고딕" panose="020B0603020101020101" pitchFamily="50" charset="-127"/>
+                        <a:ea typeface="나눔바른고딕" panose="020B0603020101020101" pitchFamily="50" charset="-127"/>
+                      </a:endParaRPr>
+                    </a:p>
+                  </a:txBody>
+                  <a:tcPr anchor="ctr">
+                    <a:lnL w="12700" cap="flat" cmpd="sng" algn="ctr">
+                      <a:solidFill>
+                        <a:schemeClr val="tx1"/>
+                      </a:solidFill>
+                      <a:prstDash val="solid"/>
+                      <a:round/>
+                      <a:headEnd type="none" w="med" len="med"/>
+                      <a:tailEnd type="none" w="med" len="med"/>
+                    </a:lnL>
+                    <a:lnR w="12700" cap="flat" cmpd="sng" algn="ctr">
+                      <a:solidFill>
+                        <a:schemeClr val="tx1"/>
+                      </a:solidFill>
+                      <a:prstDash val="solid"/>
+                      <a:round/>
+                      <a:headEnd type="none" w="med" len="med"/>
+                      <a:tailEnd type="none" w="med" len="med"/>
+                    </a:lnR>
+                    <a:lnT w="12700" cap="flat" cmpd="sng" algn="ctr">
+                      <a:solidFill>
+                        <a:schemeClr val="tx1"/>
+                      </a:solidFill>
+                      <a:prstDash val="solid"/>
+                      <a:round/>
+                      <a:headEnd type="none" w="med" len="med"/>
+                      <a:tailEnd type="none" w="med" len="med"/>
+                    </a:lnT>
+                    <a:lnB w="12700" cap="flat" cmpd="sng" algn="ctr">
+                      <a:solidFill>
+                        <a:schemeClr val="tx1"/>
+                      </a:solidFill>
+                      <a:prstDash val="solid"/>
+                      <a:round/>
+                      <a:headEnd type="none" w="med" len="med"/>
+                      <a:tailEnd type="none" w="med" len="med"/>
+                    </a:lnB>
+                    <a:solidFill>
+                      <a:srgbClr val="FF9E00"/>
+                    </a:solidFill>
+                  </a:tcPr>
+                </a:tc>
+                <a:tc>
+                  <a:txBody>
+                    <a:bodyPr/>
+                    <a:lstStyle/>
+                    <a:p>
+                      <a:pPr algn="ctr" latinLnBrk="1"/>
+                      <a:r>
+                        <a:rPr lang="ko-KR" altLang="en-US" sz="1100" b="1" dirty="0" smtClean="0">
+                          <a:latin typeface="나눔바른고딕" panose="020B0603020101020101" pitchFamily="50" charset="-127"/>
+                          <a:ea typeface="나눔바른고딕" panose="020B0603020101020101" pitchFamily="50" charset="-127"/>
+                        </a:rPr>
+                        <a:t>제목</a:t>
+                      </a:r>
+                      <a:endParaRPr lang="ko-KR" altLang="en-US" sz="1100" b="1" dirty="0">
+                        <a:latin typeface="나눔바른고딕" panose="020B0603020101020101" pitchFamily="50" charset="-127"/>
+                        <a:ea typeface="나눔바른고딕" panose="020B0603020101020101" pitchFamily="50" charset="-127"/>
+                      </a:endParaRPr>
+                    </a:p>
+                  </a:txBody>
+                  <a:tcPr anchor="ctr">
+                    <a:lnL w="12700" cap="flat" cmpd="sng" algn="ctr">
+                      <a:solidFill>
+                        <a:schemeClr val="tx1"/>
+                      </a:solidFill>
+                      <a:prstDash val="solid"/>
+                      <a:round/>
+                      <a:headEnd type="none" w="med" len="med"/>
+                      <a:tailEnd type="none" w="med" len="med"/>
+                    </a:lnL>
+                    <a:lnR w="12700" cap="flat" cmpd="sng" algn="ctr">
+                      <a:solidFill>
+                        <a:schemeClr val="tx1"/>
+                      </a:solidFill>
+                      <a:prstDash val="solid"/>
+                      <a:round/>
+                      <a:headEnd type="none" w="med" len="med"/>
+                      <a:tailEnd type="none" w="med" len="med"/>
+                    </a:lnR>
+                    <a:lnT w="12700" cap="flat" cmpd="sng" algn="ctr">
+                      <a:solidFill>
+                        <a:schemeClr val="tx1"/>
+                      </a:solidFill>
+                      <a:prstDash val="solid"/>
+                      <a:round/>
+                      <a:headEnd type="none" w="med" len="med"/>
+                      <a:tailEnd type="none" w="med" len="med"/>
+                    </a:lnT>
+                    <a:lnB w="12700" cap="flat" cmpd="sng" algn="ctr">
+                      <a:solidFill>
+                        <a:schemeClr val="tx1"/>
+                      </a:solidFill>
+                      <a:prstDash val="solid"/>
+                      <a:round/>
+                      <a:headEnd type="none" w="med" len="med"/>
+                      <a:tailEnd type="none" w="med" len="med"/>
+                    </a:lnB>
+                    <a:solidFill>
+                      <a:srgbClr val="FF9E00"/>
+                    </a:solidFill>
+                  </a:tcPr>
+                </a:tc>
+                <a:tc>
+                  <a:txBody>
+                    <a:bodyPr/>
+                    <a:lstStyle/>
+                    <a:p>
+                      <a:pPr algn="ctr" latinLnBrk="1"/>
+                      <a:r>
+                        <a:rPr lang="ko-KR" altLang="en-US" sz="1100" b="1" dirty="0" smtClean="0">
+                          <a:latin typeface="나눔바른고딕" panose="020B0603020101020101" pitchFamily="50" charset="-127"/>
+                          <a:ea typeface="나눔바른고딕" panose="020B0603020101020101" pitchFamily="50" charset="-127"/>
+                        </a:rPr>
+                        <a:t>작성자</a:t>
+                      </a:r>
+                      <a:endParaRPr lang="ko-KR" altLang="en-US" sz="1100" b="1" dirty="0">
+                        <a:latin typeface="나눔바른고딕" panose="020B0603020101020101" pitchFamily="50" charset="-127"/>
+                        <a:ea typeface="나눔바른고딕" panose="020B0603020101020101" pitchFamily="50" charset="-127"/>
+                      </a:endParaRPr>
+                    </a:p>
+                  </a:txBody>
+                  <a:tcPr anchor="ctr">
+                    <a:lnL w="12700" cap="flat" cmpd="sng" algn="ctr">
+                      <a:solidFill>
+                        <a:schemeClr val="tx1"/>
+                      </a:solidFill>
+                      <a:prstDash val="solid"/>
+                      <a:round/>
+                      <a:headEnd type="none" w="med" len="med"/>
+                      <a:tailEnd type="none" w="med" len="med"/>
+                    </a:lnL>
+                    <a:lnR w="12700" cap="flat" cmpd="sng" algn="ctr">
+                      <a:solidFill>
+                        <a:schemeClr val="tx1"/>
+                      </a:solidFill>
+                      <a:prstDash val="solid"/>
+                      <a:round/>
+                      <a:headEnd type="none" w="med" len="med"/>
+                      <a:tailEnd type="none" w="med" len="med"/>
+                    </a:lnR>
+                    <a:lnT w="12700" cap="flat" cmpd="sng" algn="ctr">
+                      <a:solidFill>
+                        <a:schemeClr val="tx1"/>
+                      </a:solidFill>
+                      <a:prstDash val="solid"/>
+                      <a:round/>
+                      <a:headEnd type="none" w="med" len="med"/>
+                      <a:tailEnd type="none" w="med" len="med"/>
+                    </a:lnT>
+                    <a:lnB w="12700" cap="flat" cmpd="sng" algn="ctr">
+                      <a:solidFill>
+                        <a:schemeClr val="tx1"/>
+                      </a:solidFill>
+                      <a:prstDash val="solid"/>
+                      <a:round/>
+                      <a:headEnd type="none" w="med" len="med"/>
+                      <a:tailEnd type="none" w="med" len="med"/>
+                    </a:lnB>
+                    <a:solidFill>
+                      <a:srgbClr val="FF9E00"/>
+                    </a:solidFill>
+                  </a:tcPr>
+                </a:tc>
+                <a:tc>
+                  <a:txBody>
+                    <a:bodyPr/>
+                    <a:lstStyle/>
+                    <a:p>
+                      <a:pPr algn="ctr" latinLnBrk="1"/>
+                      <a:r>
+                        <a:rPr lang="ko-KR" altLang="en-US" sz="1100" b="1" dirty="0" smtClean="0">
+                          <a:latin typeface="나눔바른고딕" panose="020B0603020101020101" pitchFamily="50" charset="-127"/>
+                          <a:ea typeface="나눔바른고딕" panose="020B0603020101020101" pitchFamily="50" charset="-127"/>
+                        </a:rPr>
+                        <a:t>등록일</a:t>
+                      </a:r>
+                      <a:endParaRPr lang="ko-KR" altLang="en-US" sz="1100" b="1" dirty="0">
+                        <a:latin typeface="나눔바른고딕" panose="020B0603020101020101" pitchFamily="50" charset="-127"/>
+                        <a:ea typeface="나눔바른고딕" panose="020B0603020101020101" pitchFamily="50" charset="-127"/>
+                      </a:endParaRPr>
+                    </a:p>
+                  </a:txBody>
+                  <a:tcPr anchor="ctr">
+                    <a:lnL w="12700" cap="flat" cmpd="sng" algn="ctr">
+                      <a:solidFill>
+                        <a:schemeClr val="tx1"/>
+                      </a:solidFill>
+                      <a:prstDash val="solid"/>
+                      <a:round/>
+                      <a:headEnd type="none" w="med" len="med"/>
+                      <a:tailEnd type="none" w="med" len="med"/>
+                    </a:lnL>
+                    <a:lnR w="12700" cap="flat" cmpd="sng" algn="ctr">
+                      <a:solidFill>
+                        <a:schemeClr val="tx1"/>
+                      </a:solidFill>
+                      <a:prstDash val="solid"/>
+                      <a:round/>
+                      <a:headEnd type="none" w="med" len="med"/>
+                      <a:tailEnd type="none" w="med" len="med"/>
+                    </a:lnR>
+                    <a:lnT w="12700" cap="flat" cmpd="sng" algn="ctr">
+                      <a:solidFill>
+                        <a:schemeClr val="tx1"/>
+                      </a:solidFill>
+                      <a:prstDash val="solid"/>
+                      <a:round/>
+                      <a:headEnd type="none" w="med" len="med"/>
+                      <a:tailEnd type="none" w="med" len="med"/>
+                    </a:lnT>
+                    <a:lnB w="12700" cap="flat" cmpd="sng" algn="ctr">
+                      <a:solidFill>
+                        <a:schemeClr val="tx1"/>
+                      </a:solidFill>
+                      <a:prstDash val="solid"/>
+                      <a:round/>
+                      <a:headEnd type="none" w="med" len="med"/>
+                      <a:tailEnd type="none" w="med" len="med"/>
+                    </a:lnB>
+                    <a:solidFill>
+                      <a:srgbClr val="FF9E00"/>
+                    </a:solidFill>
+                  </a:tcPr>
+                </a:tc>
+                <a:extLst>
+                  <a:ext uri="{0D108BD9-81ED-4DB2-BD59-A6C34878D82A}">
+                    <a16:rowId xmlns:a16="http://schemas.microsoft.com/office/drawing/2014/main" val="10000"/>
+                  </a:ext>
+                </a:extLst>
+              </a:tr>
+              <a:tr h="370840">
+                <a:tc>
+                  <a:txBody>
+                    <a:bodyPr/>
+                    <a:lstStyle/>
+                    <a:p>
+                      <a:pPr algn="ctr" latinLnBrk="1"/>
+                      <a:r>
+                        <a:rPr lang="ko-KR" altLang="en-US" sz="1050" dirty="0" smtClean="0">
+                          <a:latin typeface="나눔바른고딕" panose="020B0603020101020101" pitchFamily="50" charset="-127"/>
+                          <a:ea typeface="나눔바른고딕" panose="020B0603020101020101" pitchFamily="50" charset="-127"/>
+                        </a:rPr>
+                        <a:t>중요</a:t>
+                      </a:r>
+                      <a:endParaRPr lang="ko-KR" altLang="en-US" sz="1050" dirty="0">
+                        <a:latin typeface="나눔바른고딕" panose="020B0603020101020101" pitchFamily="50" charset="-127"/>
+                        <a:ea typeface="나눔바른고딕" panose="020B0603020101020101" pitchFamily="50" charset="-127"/>
+                      </a:endParaRPr>
+                    </a:p>
+                  </a:txBody>
+                  <a:tcPr anchor="ctr">
+                    <a:lnL w="12700" cap="flat" cmpd="sng" algn="ctr">
+                      <a:solidFill>
+                        <a:schemeClr val="tx1"/>
+                      </a:solidFill>
+                      <a:prstDash val="solid"/>
+                      <a:round/>
+                      <a:headEnd type="none" w="med" len="med"/>
+                      <a:tailEnd type="none" w="med" len="med"/>
+                    </a:lnL>
+                    <a:lnR w="12700" cap="flat" cmpd="sng" algn="ctr">
+                      <a:solidFill>
+                        <a:schemeClr val="tx1"/>
+                      </a:solidFill>
+                      <a:prstDash val="solid"/>
+                      <a:round/>
+                      <a:headEnd type="none" w="med" len="med"/>
+                      <a:tailEnd type="none" w="med" len="med"/>
+                    </a:lnR>
+                    <a:lnT w="12700" cap="flat" cmpd="sng" algn="ctr">
+                      <a:solidFill>
+                        <a:schemeClr val="tx1"/>
+                      </a:solidFill>
+                      <a:prstDash val="solid"/>
+                      <a:round/>
+                      <a:headEnd type="none" w="med" len="med"/>
+                      <a:tailEnd type="none" w="med" len="med"/>
+                    </a:lnT>
+                    <a:lnB w="12700" cap="flat" cmpd="sng" algn="ctr">
+                      <a:solidFill>
+                        <a:schemeClr val="tx1"/>
+                      </a:solidFill>
+                      <a:prstDash val="solid"/>
+                      <a:round/>
+                      <a:headEnd type="none" w="med" len="med"/>
+                      <a:tailEnd type="none" w="med" len="med"/>
+                    </a:lnB>
+                  </a:tcPr>
+                </a:tc>
+                <a:tc>
+                  <a:txBody>
+                    <a:bodyPr/>
+                    <a:lstStyle/>
+                    <a:p>
+                      <a:pPr latinLnBrk="1"/>
+                      <a:r>
+                        <a:rPr lang="ko-KR" altLang="en-US" sz="1050" dirty="0" smtClean="0">
+                          <a:latin typeface="나눔바른고딕" panose="020B0603020101020101" pitchFamily="50" charset="-127"/>
+                          <a:ea typeface="나눔바른고딕" panose="020B0603020101020101" pitchFamily="50" charset="-127"/>
+                        </a:rPr>
+                        <a:t>공지사항 제목</a:t>
+                      </a:r>
+                      <a:endParaRPr lang="ko-KR" altLang="en-US" sz="1050" dirty="0">
+                        <a:latin typeface="나눔바른고딕" panose="020B0603020101020101" pitchFamily="50" charset="-127"/>
+                        <a:ea typeface="나눔바른고딕" panose="020B0603020101020101" pitchFamily="50" charset="-127"/>
+                      </a:endParaRPr>
+                    </a:p>
+                  </a:txBody>
+                  <a:tcPr anchor="ctr">
+                    <a:lnL w="12700" cap="flat" cmpd="sng" algn="ctr">
+                      <a:solidFill>
+                        <a:schemeClr val="tx1"/>
+                      </a:solidFill>
+                      <a:prstDash val="solid"/>
+                      <a:round/>
+                      <a:headEnd type="none" w="med" len="med"/>
+                      <a:tailEnd type="none" w="med" len="med"/>
+                    </a:lnL>
+                    <a:lnR w="12700" cap="flat" cmpd="sng" algn="ctr">
+                      <a:solidFill>
+                        <a:schemeClr val="tx1"/>
+                      </a:solidFill>
+                      <a:prstDash val="solid"/>
+                      <a:round/>
+                      <a:headEnd type="none" w="med" len="med"/>
+                      <a:tailEnd type="none" w="med" len="med"/>
+                    </a:lnR>
+                    <a:lnT w="12700" cap="flat" cmpd="sng" algn="ctr">
+                      <a:solidFill>
+                        <a:schemeClr val="tx1"/>
+                      </a:solidFill>
+                      <a:prstDash val="solid"/>
+                      <a:round/>
+                      <a:headEnd type="none" w="med" len="med"/>
+                      <a:tailEnd type="none" w="med" len="med"/>
+                    </a:lnT>
+                    <a:lnB w="12700" cap="flat" cmpd="sng" algn="ctr">
+                      <a:solidFill>
+                        <a:schemeClr val="tx1"/>
+                      </a:solidFill>
+                      <a:prstDash val="solid"/>
+                      <a:round/>
+                      <a:headEnd type="none" w="med" len="med"/>
+                      <a:tailEnd type="none" w="med" len="med"/>
+                    </a:lnB>
+                  </a:tcPr>
+                </a:tc>
+                <a:tc>
+                  <a:txBody>
+                    <a:bodyPr/>
+                    <a:lstStyle/>
+                    <a:p>
+                      <a:pPr algn="ctr" latinLnBrk="1"/>
+                      <a:r>
+                        <a:rPr lang="ko-KR" altLang="en-US" sz="1050" dirty="0" smtClean="0">
+                          <a:latin typeface="나눔바른고딕" panose="020B0603020101020101" pitchFamily="50" charset="-127"/>
+                          <a:ea typeface="나눔바른고딕" panose="020B0603020101020101" pitchFamily="50" charset="-127"/>
+                        </a:rPr>
+                        <a:t>관리자</a:t>
+                      </a:r>
+                      <a:endParaRPr lang="ko-KR" altLang="en-US" sz="1050" dirty="0">
+                        <a:latin typeface="나눔바른고딕" panose="020B0603020101020101" pitchFamily="50" charset="-127"/>
+                        <a:ea typeface="나눔바른고딕" panose="020B0603020101020101" pitchFamily="50" charset="-127"/>
+                      </a:endParaRPr>
+                    </a:p>
+                  </a:txBody>
+                  <a:tcPr anchor="ctr">
+                    <a:lnL w="12700" cap="flat" cmpd="sng" algn="ctr">
+                      <a:solidFill>
+                        <a:schemeClr val="tx1"/>
+                      </a:solidFill>
+                      <a:prstDash val="solid"/>
+                      <a:round/>
+                      <a:headEnd type="none" w="med" len="med"/>
+                      <a:tailEnd type="none" w="med" len="med"/>
+                    </a:lnL>
+                    <a:lnR w="12700" cap="flat" cmpd="sng" algn="ctr">
+                      <a:solidFill>
+                        <a:schemeClr val="tx1"/>
+                      </a:solidFill>
+                      <a:prstDash val="solid"/>
+                      <a:round/>
+                      <a:headEnd type="none" w="med" len="med"/>
+                      <a:tailEnd type="none" w="med" len="med"/>
+                    </a:lnR>
+                    <a:lnT w="12700" cap="flat" cmpd="sng" algn="ctr">
+                      <a:solidFill>
+                        <a:schemeClr val="tx1"/>
+                      </a:solidFill>
+                      <a:prstDash val="solid"/>
+                      <a:round/>
+                      <a:headEnd type="none" w="med" len="med"/>
+                      <a:tailEnd type="none" w="med" len="med"/>
+                    </a:lnT>
+                    <a:lnB w="12700" cap="flat" cmpd="sng" algn="ctr">
+                      <a:solidFill>
+                        <a:schemeClr val="tx1"/>
+                      </a:solidFill>
+                      <a:prstDash val="solid"/>
+                      <a:round/>
+                      <a:headEnd type="none" w="med" len="med"/>
+                      <a:tailEnd type="none" w="med" len="med"/>
+                    </a:lnB>
+                  </a:tcPr>
+                </a:tc>
+                <a:tc>
+                  <a:txBody>
+                    <a:bodyPr/>
+                    <a:lstStyle/>
+                    <a:p>
+                      <a:pPr algn="ctr" latinLnBrk="1"/>
+                      <a:r>
+                        <a:rPr lang="en-US" altLang="ko-KR" sz="1050" dirty="0" smtClean="0">
+                          <a:latin typeface="나눔바른고딕" panose="020B0603020101020101" pitchFamily="50" charset="-127"/>
+                          <a:ea typeface="나눔바른고딕" panose="020B0603020101020101" pitchFamily="50" charset="-127"/>
+                        </a:rPr>
+                        <a:t>20.05.06</a:t>
+                      </a:r>
+                      <a:endParaRPr lang="ko-KR" altLang="en-US" sz="1050" dirty="0">
+                        <a:latin typeface="나눔바른고딕" panose="020B0603020101020101" pitchFamily="50" charset="-127"/>
+                        <a:ea typeface="나눔바른고딕" panose="020B0603020101020101" pitchFamily="50" charset="-127"/>
+                      </a:endParaRPr>
+                    </a:p>
+                  </a:txBody>
+                  <a:tcPr anchor="ctr">
+                    <a:lnL w="12700" cap="flat" cmpd="sng" algn="ctr">
+                      <a:solidFill>
+                        <a:schemeClr val="tx1"/>
+                      </a:solidFill>
+                      <a:prstDash val="solid"/>
+                      <a:round/>
+                      <a:headEnd type="none" w="med" len="med"/>
+                      <a:tailEnd type="none" w="med" len="med"/>
+                    </a:lnL>
+                    <a:lnR w="12700" cap="flat" cmpd="sng" algn="ctr">
+                      <a:solidFill>
+                        <a:schemeClr val="tx1"/>
+                      </a:solidFill>
+                      <a:prstDash val="solid"/>
+                      <a:round/>
+                      <a:headEnd type="none" w="med" len="med"/>
+                      <a:tailEnd type="none" w="med" len="med"/>
+                    </a:lnR>
+                    <a:lnT w="12700" cap="flat" cmpd="sng" algn="ctr">
+                      <a:solidFill>
+                        <a:schemeClr val="tx1"/>
+                      </a:solidFill>
+                      <a:prstDash val="solid"/>
+                      <a:round/>
+                      <a:headEnd type="none" w="med" len="med"/>
+                      <a:tailEnd type="none" w="med" len="med"/>
+                    </a:lnT>
+                    <a:lnB w="12700" cap="flat" cmpd="sng" algn="ctr">
+                      <a:solidFill>
+                        <a:schemeClr val="tx1"/>
+                      </a:solidFill>
+                      <a:prstDash val="solid"/>
+                      <a:round/>
+                      <a:headEnd type="none" w="med" len="med"/>
+                      <a:tailEnd type="none" w="med" len="med"/>
+                    </a:lnB>
+                  </a:tcPr>
+                </a:tc>
+                <a:extLst>
+                  <a:ext uri="{0D108BD9-81ED-4DB2-BD59-A6C34878D82A}">
+                    <a16:rowId xmlns:a16="http://schemas.microsoft.com/office/drawing/2014/main" val="10001"/>
+                  </a:ext>
+                </a:extLst>
+              </a:tr>
+              <a:tr h="370840">
+                <a:tc gridSpan="4">
+                  <a:txBody>
+                    <a:bodyPr/>
+                    <a:lstStyle/>
+                    <a:p>
+                      <a:pPr algn="l" latinLnBrk="1"/>
+                      <a:r>
+                        <a:rPr lang="ko-KR" altLang="en-US" sz="1050" dirty="0" smtClean="0">
+                          <a:latin typeface="나눔바른고딕" panose="020B0603020101020101" pitchFamily="50" charset="-127"/>
+                          <a:ea typeface="나눔바른고딕" panose="020B0603020101020101" pitchFamily="50" charset="-127"/>
+                        </a:rPr>
+                        <a:t>      공지사항 내용</a:t>
+                      </a:r>
+                      <a:endParaRPr lang="en-US" altLang="ko-KR" sz="1050" dirty="0" smtClean="0">
+                        <a:latin typeface="나눔바른고딕" panose="020B0603020101020101" pitchFamily="50" charset="-127"/>
+                        <a:ea typeface="나눔바른고딕" panose="020B0603020101020101" pitchFamily="50" charset="-127"/>
+                      </a:endParaRPr>
+                    </a:p>
+                    <a:p>
+                      <a:pPr algn="l" latinLnBrk="1"/>
+                      <a:endParaRPr lang="ko-KR" altLang="en-US" sz="1050" dirty="0">
+                        <a:latin typeface="나눔바른고딕" panose="020B0603020101020101" pitchFamily="50" charset="-127"/>
+                        <a:ea typeface="나눔바른고딕" panose="020B0603020101020101" pitchFamily="50" charset="-127"/>
+                      </a:endParaRPr>
+                    </a:p>
+                  </a:txBody>
+                  <a:tcPr>
+                    <a:lnL w="12700" cap="flat" cmpd="sng" algn="ctr">
+                      <a:solidFill>
+                        <a:schemeClr val="tx1"/>
+                      </a:solidFill>
+                      <a:prstDash val="solid"/>
+                      <a:round/>
+                      <a:headEnd type="none" w="med" len="med"/>
+                      <a:tailEnd type="none" w="med" len="med"/>
+                    </a:lnL>
+                    <a:lnR w="12700" cap="flat" cmpd="sng" algn="ctr">
+                      <a:solidFill>
+                        <a:schemeClr val="tx1"/>
+                      </a:solidFill>
+                      <a:prstDash val="solid"/>
+                      <a:round/>
+                      <a:headEnd type="none" w="med" len="med"/>
+                      <a:tailEnd type="none" w="med" len="med"/>
+                    </a:lnR>
+                    <a:lnT w="12700" cap="flat" cmpd="sng" algn="ctr">
+                      <a:solidFill>
+                        <a:schemeClr val="tx1"/>
+                      </a:solidFill>
+                      <a:prstDash val="solid"/>
+                      <a:round/>
+                      <a:headEnd type="none" w="med" len="med"/>
+                      <a:tailEnd type="none" w="med" len="med"/>
+                    </a:lnT>
+                    <a:lnB w="12700" cap="flat" cmpd="sng" algn="ctr">
+                      <a:solidFill>
+                        <a:schemeClr val="tx1"/>
+                      </a:solidFill>
+                      <a:prstDash val="solid"/>
+                      <a:round/>
+                      <a:headEnd type="none" w="med" len="med"/>
+                      <a:tailEnd type="none" w="med" len="med"/>
+                    </a:lnB>
+                  </a:tcPr>
+                </a:tc>
+                <a:tc hMerge="1">
+                  <a:txBody>
+                    <a:bodyPr/>
+                    <a:lstStyle/>
+                    <a:p>
+                      <a:pPr latinLnBrk="1"/>
+                      <a:endParaRPr lang="ko-KR" altLang="en-US"/>
+                    </a:p>
+                  </a:txBody>
+                  <a:tcPr/>
+                </a:tc>
+                <a:tc hMerge="1">
+                  <a:txBody>
+                    <a:bodyPr/>
+                    <a:lstStyle/>
+                    <a:p>
+                      <a:pPr latinLnBrk="1"/>
+                      <a:endParaRPr lang="ko-KR" altLang="en-US"/>
+                    </a:p>
+                  </a:txBody>
+                  <a:tcPr/>
+                </a:tc>
+                <a:tc hMerge="1">
+                  <a:txBody>
+                    <a:bodyPr/>
+                    <a:lstStyle/>
+                    <a:p>
+                      <a:pPr latinLnBrk="1"/>
+                      <a:endParaRPr lang="ko-KR" altLang="en-US"/>
+                    </a:p>
+                  </a:txBody>
+                  <a:tcPr/>
+                </a:tc>
+                <a:extLst>
+                  <a:ext uri="{0D108BD9-81ED-4DB2-BD59-A6C34878D82A}">
+                    <a16:rowId xmlns:a16="http://schemas.microsoft.com/office/drawing/2014/main" val="10002"/>
+                  </a:ext>
+                </a:extLst>
+              </a:tr>
+              <a:tr h="370840">
+                <a:tc>
+                  <a:txBody>
+                    <a:bodyPr/>
+                    <a:lstStyle/>
+                    <a:p>
+                      <a:pPr algn="ctr" latinLnBrk="1"/>
+                      <a:r>
+                        <a:rPr lang="ko-KR" altLang="en-US" sz="1050" dirty="0" smtClean="0">
+                          <a:latin typeface="나눔바른고딕" panose="020B0603020101020101" pitchFamily="50" charset="-127"/>
+                          <a:ea typeface="나눔바른고딕" panose="020B0603020101020101" pitchFamily="50" charset="-127"/>
+                        </a:rPr>
+                        <a:t>중요</a:t>
+                      </a:r>
+                      <a:endParaRPr lang="ko-KR" altLang="en-US" sz="1050" dirty="0">
+                        <a:latin typeface="나눔바른고딕" panose="020B0603020101020101" pitchFamily="50" charset="-127"/>
+                        <a:ea typeface="나눔바른고딕" panose="020B0603020101020101" pitchFamily="50" charset="-127"/>
+                      </a:endParaRPr>
+                    </a:p>
+                  </a:txBody>
+                  <a:tcPr anchor="ctr">
+                    <a:lnL w="12700" cap="flat" cmpd="sng" algn="ctr">
+                      <a:solidFill>
+                        <a:schemeClr val="tx1"/>
+                      </a:solidFill>
+                      <a:prstDash val="solid"/>
+                      <a:round/>
+                      <a:headEnd type="none" w="med" len="med"/>
+                      <a:tailEnd type="none" w="med" len="med"/>
+                    </a:lnL>
+                    <a:lnR w="12700" cap="flat" cmpd="sng" algn="ctr">
+                      <a:solidFill>
+                        <a:schemeClr val="tx1"/>
+                      </a:solidFill>
+                      <a:prstDash val="solid"/>
+                      <a:round/>
+                      <a:headEnd type="none" w="med" len="med"/>
+                      <a:tailEnd type="none" w="med" len="med"/>
+                    </a:lnR>
+                    <a:lnT w="12700" cap="flat" cmpd="sng" algn="ctr">
+                      <a:solidFill>
+                        <a:schemeClr val="tx1"/>
+                      </a:solidFill>
+                      <a:prstDash val="solid"/>
+                      <a:round/>
+                      <a:headEnd type="none" w="med" len="med"/>
+                      <a:tailEnd type="none" w="med" len="med"/>
+                    </a:lnT>
+                    <a:lnB w="12700" cap="flat" cmpd="sng" algn="ctr">
+                      <a:solidFill>
+                        <a:schemeClr val="tx1"/>
+                      </a:solidFill>
+                      <a:prstDash val="solid"/>
+                      <a:round/>
+                      <a:headEnd type="none" w="med" len="med"/>
+                      <a:tailEnd type="none" w="med" len="med"/>
+                    </a:lnB>
+                  </a:tcPr>
+                </a:tc>
+                <a:tc>
+                  <a:txBody>
+                    <a:bodyPr/>
+                    <a:lstStyle/>
+                    <a:p>
+                      <a:pPr latinLnBrk="1"/>
+                      <a:r>
+                        <a:rPr lang="ko-KR" altLang="en-US" sz="1050" dirty="0" smtClean="0">
+                          <a:latin typeface="나눔바른고딕" panose="020B0603020101020101" pitchFamily="50" charset="-127"/>
+                          <a:ea typeface="나눔바른고딕" panose="020B0603020101020101" pitchFamily="50" charset="-127"/>
+                        </a:rPr>
+                        <a:t>제목</a:t>
+                      </a:r>
+                      <a:endParaRPr lang="ko-KR" altLang="en-US" sz="1050" dirty="0">
+                        <a:latin typeface="나눔바른고딕" panose="020B0603020101020101" pitchFamily="50" charset="-127"/>
+                        <a:ea typeface="나눔바른고딕" panose="020B0603020101020101" pitchFamily="50" charset="-127"/>
+                      </a:endParaRPr>
+                    </a:p>
+                  </a:txBody>
+                  <a:tcPr anchor="ctr">
+                    <a:lnL w="12700" cap="flat" cmpd="sng" algn="ctr">
+                      <a:solidFill>
+                        <a:schemeClr val="tx1"/>
+                      </a:solidFill>
+                      <a:prstDash val="solid"/>
+                      <a:round/>
+                      <a:headEnd type="none" w="med" len="med"/>
+                      <a:tailEnd type="none" w="med" len="med"/>
+                    </a:lnL>
+                    <a:lnR w="12700" cap="flat" cmpd="sng" algn="ctr">
+                      <a:solidFill>
+                        <a:schemeClr val="tx1"/>
+                      </a:solidFill>
+                      <a:prstDash val="solid"/>
+                      <a:round/>
+                      <a:headEnd type="none" w="med" len="med"/>
+                      <a:tailEnd type="none" w="med" len="med"/>
+                    </a:lnR>
+                    <a:lnT w="12700" cap="flat" cmpd="sng" algn="ctr">
+                      <a:solidFill>
+                        <a:schemeClr val="tx1"/>
+                      </a:solidFill>
+                      <a:prstDash val="solid"/>
+                      <a:round/>
+                      <a:headEnd type="none" w="med" len="med"/>
+                      <a:tailEnd type="none" w="med" len="med"/>
+                    </a:lnT>
+                    <a:lnB w="12700" cap="flat" cmpd="sng" algn="ctr">
+                      <a:solidFill>
+                        <a:schemeClr val="tx1"/>
+                      </a:solidFill>
+                      <a:prstDash val="solid"/>
+                      <a:round/>
+                      <a:headEnd type="none" w="med" len="med"/>
+                      <a:tailEnd type="none" w="med" len="med"/>
+                    </a:lnB>
+                  </a:tcPr>
+                </a:tc>
+                <a:tc>
+                  <a:txBody>
+                    <a:bodyPr/>
+                    <a:lstStyle/>
+                    <a:p>
+                      <a:pPr algn="ctr" latinLnBrk="1"/>
+                      <a:r>
+                        <a:rPr lang="ko-KR" altLang="en-US" sz="1050" dirty="0" smtClean="0">
+                          <a:latin typeface="나눔바른고딕" panose="020B0603020101020101" pitchFamily="50" charset="-127"/>
+                          <a:ea typeface="나눔바른고딕" panose="020B0603020101020101" pitchFamily="50" charset="-127"/>
+                        </a:rPr>
+                        <a:t>관리자</a:t>
+                      </a:r>
+                      <a:endParaRPr lang="ko-KR" altLang="en-US" sz="1050" dirty="0">
+                        <a:latin typeface="나눔바른고딕" panose="020B0603020101020101" pitchFamily="50" charset="-127"/>
+                        <a:ea typeface="나눔바른고딕" panose="020B0603020101020101" pitchFamily="50" charset="-127"/>
+                      </a:endParaRPr>
+                    </a:p>
+                  </a:txBody>
+                  <a:tcPr anchor="ctr">
+                    <a:lnL w="12700" cap="flat" cmpd="sng" algn="ctr">
+                      <a:solidFill>
+                        <a:schemeClr val="tx1"/>
+                      </a:solidFill>
+                      <a:prstDash val="solid"/>
+                      <a:round/>
+                      <a:headEnd type="none" w="med" len="med"/>
+                      <a:tailEnd type="none" w="med" len="med"/>
+                    </a:lnL>
+                    <a:lnR w="12700" cap="flat" cmpd="sng" algn="ctr">
+                      <a:solidFill>
+                        <a:schemeClr val="tx1"/>
+                      </a:solidFill>
+                      <a:prstDash val="solid"/>
+                      <a:round/>
+                      <a:headEnd type="none" w="med" len="med"/>
+                      <a:tailEnd type="none" w="med" len="med"/>
+                    </a:lnR>
+                    <a:lnT w="12700" cap="flat" cmpd="sng" algn="ctr">
+                      <a:solidFill>
+                        <a:schemeClr val="tx1"/>
+                      </a:solidFill>
+                      <a:prstDash val="solid"/>
+                      <a:round/>
+                      <a:headEnd type="none" w="med" len="med"/>
+                      <a:tailEnd type="none" w="med" len="med"/>
+                    </a:lnT>
+                    <a:lnB w="12700" cap="flat" cmpd="sng" algn="ctr">
+                      <a:solidFill>
+                        <a:schemeClr val="tx1"/>
+                      </a:solidFill>
+                      <a:prstDash val="solid"/>
+                      <a:round/>
+                      <a:headEnd type="none" w="med" len="med"/>
+                      <a:tailEnd type="none" w="med" len="med"/>
+                    </a:lnB>
+                  </a:tcPr>
+                </a:tc>
+                <a:tc>
+                  <a:txBody>
+                    <a:bodyPr/>
+                    <a:lstStyle/>
+                    <a:p>
+                      <a:pPr algn="ctr" latinLnBrk="1"/>
+                      <a:r>
+                        <a:rPr lang="en-US" altLang="ko-KR" sz="1050" dirty="0" smtClean="0">
+                          <a:latin typeface="나눔바른고딕" panose="020B0603020101020101" pitchFamily="50" charset="-127"/>
+                          <a:ea typeface="나눔바른고딕" panose="020B0603020101020101" pitchFamily="50" charset="-127"/>
+                        </a:rPr>
+                        <a:t>20.05.05</a:t>
+                      </a:r>
+                      <a:endParaRPr lang="ko-KR" altLang="en-US" sz="1050" dirty="0">
+                        <a:latin typeface="나눔바른고딕" panose="020B0603020101020101" pitchFamily="50" charset="-127"/>
+                        <a:ea typeface="나눔바른고딕" panose="020B0603020101020101" pitchFamily="50" charset="-127"/>
+                      </a:endParaRPr>
+                    </a:p>
+                  </a:txBody>
+                  <a:tcPr anchor="ctr">
+                    <a:lnL w="12700" cap="flat" cmpd="sng" algn="ctr">
+                      <a:solidFill>
+                        <a:schemeClr val="tx1"/>
+                      </a:solidFill>
+                      <a:prstDash val="solid"/>
+                      <a:round/>
+                      <a:headEnd type="none" w="med" len="med"/>
+                      <a:tailEnd type="none" w="med" len="med"/>
+                    </a:lnL>
+                    <a:lnR w="12700" cap="flat" cmpd="sng" algn="ctr">
+                      <a:solidFill>
+                        <a:schemeClr val="tx1"/>
+                      </a:solidFill>
+                      <a:prstDash val="solid"/>
+                      <a:round/>
+                      <a:headEnd type="none" w="med" len="med"/>
+                      <a:tailEnd type="none" w="med" len="med"/>
+                    </a:lnR>
+                    <a:lnT w="12700" cap="flat" cmpd="sng" algn="ctr">
+                      <a:solidFill>
+                        <a:schemeClr val="tx1"/>
+                      </a:solidFill>
+                      <a:prstDash val="solid"/>
+                      <a:round/>
+                      <a:headEnd type="none" w="med" len="med"/>
+                      <a:tailEnd type="none" w="med" len="med"/>
+                    </a:lnT>
+                    <a:lnB w="12700" cap="flat" cmpd="sng" algn="ctr">
+                      <a:solidFill>
+                        <a:schemeClr val="tx1"/>
+                      </a:solidFill>
+                      <a:prstDash val="solid"/>
+                      <a:round/>
+                      <a:headEnd type="none" w="med" len="med"/>
+                      <a:tailEnd type="none" w="med" len="med"/>
+                    </a:lnB>
+                  </a:tcPr>
+                </a:tc>
+                <a:extLst>
+                  <a:ext uri="{0D108BD9-81ED-4DB2-BD59-A6C34878D82A}">
+                    <a16:rowId xmlns:a16="http://schemas.microsoft.com/office/drawing/2014/main" val="10003"/>
+                  </a:ext>
+                </a:extLst>
+              </a:tr>
+              <a:tr h="370840">
+                <a:tc>
+                  <a:txBody>
+                    <a:bodyPr/>
+                    <a:lstStyle/>
+                    <a:p>
+                      <a:pPr algn="ctr" latinLnBrk="1"/>
+                      <a:r>
+                        <a:rPr lang="en-US" altLang="ko-KR" sz="1050" dirty="0" smtClean="0">
+                          <a:latin typeface="나눔바른고딕" panose="020B0603020101020101" pitchFamily="50" charset="-127"/>
+                          <a:ea typeface="나눔바른고딕" panose="020B0603020101020101" pitchFamily="50" charset="-127"/>
+                        </a:rPr>
+                        <a:t>1</a:t>
+                      </a:r>
+                      <a:endParaRPr lang="ko-KR" altLang="en-US" sz="1050" dirty="0">
+                        <a:latin typeface="나눔바른고딕" panose="020B0603020101020101" pitchFamily="50" charset="-127"/>
+                        <a:ea typeface="나눔바른고딕" panose="020B0603020101020101" pitchFamily="50" charset="-127"/>
+                      </a:endParaRPr>
+                    </a:p>
+                  </a:txBody>
+                  <a:tcPr anchor="ctr">
+                    <a:lnL w="12700" cap="flat" cmpd="sng" algn="ctr">
+                      <a:solidFill>
+                        <a:schemeClr val="tx1"/>
+                      </a:solidFill>
+                      <a:prstDash val="solid"/>
+                      <a:round/>
+                      <a:headEnd type="none" w="med" len="med"/>
+                      <a:tailEnd type="none" w="med" len="med"/>
+                    </a:lnL>
+                    <a:lnR w="12700" cap="flat" cmpd="sng" algn="ctr">
+                      <a:solidFill>
+                        <a:schemeClr val="tx1"/>
+                      </a:solidFill>
+                      <a:prstDash val="solid"/>
+                      <a:round/>
+                      <a:headEnd type="none" w="med" len="med"/>
+                      <a:tailEnd type="none" w="med" len="med"/>
+                    </a:lnR>
+                    <a:lnT w="12700" cap="flat" cmpd="sng" algn="ctr">
+                      <a:solidFill>
+                        <a:schemeClr val="tx1"/>
+                      </a:solidFill>
+                      <a:prstDash val="solid"/>
+                      <a:round/>
+                      <a:headEnd type="none" w="med" len="med"/>
+                      <a:tailEnd type="none" w="med" len="med"/>
+                    </a:lnT>
+                    <a:lnB w="12700" cap="flat" cmpd="sng" algn="ctr">
+                      <a:solidFill>
+                        <a:schemeClr val="tx1"/>
+                      </a:solidFill>
+                      <a:prstDash val="solid"/>
+                      <a:round/>
+                      <a:headEnd type="none" w="med" len="med"/>
+                      <a:tailEnd type="none" w="med" len="med"/>
+                    </a:lnB>
+                  </a:tcPr>
+                </a:tc>
+                <a:tc>
+                  <a:txBody>
+                    <a:bodyPr/>
+                    <a:lstStyle/>
+                    <a:p>
+                      <a:pPr latinLnBrk="1"/>
+                      <a:r>
+                        <a:rPr lang="ko-KR" altLang="en-US" sz="1050" dirty="0" smtClean="0">
+                          <a:latin typeface="나눔바른고딕" panose="020B0603020101020101" pitchFamily="50" charset="-127"/>
+                          <a:ea typeface="나눔바른고딕" panose="020B0603020101020101" pitchFamily="50" charset="-127"/>
+                        </a:rPr>
+                        <a:t>제목</a:t>
+                      </a:r>
+                      <a:endParaRPr lang="ko-KR" altLang="en-US" sz="1050" dirty="0">
+                        <a:latin typeface="나눔바른고딕" panose="020B0603020101020101" pitchFamily="50" charset="-127"/>
+                        <a:ea typeface="나눔바른고딕" panose="020B0603020101020101" pitchFamily="50" charset="-127"/>
+                      </a:endParaRPr>
+                    </a:p>
+                  </a:txBody>
+                  <a:tcPr anchor="ctr">
+                    <a:lnL w="12700" cap="flat" cmpd="sng" algn="ctr">
+                      <a:solidFill>
+                        <a:schemeClr val="tx1"/>
+                      </a:solidFill>
+                      <a:prstDash val="solid"/>
+                      <a:round/>
+                      <a:headEnd type="none" w="med" len="med"/>
+                      <a:tailEnd type="none" w="med" len="med"/>
+                    </a:lnL>
+                    <a:lnR w="12700" cap="flat" cmpd="sng" algn="ctr">
+                      <a:solidFill>
+                        <a:schemeClr val="tx1"/>
+                      </a:solidFill>
+                      <a:prstDash val="solid"/>
+                      <a:round/>
+                      <a:headEnd type="none" w="med" len="med"/>
+                      <a:tailEnd type="none" w="med" len="med"/>
+                    </a:lnR>
+                    <a:lnT w="12700" cap="flat" cmpd="sng" algn="ctr">
+                      <a:solidFill>
+                        <a:schemeClr val="tx1"/>
+                      </a:solidFill>
+                      <a:prstDash val="solid"/>
+                      <a:round/>
+                      <a:headEnd type="none" w="med" len="med"/>
+                      <a:tailEnd type="none" w="med" len="med"/>
+                    </a:lnT>
+                    <a:lnB w="12700" cap="flat" cmpd="sng" algn="ctr">
+                      <a:solidFill>
+                        <a:schemeClr val="tx1"/>
+                      </a:solidFill>
+                      <a:prstDash val="solid"/>
+                      <a:round/>
+                      <a:headEnd type="none" w="med" len="med"/>
+                      <a:tailEnd type="none" w="med" len="med"/>
+                    </a:lnB>
+                  </a:tcPr>
+                </a:tc>
+                <a:tc>
+                  <a:txBody>
+                    <a:bodyPr/>
+                    <a:lstStyle/>
+                    <a:p>
+                      <a:pPr algn="ctr" latinLnBrk="1"/>
+                      <a:r>
+                        <a:rPr lang="ko-KR" altLang="en-US" sz="1050" dirty="0" smtClean="0">
+                          <a:latin typeface="나눔바른고딕" panose="020B0603020101020101" pitchFamily="50" charset="-127"/>
+                          <a:ea typeface="나눔바른고딕" panose="020B0603020101020101" pitchFamily="50" charset="-127"/>
+                        </a:rPr>
+                        <a:t>관리자</a:t>
+                      </a:r>
+                      <a:endParaRPr lang="ko-KR" altLang="en-US" sz="1050" dirty="0">
+                        <a:latin typeface="나눔바른고딕" panose="020B0603020101020101" pitchFamily="50" charset="-127"/>
+                        <a:ea typeface="나눔바른고딕" panose="020B0603020101020101" pitchFamily="50" charset="-127"/>
+                      </a:endParaRPr>
+                    </a:p>
+                  </a:txBody>
+                  <a:tcPr anchor="ctr">
+                    <a:lnL w="12700" cap="flat" cmpd="sng" algn="ctr">
+                      <a:solidFill>
+                        <a:schemeClr val="tx1"/>
+                      </a:solidFill>
+                      <a:prstDash val="solid"/>
+                      <a:round/>
+                      <a:headEnd type="none" w="med" len="med"/>
+                      <a:tailEnd type="none" w="med" len="med"/>
+                    </a:lnL>
+                    <a:lnR w="12700" cap="flat" cmpd="sng" algn="ctr">
+                      <a:solidFill>
+                        <a:schemeClr val="tx1"/>
+                      </a:solidFill>
+                      <a:prstDash val="solid"/>
+                      <a:round/>
+                      <a:headEnd type="none" w="med" len="med"/>
+                      <a:tailEnd type="none" w="med" len="med"/>
+                    </a:lnR>
+                    <a:lnT w="12700" cap="flat" cmpd="sng" algn="ctr">
+                      <a:solidFill>
+                        <a:schemeClr val="tx1"/>
+                      </a:solidFill>
+                      <a:prstDash val="solid"/>
+                      <a:round/>
+                      <a:headEnd type="none" w="med" len="med"/>
+                      <a:tailEnd type="none" w="med" len="med"/>
+                    </a:lnT>
+                    <a:lnB w="12700" cap="flat" cmpd="sng" algn="ctr">
+                      <a:solidFill>
+                        <a:schemeClr val="tx1"/>
+                      </a:solidFill>
+                      <a:prstDash val="solid"/>
+                      <a:round/>
+                      <a:headEnd type="none" w="med" len="med"/>
+                      <a:tailEnd type="none" w="med" len="med"/>
+                    </a:lnB>
+                  </a:tcPr>
+                </a:tc>
+                <a:tc>
+                  <a:txBody>
+                    <a:bodyPr/>
+                    <a:lstStyle/>
+                    <a:p>
+                      <a:pPr algn="ctr" latinLnBrk="1"/>
+                      <a:r>
+                        <a:rPr lang="en-US" altLang="ko-KR" sz="1050" dirty="0" smtClean="0">
+                          <a:latin typeface="나눔바른고딕" panose="020B0603020101020101" pitchFamily="50" charset="-127"/>
+                          <a:ea typeface="나눔바른고딕" panose="020B0603020101020101" pitchFamily="50" charset="-127"/>
+                        </a:rPr>
+                        <a:t>20.05.03</a:t>
+                      </a:r>
+                      <a:endParaRPr lang="ko-KR" altLang="en-US" sz="1050" dirty="0">
+                        <a:latin typeface="나눔바른고딕" panose="020B0603020101020101" pitchFamily="50" charset="-127"/>
+                        <a:ea typeface="나눔바른고딕" panose="020B0603020101020101" pitchFamily="50" charset="-127"/>
+                      </a:endParaRPr>
+                    </a:p>
+                  </a:txBody>
+                  <a:tcPr anchor="ctr">
+                    <a:lnL w="12700" cap="flat" cmpd="sng" algn="ctr">
+                      <a:solidFill>
+                        <a:schemeClr val="tx1"/>
+                      </a:solidFill>
+                      <a:prstDash val="solid"/>
+                      <a:round/>
+                      <a:headEnd type="none" w="med" len="med"/>
+                      <a:tailEnd type="none" w="med" len="med"/>
+                    </a:lnL>
+                    <a:lnR w="12700" cap="flat" cmpd="sng" algn="ctr">
+                      <a:solidFill>
+                        <a:schemeClr val="tx1"/>
+                      </a:solidFill>
+                      <a:prstDash val="solid"/>
+                      <a:round/>
+                      <a:headEnd type="none" w="med" len="med"/>
+                      <a:tailEnd type="none" w="med" len="med"/>
+                    </a:lnR>
+                    <a:lnT w="12700" cap="flat" cmpd="sng" algn="ctr">
+                      <a:solidFill>
+                        <a:schemeClr val="tx1"/>
+                      </a:solidFill>
+                      <a:prstDash val="solid"/>
+                      <a:round/>
+                      <a:headEnd type="none" w="med" len="med"/>
+                      <a:tailEnd type="none" w="med" len="med"/>
+                    </a:lnT>
+                    <a:lnB w="12700" cap="flat" cmpd="sng" algn="ctr">
+                      <a:solidFill>
+                        <a:schemeClr val="tx1"/>
+                      </a:solidFill>
+                      <a:prstDash val="solid"/>
+                      <a:round/>
+                      <a:headEnd type="none" w="med" len="med"/>
+                      <a:tailEnd type="none" w="med" len="med"/>
+                    </a:lnB>
+                  </a:tcPr>
+                </a:tc>
+                <a:extLst>
+                  <a:ext uri="{0D108BD9-81ED-4DB2-BD59-A6C34878D82A}">
+                    <a16:rowId xmlns:a16="http://schemas.microsoft.com/office/drawing/2014/main" val="10004"/>
+                  </a:ext>
+                </a:extLst>
+              </a:tr>
+              <a:tr h="370840">
+                <a:tc>
+                  <a:txBody>
+                    <a:bodyPr/>
+                    <a:lstStyle/>
+                    <a:p>
+                      <a:pPr algn="ctr" latinLnBrk="1"/>
+                      <a:r>
+                        <a:rPr lang="en-US" altLang="ko-KR" sz="1050" dirty="0" smtClean="0">
+                          <a:latin typeface="나눔바른고딕" panose="020B0603020101020101" pitchFamily="50" charset="-127"/>
+                          <a:ea typeface="나눔바른고딕" panose="020B0603020101020101" pitchFamily="50" charset="-127"/>
+                        </a:rPr>
+                        <a:t>2</a:t>
+                      </a:r>
+                      <a:endParaRPr lang="ko-KR" altLang="en-US" sz="1050" dirty="0">
+                        <a:latin typeface="나눔바른고딕" panose="020B0603020101020101" pitchFamily="50" charset="-127"/>
+                        <a:ea typeface="나눔바른고딕" panose="020B0603020101020101" pitchFamily="50" charset="-127"/>
+                      </a:endParaRPr>
+                    </a:p>
+                  </a:txBody>
+                  <a:tcPr anchor="ctr">
+                    <a:lnL w="12700" cap="flat" cmpd="sng" algn="ctr">
+                      <a:solidFill>
+                        <a:schemeClr val="tx1"/>
+                      </a:solidFill>
+                      <a:prstDash val="solid"/>
+                      <a:round/>
+                      <a:headEnd type="none" w="med" len="med"/>
+                      <a:tailEnd type="none" w="med" len="med"/>
+                    </a:lnL>
+                    <a:lnR w="12700" cap="flat" cmpd="sng" algn="ctr">
+                      <a:solidFill>
+                        <a:schemeClr val="tx1"/>
+                      </a:solidFill>
+                      <a:prstDash val="solid"/>
+                      <a:round/>
+                      <a:headEnd type="none" w="med" len="med"/>
+                      <a:tailEnd type="none" w="med" len="med"/>
+                    </a:lnR>
+                    <a:lnT w="12700" cap="flat" cmpd="sng" algn="ctr">
+                      <a:solidFill>
+                        <a:schemeClr val="tx1"/>
+                      </a:solidFill>
+                      <a:prstDash val="solid"/>
+                      <a:round/>
+                      <a:headEnd type="none" w="med" len="med"/>
+                      <a:tailEnd type="none" w="med" len="med"/>
+                    </a:lnT>
+                    <a:lnB w="12700" cap="flat" cmpd="sng" algn="ctr">
+                      <a:solidFill>
+                        <a:schemeClr val="tx1"/>
+                      </a:solidFill>
+                      <a:prstDash val="solid"/>
+                      <a:round/>
+                      <a:headEnd type="none" w="med" len="med"/>
+                      <a:tailEnd type="none" w="med" len="med"/>
+                    </a:lnB>
+                  </a:tcPr>
+                </a:tc>
+                <a:tc>
+                  <a:txBody>
+                    <a:bodyPr/>
+                    <a:lstStyle/>
+                    <a:p>
+                      <a:pPr latinLnBrk="1"/>
+                      <a:r>
+                        <a:rPr lang="ko-KR" altLang="en-US" sz="1050" dirty="0" smtClean="0">
+                          <a:latin typeface="나눔바른고딕" panose="020B0603020101020101" pitchFamily="50" charset="-127"/>
+                          <a:ea typeface="나눔바른고딕" panose="020B0603020101020101" pitchFamily="50" charset="-127"/>
+                        </a:rPr>
+                        <a:t>제목</a:t>
+                      </a:r>
+                      <a:endParaRPr lang="ko-KR" altLang="en-US" sz="1050" dirty="0">
+                        <a:latin typeface="나눔바른고딕" panose="020B0603020101020101" pitchFamily="50" charset="-127"/>
+                        <a:ea typeface="나눔바른고딕" panose="020B0603020101020101" pitchFamily="50" charset="-127"/>
+                      </a:endParaRPr>
+                    </a:p>
+                  </a:txBody>
+                  <a:tcPr anchor="ctr">
+                    <a:lnL w="12700" cap="flat" cmpd="sng" algn="ctr">
+                      <a:solidFill>
+                        <a:schemeClr val="tx1"/>
+                      </a:solidFill>
+                      <a:prstDash val="solid"/>
+                      <a:round/>
+                      <a:headEnd type="none" w="med" len="med"/>
+                      <a:tailEnd type="none" w="med" len="med"/>
+                    </a:lnL>
+                    <a:lnR w="12700" cap="flat" cmpd="sng" algn="ctr">
+                      <a:solidFill>
+                        <a:schemeClr val="tx1"/>
+                      </a:solidFill>
+                      <a:prstDash val="solid"/>
+                      <a:round/>
+                      <a:headEnd type="none" w="med" len="med"/>
+                      <a:tailEnd type="none" w="med" len="med"/>
+                    </a:lnR>
+                    <a:lnT w="12700" cap="flat" cmpd="sng" algn="ctr">
+                      <a:solidFill>
+                        <a:schemeClr val="tx1"/>
+                      </a:solidFill>
+                      <a:prstDash val="solid"/>
+                      <a:round/>
+                      <a:headEnd type="none" w="med" len="med"/>
+                      <a:tailEnd type="none" w="med" len="med"/>
+                    </a:lnT>
+                    <a:lnB w="12700" cap="flat" cmpd="sng" algn="ctr">
+                      <a:solidFill>
+                        <a:schemeClr val="tx1"/>
+                      </a:solidFill>
+                      <a:prstDash val="solid"/>
+                      <a:round/>
+                      <a:headEnd type="none" w="med" len="med"/>
+                      <a:tailEnd type="none" w="med" len="med"/>
+                    </a:lnB>
+                  </a:tcPr>
+                </a:tc>
+                <a:tc>
+                  <a:txBody>
+                    <a:bodyPr/>
+                    <a:lstStyle/>
+                    <a:p>
+                      <a:pPr algn="ctr" latinLnBrk="1"/>
+                      <a:r>
+                        <a:rPr lang="ko-KR" altLang="en-US" sz="1050" dirty="0" smtClean="0">
+                          <a:latin typeface="나눔바른고딕" panose="020B0603020101020101" pitchFamily="50" charset="-127"/>
+                          <a:ea typeface="나눔바른고딕" panose="020B0603020101020101" pitchFamily="50" charset="-127"/>
+                        </a:rPr>
+                        <a:t>관리자</a:t>
+                      </a:r>
+                      <a:endParaRPr lang="ko-KR" altLang="en-US" sz="1050" dirty="0">
+                        <a:latin typeface="나눔바른고딕" panose="020B0603020101020101" pitchFamily="50" charset="-127"/>
+                        <a:ea typeface="나눔바른고딕" panose="020B0603020101020101" pitchFamily="50" charset="-127"/>
+                      </a:endParaRPr>
+                    </a:p>
+                  </a:txBody>
+                  <a:tcPr anchor="ctr">
+                    <a:lnL w="12700" cap="flat" cmpd="sng" algn="ctr">
+                      <a:solidFill>
+                        <a:schemeClr val="tx1"/>
+                      </a:solidFill>
+                      <a:prstDash val="solid"/>
+                      <a:round/>
+                      <a:headEnd type="none" w="med" len="med"/>
+                      <a:tailEnd type="none" w="med" len="med"/>
+                    </a:lnL>
+                    <a:lnR w="12700" cap="flat" cmpd="sng" algn="ctr">
+                      <a:solidFill>
+                        <a:schemeClr val="tx1"/>
+                      </a:solidFill>
+                      <a:prstDash val="solid"/>
+                      <a:round/>
+                      <a:headEnd type="none" w="med" len="med"/>
+                      <a:tailEnd type="none" w="med" len="med"/>
+                    </a:lnR>
+                    <a:lnT w="12700" cap="flat" cmpd="sng" algn="ctr">
+                      <a:solidFill>
+                        <a:schemeClr val="tx1"/>
+                      </a:solidFill>
+                      <a:prstDash val="solid"/>
+                      <a:round/>
+                      <a:headEnd type="none" w="med" len="med"/>
+                      <a:tailEnd type="none" w="med" len="med"/>
+                    </a:lnT>
+                    <a:lnB w="12700" cap="flat" cmpd="sng" algn="ctr">
+                      <a:solidFill>
+                        <a:schemeClr val="tx1"/>
+                      </a:solidFill>
+                      <a:prstDash val="solid"/>
+                      <a:round/>
+                      <a:headEnd type="none" w="med" len="med"/>
+                      <a:tailEnd type="none" w="med" len="med"/>
+                    </a:lnB>
+                  </a:tcPr>
+                </a:tc>
+                <a:tc>
+                  <a:txBody>
+                    <a:bodyPr/>
+                    <a:lstStyle/>
+                    <a:p>
+                      <a:pPr algn="ctr" latinLnBrk="1"/>
+                      <a:r>
+                        <a:rPr lang="en-US" altLang="ko-KR" sz="1050" dirty="0" smtClean="0">
+                          <a:latin typeface="나눔바른고딕" panose="020B0603020101020101" pitchFamily="50" charset="-127"/>
+                          <a:ea typeface="나눔바른고딕" panose="020B0603020101020101" pitchFamily="50" charset="-127"/>
+                        </a:rPr>
+                        <a:t>20.05.02</a:t>
+                      </a:r>
+                      <a:endParaRPr lang="ko-KR" altLang="en-US" sz="1050" dirty="0">
+                        <a:latin typeface="나눔바른고딕" panose="020B0603020101020101" pitchFamily="50" charset="-127"/>
+                        <a:ea typeface="나눔바른고딕" panose="020B0603020101020101" pitchFamily="50" charset="-127"/>
+                      </a:endParaRPr>
+                    </a:p>
+                  </a:txBody>
+                  <a:tcPr anchor="ctr">
+                    <a:lnL w="12700" cap="flat" cmpd="sng" algn="ctr">
+                      <a:solidFill>
+                        <a:schemeClr val="tx1"/>
+                      </a:solidFill>
+                      <a:prstDash val="solid"/>
+                      <a:round/>
+                      <a:headEnd type="none" w="med" len="med"/>
+                      <a:tailEnd type="none" w="med" len="med"/>
+                    </a:lnL>
+                    <a:lnR w="12700" cap="flat" cmpd="sng" algn="ctr">
+                      <a:solidFill>
+                        <a:schemeClr val="tx1"/>
+                      </a:solidFill>
+                      <a:prstDash val="solid"/>
+                      <a:round/>
+                      <a:headEnd type="none" w="med" len="med"/>
+                      <a:tailEnd type="none" w="med" len="med"/>
+                    </a:lnR>
+                    <a:lnT w="12700" cap="flat" cmpd="sng" algn="ctr">
+                      <a:solidFill>
+                        <a:schemeClr val="tx1"/>
+                      </a:solidFill>
+                      <a:prstDash val="solid"/>
+                      <a:round/>
+                      <a:headEnd type="none" w="med" len="med"/>
+                      <a:tailEnd type="none" w="med" len="med"/>
+                    </a:lnT>
+                    <a:lnB w="12700" cap="flat" cmpd="sng" algn="ctr">
+                      <a:solidFill>
+                        <a:schemeClr val="tx1"/>
+                      </a:solidFill>
+                      <a:prstDash val="solid"/>
+                      <a:round/>
+                      <a:headEnd type="none" w="med" len="med"/>
+                      <a:tailEnd type="none" w="med" len="med"/>
+                    </a:lnB>
+                  </a:tcPr>
+                </a:tc>
+                <a:extLst>
+                  <a:ext uri="{0D108BD9-81ED-4DB2-BD59-A6C34878D82A}">
+                    <a16:rowId xmlns:a16="http://schemas.microsoft.com/office/drawing/2014/main" val="10005"/>
+                  </a:ext>
+                </a:extLst>
+              </a:tr>
+            </a:tbl>
+          </a:graphicData>
+        </a:graphic>
+      </p:graphicFrame>
+      <p:cxnSp>
+        <p:nvCxnSpPr>
+          <p:cNvPr id="28" name="직선 연결선 27"/>
+          <p:cNvCxnSpPr/>
+          <p:nvPr/>
+        </p:nvCxnSpPr>
+        <p:spPr>
+          <a:xfrm>
+            <a:off x="1896533" y="2904079"/>
+            <a:ext cx="3462867" cy="0"/>
+          </a:xfrm>
+          <a:prstGeom prst="line">
+            <a:avLst/>
+          </a:prstGeom>
+          <a:ln>
+            <a:solidFill>
+              <a:schemeClr val="accent2"/>
+            </a:solidFill>
+          </a:ln>
+        </p:spPr>
+        <p:style>
+          <a:lnRef idx="1">
+            <a:schemeClr val="accent1"/>
+          </a:lnRef>
+          <a:fillRef idx="0">
+            <a:schemeClr val="accent1"/>
+          </a:fillRef>
+          <a:effectRef idx="0">
+            <a:schemeClr val="accent1"/>
+          </a:effectRef>
+          <a:fontRef idx="minor">
+            <a:schemeClr val="tx1"/>
+          </a:fontRef>
+        </p:style>
+      </p:cxnSp>
+      <p:cxnSp>
+        <p:nvCxnSpPr>
+          <p:cNvPr id="29" name="직선 연결선 28"/>
+          <p:cNvCxnSpPr/>
+          <p:nvPr/>
+        </p:nvCxnSpPr>
+        <p:spPr>
+          <a:xfrm>
+            <a:off x="1896533" y="2480750"/>
+            <a:ext cx="3437467" cy="0"/>
+          </a:xfrm>
+          <a:prstGeom prst="line">
+            <a:avLst/>
+          </a:prstGeom>
+          <a:ln>
+            <a:solidFill>
+              <a:schemeClr val="accent2"/>
+            </a:solidFill>
+          </a:ln>
+        </p:spPr>
+        <p:style>
+          <a:lnRef idx="1">
+            <a:schemeClr val="accent1"/>
+          </a:lnRef>
+          <a:fillRef idx="0">
+            <a:schemeClr val="accent1"/>
+          </a:fillRef>
+          <a:effectRef idx="0">
+            <a:schemeClr val="accent1"/>
+          </a:effectRef>
+          <a:fontRef idx="minor">
+            <a:schemeClr val="tx1"/>
+          </a:fontRef>
+        </p:style>
+      </p:cxnSp>
+      <p:sp>
+        <p:nvSpPr>
+          <p:cNvPr id="30" name="직사각형 29"/>
+          <p:cNvSpPr/>
+          <p:nvPr/>
+        </p:nvSpPr>
+        <p:spPr>
+          <a:xfrm>
+            <a:off x="5020581" y="2156775"/>
+            <a:ext cx="346665" cy="289482"/>
+          </a:xfrm>
+          <a:prstGeom prst="rect">
+            <a:avLst/>
+          </a:prstGeom>
+          <a:solidFill>
+            <a:srgbClr val="FF9E00"/>
+          </a:solidFill>
+          <a:ln>
+            <a:noFill/>
+          </a:ln>
+        </p:spPr>
+        <p:style>
+          <a:lnRef idx="2">
+            <a:schemeClr val="accent1">
+              <a:shade val="50000"/>
+            </a:schemeClr>
+          </a:lnRef>
+          <a:fillRef idx="1">
+            <a:schemeClr val="accent1"/>
+          </a:fillRef>
+          <a:effectRef idx="0">
+            <a:schemeClr val="accent1"/>
+          </a:effectRef>
+          <a:fontRef idx="minor">
+            <a:schemeClr val="lt1"/>
+          </a:fontRef>
+        </p:style>
+        <p:txBody>
+          <a:bodyPr rtlCol="0" anchor="ctr"/>
+          <a:lstStyle/>
+          <a:p>
+            <a:pPr algn="ctr"/>
+            <a:r>
+              <a:rPr lang="en-US" altLang="ko-KR" sz="1100" b="1" dirty="0" smtClean="0">
+                <a:latin typeface="나눔바른고딕" panose="020B0603020101020101" pitchFamily="50" charset="-127"/>
+                <a:ea typeface="나눔바른고딕" panose="020B0603020101020101" pitchFamily="50" charset="-127"/>
+              </a:rPr>
+              <a:t>1</a:t>
+            </a:r>
+            <a:endParaRPr lang="ko-KR" altLang="en-US" sz="1100" b="1" dirty="0">
+              <a:latin typeface="나눔바른고딕" panose="020B0603020101020101" pitchFamily="50" charset="-127"/>
+              <a:ea typeface="나눔바른고딕" panose="020B0603020101020101" pitchFamily="50" charset="-127"/>
+            </a:endParaRPr>
+          </a:p>
+        </p:txBody>
+      </p:sp>
+      <p:sp>
+        <p:nvSpPr>
+          <p:cNvPr id="31" name="직사각형 30"/>
+          <p:cNvSpPr/>
+          <p:nvPr/>
+        </p:nvSpPr>
+        <p:spPr>
+          <a:xfrm>
+            <a:off x="1723200" y="3037926"/>
+            <a:ext cx="346665" cy="289482"/>
+          </a:xfrm>
+          <a:prstGeom prst="rect">
+            <a:avLst/>
+          </a:prstGeom>
+          <a:solidFill>
+            <a:srgbClr val="FF9E00"/>
+          </a:solidFill>
+          <a:ln>
+            <a:noFill/>
+          </a:ln>
+        </p:spPr>
+        <p:style>
+          <a:lnRef idx="2">
+            <a:schemeClr val="accent1">
+              <a:shade val="50000"/>
+            </a:schemeClr>
+          </a:lnRef>
+          <a:fillRef idx="1">
+            <a:schemeClr val="accent1"/>
+          </a:fillRef>
+          <a:effectRef idx="0">
+            <a:schemeClr val="accent1"/>
+          </a:effectRef>
+          <a:fontRef idx="minor">
+            <a:schemeClr val="lt1"/>
+          </a:fontRef>
+        </p:style>
+        <p:txBody>
+          <a:bodyPr rtlCol="0" anchor="ctr"/>
+          <a:lstStyle/>
+          <a:p>
+            <a:pPr algn="ctr"/>
+            <a:r>
+              <a:rPr lang="en-US" altLang="ko-KR" sz="1100" b="1" dirty="0" smtClean="0">
+                <a:latin typeface="나눔바른고딕" panose="020B0603020101020101" pitchFamily="50" charset="-127"/>
+                <a:ea typeface="나눔바른고딕" panose="020B0603020101020101" pitchFamily="50" charset="-127"/>
+              </a:rPr>
+              <a:t>2</a:t>
+            </a:r>
+            <a:endParaRPr lang="ko-KR" altLang="en-US" sz="1100" b="1" dirty="0">
+              <a:latin typeface="나눔바른고딕" panose="020B0603020101020101" pitchFamily="50" charset="-127"/>
+              <a:ea typeface="나눔바른고딕" panose="020B0603020101020101" pitchFamily="50" charset="-127"/>
+            </a:endParaRPr>
+          </a:p>
+        </p:txBody>
+      </p:sp>
+      <p:sp>
+        <p:nvSpPr>
+          <p:cNvPr id="32" name="직사각형 31"/>
+          <p:cNvSpPr/>
+          <p:nvPr/>
+        </p:nvSpPr>
+        <p:spPr>
+          <a:xfrm>
+            <a:off x="2922034" y="5672665"/>
+            <a:ext cx="1308769" cy="169334"/>
+          </a:xfrm>
+          <a:prstGeom prst="rect">
+            <a:avLst/>
+          </a:prstGeom>
+          <a:noFill/>
+          <a:ln>
+            <a:noFill/>
+          </a:ln>
+        </p:spPr>
+        <p:style>
+          <a:lnRef idx="2">
+            <a:schemeClr val="accent1">
+              <a:shade val="50000"/>
+            </a:schemeClr>
+          </a:lnRef>
+          <a:fillRef idx="1">
+            <a:schemeClr val="accent1"/>
+          </a:fillRef>
+          <a:effectRef idx="0">
+            <a:schemeClr val="accent1"/>
+          </a:effectRef>
+          <a:fontRef idx="minor">
+            <a:schemeClr val="lt1"/>
+          </a:fontRef>
+        </p:style>
+        <p:txBody>
+          <a:bodyPr rtlCol="0" anchor="ctr"/>
+          <a:lstStyle/>
+          <a:p>
+            <a:pPr algn="ctr"/>
+            <a:r>
+              <a:rPr lang="en-US" altLang="ko-KR" sz="1050" dirty="0" smtClean="0">
+                <a:solidFill>
+                  <a:schemeClr val="tx1"/>
+                </a:solidFill>
+                <a:latin typeface="나눔바른고딕" panose="020B0603020101020101" pitchFamily="50" charset="-127"/>
+                <a:ea typeface="나눔바른고딕" panose="020B0603020101020101" pitchFamily="50" charset="-127"/>
+              </a:rPr>
+              <a:t>   1 2 3 &gt;</a:t>
+            </a:r>
+            <a:endParaRPr lang="ko-KR" altLang="en-US" sz="1050" dirty="0">
+              <a:solidFill>
+                <a:schemeClr val="tx1"/>
+              </a:solidFill>
+              <a:latin typeface="나눔바른고딕" panose="020B0603020101020101" pitchFamily="50" charset="-127"/>
+              <a:ea typeface="나눔바른고딕" panose="020B0603020101020101" pitchFamily="50" charset="-127"/>
+            </a:endParaRPr>
+          </a:p>
+        </p:txBody>
+      </p:sp>
+    </p:spTree>
+    <p:extLst>
+      <p:ext uri="{BB962C8B-B14F-4D97-AF65-F5344CB8AC3E}">
+        <p14:creationId xmlns:p14="http://schemas.microsoft.com/office/powerpoint/2010/main" val="2676951979"/>
+      </p:ext>
+    </p:extLst>
+  </p:cSld>
+  <p:clrMapOvr>
+    <a:masterClrMapping/>
+  </p:clrMapOvr>
+  <p:timing>
+    <p:tnLst>
+      <p:par>
+        <p:cTn id="1" dur="indefinite" restart="never" nodeType="tmRoot"/>
+      </p:par>
+    </p:tnLst>
+  </p:timing>
+</p:sld>
+</file>
+
+<file path=ppt/slides/slide5.xml><?xml version="1.0" encoding="utf-8"?>
+<p:sld xmlns:a="http://schemas.openxmlformats.org/drawingml/2006/main" xmlns:r="http://schemas.openxmlformats.org/officeDocument/2006/relationships" xmlns:p="http://schemas.openxmlformats.org/presentationml/2006/main">
+  <p:cSld>
+    <p:spTree>
+      <p:nvGrpSpPr>
+        <p:cNvPr id="1" name=""/>
+        <p:cNvGrpSpPr/>
+        <p:nvPr/>
+      </p:nvGrpSpPr>
+      <p:grpSpPr>
+        <a:xfrm>
+          <a:off x="0" y="0"/>
+          <a:ext cx="0" cy="0"/>
+          <a:chOff x="0" y="0"/>
+          <a:chExt cx="0" cy="0"/>
+        </a:xfrm>
+      </p:grpSpPr>
+      <p:sp>
+        <p:nvSpPr>
           <p:cNvPr id="6" name="양쪽 모서리가 둥근 사각형 5"/>
           <p:cNvSpPr/>
           <p:nvPr/>
@@ -12254,7 +16379,7 @@
 </p:sld>
 </file>
 
-<file path=ppt/slides/slide5.xml><?xml version="1.0" encoding="utf-8"?>
+<file path=ppt/slides/slide6.xml><?xml version="1.0" encoding="utf-8"?>
 <p:sld xmlns:a="http://schemas.openxmlformats.org/drawingml/2006/main" xmlns:r="http://schemas.openxmlformats.org/officeDocument/2006/relationships" xmlns:p="http://schemas.openxmlformats.org/presentationml/2006/main">
   <p:cSld>
     <p:spTree>
@@ -13291,7 +17416,7 @@
                 <a:gridCol w="2688299">
                   <a:extLst>
                     <a:ext uri="{9D8B030D-6E8A-4147-A177-3AD203B41FA5}">
-                      <a16:colId xmlns="" xmlns:a16="http://schemas.microsoft.com/office/drawing/2014/main" val="20000"/>
+                      <a16:colId xmlns:a16="http://schemas.microsoft.com/office/drawing/2014/main" val="20000"/>
                     </a:ext>
                   </a:extLst>
                 </a:gridCol>
@@ -13323,7 +17448,7 @@
                 </a:tc>
                 <a:extLst>
                   <a:ext uri="{0D108BD9-81ED-4DB2-BD59-A6C34878D82A}">
-                    <a16:rowId xmlns="" xmlns:a16="http://schemas.microsoft.com/office/drawing/2014/main" val="10000"/>
+                    <a16:rowId xmlns:a16="http://schemas.microsoft.com/office/drawing/2014/main" val="10000"/>
                   </a:ext>
                 </a:extLst>
               </a:tr>
@@ -13351,7 +17476,7 @@
                 </a:tc>
                 <a:extLst>
                   <a:ext uri="{0D108BD9-81ED-4DB2-BD59-A6C34878D82A}">
-                    <a16:rowId xmlns="" xmlns:a16="http://schemas.microsoft.com/office/drawing/2014/main" val="10001"/>
+                    <a16:rowId xmlns:a16="http://schemas.microsoft.com/office/drawing/2014/main" val="10001"/>
                   </a:ext>
                 </a:extLst>
               </a:tr>
@@ -13364,7 +17489,7 @@
           <p:cNvPr id="13" name="직사각형 12">
             <a:extLst>
               <a:ext uri="{FF2B5EF4-FFF2-40B4-BE49-F238E27FC236}">
-                <a16:creationId xmlns="" xmlns:a16="http://schemas.microsoft.com/office/drawing/2014/main" id="{7C9E9366-B86C-4147-AAEA-0E8C98D7DA95}"/>
+                <a16:creationId xmlns:a16="http://schemas.microsoft.com/office/drawing/2014/main" id="{7C9E9366-B86C-4147-AAEA-0E8C98D7DA95}"/>
               </a:ext>
             </a:extLst>
           </p:cNvPr>
@@ -13677,9 +17802,27 @@
                 <a:tableStyleId>{2D5ABB26-0587-4C30-8999-92F81FD0307C}</a:tableStyleId>
               </a:tblPr>
               <a:tblGrid>
-                <a:gridCol w="745066"/>
-                <a:gridCol w="4318000"/>
-                <a:gridCol w="1202269"/>
+                <a:gridCol w="745066">
+                  <a:extLst>
+                    <a:ext uri="{9D8B030D-6E8A-4147-A177-3AD203B41FA5}">
+                      <a16:colId xmlns:a16="http://schemas.microsoft.com/office/drawing/2014/main" val="20000"/>
+                    </a:ext>
+                  </a:extLst>
+                </a:gridCol>
+                <a:gridCol w="4318000">
+                  <a:extLst>
+                    <a:ext uri="{9D8B030D-6E8A-4147-A177-3AD203B41FA5}">
+                      <a16:colId xmlns:a16="http://schemas.microsoft.com/office/drawing/2014/main" val="20001"/>
+                    </a:ext>
+                  </a:extLst>
+                </a:gridCol>
+                <a:gridCol w="1202269">
+                  <a:extLst>
+                    <a:ext uri="{9D8B030D-6E8A-4147-A177-3AD203B41FA5}">
+                      <a16:colId xmlns:a16="http://schemas.microsoft.com/office/drawing/2014/main" val="20002"/>
+                    </a:ext>
+                  </a:extLst>
+                </a:gridCol>
               </a:tblGrid>
               <a:tr h="350711">
                 <a:tc>
@@ -13865,6 +18008,11 @@
                     </a:solidFill>
                   </a:tcPr>
                 </a:tc>
+                <a:extLst>
+                  <a:ext uri="{0D108BD9-81ED-4DB2-BD59-A6C34878D82A}">
+                    <a16:rowId xmlns:a16="http://schemas.microsoft.com/office/drawing/2014/main" val="10000"/>
+                  </a:ext>
+                </a:extLst>
               </a:tr>
               <a:tr h="355582">
                 <a:tc>
@@ -14048,6 +18196,11 @@
                     </a:lnB>
                   </a:tcPr>
                 </a:tc>
+                <a:extLst>
+                  <a:ext uri="{0D108BD9-81ED-4DB2-BD59-A6C34878D82A}">
+                    <a16:rowId xmlns:a16="http://schemas.microsoft.com/office/drawing/2014/main" val="10001"/>
+                  </a:ext>
+                </a:extLst>
               </a:tr>
               <a:tr h="555293">
                 <a:tc gridSpan="3">
@@ -14218,6 +18371,11 @@
                     </a:lnB>
                   </a:tcPr>
                 </a:tc>
+                <a:extLst>
+                  <a:ext uri="{0D108BD9-81ED-4DB2-BD59-A6C34878D82A}">
+                    <a16:rowId xmlns:a16="http://schemas.microsoft.com/office/drawing/2014/main" val="10002"/>
+                  </a:ext>
+                </a:extLst>
               </a:tr>
               <a:tr h="355582">
                 <a:tc>
@@ -14394,6 +18552,11 @@
                     </a:lnB>
                   </a:tcPr>
                 </a:tc>
+                <a:extLst>
+                  <a:ext uri="{0D108BD9-81ED-4DB2-BD59-A6C34878D82A}">
+                    <a16:rowId xmlns:a16="http://schemas.microsoft.com/office/drawing/2014/main" val="10003"/>
+                  </a:ext>
+                </a:extLst>
               </a:tr>
               <a:tr h="355582">
                 <a:tc>
@@ -14570,6 +18733,11 @@
                     </a:lnB>
                   </a:tcPr>
                 </a:tc>
+                <a:extLst>
+                  <a:ext uri="{0D108BD9-81ED-4DB2-BD59-A6C34878D82A}">
+                    <a16:rowId xmlns:a16="http://schemas.microsoft.com/office/drawing/2014/main" val="10004"/>
+                  </a:ext>
+                </a:extLst>
               </a:tr>
               <a:tr h="355582">
                 <a:tc>
@@ -14746,6 +18914,11 @@
                     </a:lnB>
                   </a:tcPr>
                 </a:tc>
+                <a:extLst>
+                  <a:ext uri="{0D108BD9-81ED-4DB2-BD59-A6C34878D82A}">
+                    <a16:rowId xmlns:a16="http://schemas.microsoft.com/office/drawing/2014/main" val="10005"/>
+                  </a:ext>
+                </a:extLst>
               </a:tr>
             </a:tbl>
           </a:graphicData>
@@ -14899,14 +19072,14 @@
                 <a:gridCol w="280507">
                   <a:extLst>
                     <a:ext uri="{9D8B030D-6E8A-4147-A177-3AD203B41FA5}">
-                      <a16:colId xmlns="" xmlns:a16="http://schemas.microsoft.com/office/drawing/2014/main" val="20000"/>
+                      <a16:colId xmlns:a16="http://schemas.microsoft.com/office/drawing/2014/main" val="20000"/>
                     </a:ext>
                   </a:extLst>
                 </a:gridCol>
                 <a:gridCol w="2407792">
                   <a:extLst>
                     <a:ext uri="{9D8B030D-6E8A-4147-A177-3AD203B41FA5}">
-                      <a16:colId xmlns="" xmlns:a16="http://schemas.microsoft.com/office/drawing/2014/main" val="20001"/>
+                      <a16:colId xmlns:a16="http://schemas.microsoft.com/office/drawing/2014/main" val="20001"/>
                     </a:ext>
                   </a:extLst>
                 </a:gridCol>
@@ -14960,7 +19133,7 @@
                 </a:tc>
                 <a:extLst>
                   <a:ext uri="{0D108BD9-81ED-4DB2-BD59-A6C34878D82A}">
-                    <a16:rowId xmlns="" xmlns:a16="http://schemas.microsoft.com/office/drawing/2014/main" val="10000"/>
+                    <a16:rowId xmlns:a16="http://schemas.microsoft.com/office/drawing/2014/main" val="10000"/>
                   </a:ext>
                 </a:extLst>
               </a:tr>
@@ -15105,7 +19278,7 @@
                 </a:tc>
                 <a:extLst>
                   <a:ext uri="{0D108BD9-81ED-4DB2-BD59-A6C34878D82A}">
-                    <a16:rowId xmlns="" xmlns:a16="http://schemas.microsoft.com/office/drawing/2014/main" val="10001"/>
+                    <a16:rowId xmlns:a16="http://schemas.microsoft.com/office/drawing/2014/main" val="10001"/>
                   </a:ext>
                 </a:extLst>
               </a:tr>
@@ -15192,6 +19365,11 @@
                   </a:txBody>
                   <a:tcPr marL="121920" marR="121920" marT="60960" marB="60960"/>
                 </a:tc>
+                <a:extLst>
+                  <a:ext uri="{0D108BD9-81ED-4DB2-BD59-A6C34878D82A}">
+                    <a16:rowId xmlns:a16="http://schemas.microsoft.com/office/drawing/2014/main" val="10002"/>
+                  </a:ext>
+                </a:extLst>
               </a:tr>
             </a:tbl>
           </a:graphicData>
@@ -15462,7 +19640,7 @@
 </p:sld>
 </file>
 
-<file path=ppt/slides/slide6.xml><?xml version="1.0" encoding="utf-8"?>
+<file path=ppt/slides/slide7.xml><?xml version="1.0" encoding="utf-8"?>
 <p:sld xmlns:a="http://schemas.openxmlformats.org/drawingml/2006/main" xmlns:r="http://schemas.openxmlformats.org/officeDocument/2006/relationships" xmlns:p="http://schemas.openxmlformats.org/presentationml/2006/main">
   <p:cSld>
     <p:spTree>
@@ -16018,7 +20196,7 @@
 </p:sld>
 </file>
 
-<file path=ppt/slides/slide7.xml><?xml version="1.0" encoding="utf-8"?>
+<file path=ppt/slides/slide8.xml><?xml version="1.0" encoding="utf-8"?>
 <p:sld xmlns:a="http://schemas.openxmlformats.org/drawingml/2006/main" xmlns:r="http://schemas.openxmlformats.org/officeDocument/2006/relationships" xmlns:p="http://schemas.openxmlformats.org/presentationml/2006/main">
   <p:cSld>
     <p:spTree>
@@ -17097,7 +21275,7 @@
                 <a:gridCol w="2688299">
                   <a:extLst>
                     <a:ext uri="{9D8B030D-6E8A-4147-A177-3AD203B41FA5}">
-                      <a16:colId xmlns="" xmlns:a16="http://schemas.microsoft.com/office/drawing/2014/main" val="20000"/>
+                      <a16:colId xmlns:a16="http://schemas.microsoft.com/office/drawing/2014/main" val="20000"/>
                     </a:ext>
                   </a:extLst>
                 </a:gridCol>
@@ -17129,7 +21307,7 @@
                 </a:tc>
                 <a:extLst>
                   <a:ext uri="{0D108BD9-81ED-4DB2-BD59-A6C34878D82A}">
-                    <a16:rowId xmlns="" xmlns:a16="http://schemas.microsoft.com/office/drawing/2014/main" val="10000"/>
+                    <a16:rowId xmlns:a16="http://schemas.microsoft.com/office/drawing/2014/main" val="10000"/>
                   </a:ext>
                 </a:extLst>
               </a:tr>
@@ -17157,7 +21335,7 @@
                 </a:tc>
                 <a:extLst>
                   <a:ext uri="{0D108BD9-81ED-4DB2-BD59-A6C34878D82A}">
-                    <a16:rowId xmlns="" xmlns:a16="http://schemas.microsoft.com/office/drawing/2014/main" val="10001"/>
+                    <a16:rowId xmlns:a16="http://schemas.microsoft.com/office/drawing/2014/main" val="10001"/>
                   </a:ext>
                 </a:extLst>
               </a:tr>
@@ -17248,9 +21426,27 @@
                 <a:tableStyleId>{2D5ABB26-0587-4C30-8999-92F81FD0307C}</a:tableStyleId>
               </a:tblPr>
               <a:tblGrid>
-                <a:gridCol w="532667"/>
-                <a:gridCol w="2337532"/>
-                <a:gridCol w="651202"/>
+                <a:gridCol w="532667">
+                  <a:extLst>
+                    <a:ext uri="{9D8B030D-6E8A-4147-A177-3AD203B41FA5}">
+                      <a16:colId xmlns:a16="http://schemas.microsoft.com/office/drawing/2014/main" val="20000"/>
+                    </a:ext>
+                  </a:extLst>
+                </a:gridCol>
+                <a:gridCol w="2337532">
+                  <a:extLst>
+                    <a:ext uri="{9D8B030D-6E8A-4147-A177-3AD203B41FA5}">
+                      <a16:colId xmlns:a16="http://schemas.microsoft.com/office/drawing/2014/main" val="20001"/>
+                    </a:ext>
+                  </a:extLst>
+                </a:gridCol>
+                <a:gridCol w="651202">
+                  <a:extLst>
+                    <a:ext uri="{9D8B030D-6E8A-4147-A177-3AD203B41FA5}">
+                      <a16:colId xmlns:a16="http://schemas.microsoft.com/office/drawing/2014/main" val="20002"/>
+                    </a:ext>
+                  </a:extLst>
+                </a:gridCol>
               </a:tblGrid>
               <a:tr h="270933">
                 <a:tc>
@@ -17436,6 +21632,11 @@
                     </a:solidFill>
                   </a:tcPr>
                 </a:tc>
+                <a:extLst>
+                  <a:ext uri="{0D108BD9-81ED-4DB2-BD59-A6C34878D82A}">
+                    <a16:rowId xmlns:a16="http://schemas.microsoft.com/office/drawing/2014/main" val="10000"/>
+                  </a:ext>
+                </a:extLst>
               </a:tr>
               <a:tr h="370840">
                 <a:tc>
@@ -17619,6 +21820,11 @@
                     </a:lnB>
                   </a:tcPr>
                 </a:tc>
+                <a:extLst>
+                  <a:ext uri="{0D108BD9-81ED-4DB2-BD59-A6C34878D82A}">
+                    <a16:rowId xmlns:a16="http://schemas.microsoft.com/office/drawing/2014/main" val="10001"/>
+                  </a:ext>
+                </a:extLst>
               </a:tr>
               <a:tr h="370840">
                 <a:tc gridSpan="3">
@@ -17715,6 +21921,11 @@
                   </a:txBody>
                   <a:tcPr/>
                 </a:tc>
+                <a:extLst>
+                  <a:ext uri="{0D108BD9-81ED-4DB2-BD59-A6C34878D82A}">
+                    <a16:rowId xmlns:a16="http://schemas.microsoft.com/office/drawing/2014/main" val="10002"/>
+                  </a:ext>
+                </a:extLst>
               </a:tr>
               <a:tr h="370840">
                 <a:tc>
@@ -17891,6 +22102,11 @@
                     </a:lnB>
                   </a:tcPr>
                 </a:tc>
+                <a:extLst>
+                  <a:ext uri="{0D108BD9-81ED-4DB2-BD59-A6C34878D82A}">
+                    <a16:rowId xmlns:a16="http://schemas.microsoft.com/office/drawing/2014/main" val="10003"/>
+                  </a:ext>
+                </a:extLst>
               </a:tr>
               <a:tr h="370840">
                 <a:tc>
@@ -18067,6 +22283,11 @@
                     </a:lnB>
                   </a:tcPr>
                 </a:tc>
+                <a:extLst>
+                  <a:ext uri="{0D108BD9-81ED-4DB2-BD59-A6C34878D82A}">
+                    <a16:rowId xmlns:a16="http://schemas.microsoft.com/office/drawing/2014/main" val="10004"/>
+                  </a:ext>
+                </a:extLst>
               </a:tr>
               <a:tr h="370840">
                 <a:tc>
@@ -18243,6 +22464,11 @@
                     </a:lnB>
                   </a:tcPr>
                 </a:tc>
+                <a:extLst>
+                  <a:ext uri="{0D108BD9-81ED-4DB2-BD59-A6C34878D82A}">
+                    <a16:rowId xmlns:a16="http://schemas.microsoft.com/office/drawing/2014/main" val="10005"/>
+                  </a:ext>
+                </a:extLst>
               </a:tr>
             </a:tbl>
           </a:graphicData>
@@ -18315,7 +22541,7 @@
           <p:cNvPr id="21" name="직사각형 20">
             <a:extLst>
               <a:ext uri="{FF2B5EF4-FFF2-40B4-BE49-F238E27FC236}">
-                <a16:creationId xmlns="" xmlns:a16="http://schemas.microsoft.com/office/drawing/2014/main" id="{7C9E9366-B86C-4147-AAEA-0E8C98D7DA95}"/>
+                <a16:creationId xmlns:a16="http://schemas.microsoft.com/office/drawing/2014/main" id="{7C9E9366-B86C-4147-AAEA-0E8C98D7DA95}"/>
               </a:ext>
             </a:extLst>
           </p:cNvPr>
@@ -18858,14 +23084,14 @@
                 <a:gridCol w="280507">
                   <a:extLst>
                     <a:ext uri="{9D8B030D-6E8A-4147-A177-3AD203B41FA5}">
-                      <a16:colId xmlns="" xmlns:a16="http://schemas.microsoft.com/office/drawing/2014/main" val="20000"/>
+                      <a16:colId xmlns:a16="http://schemas.microsoft.com/office/drawing/2014/main" val="20000"/>
                     </a:ext>
                   </a:extLst>
                 </a:gridCol>
                 <a:gridCol w="2407792">
                   <a:extLst>
                     <a:ext uri="{9D8B030D-6E8A-4147-A177-3AD203B41FA5}">
-                      <a16:colId xmlns="" xmlns:a16="http://schemas.microsoft.com/office/drawing/2014/main" val="20001"/>
+                      <a16:colId xmlns:a16="http://schemas.microsoft.com/office/drawing/2014/main" val="20001"/>
                     </a:ext>
                   </a:extLst>
                 </a:gridCol>
@@ -18919,7 +23145,7 @@
                 </a:tc>
                 <a:extLst>
                   <a:ext uri="{0D108BD9-81ED-4DB2-BD59-A6C34878D82A}">
-                    <a16:rowId xmlns="" xmlns:a16="http://schemas.microsoft.com/office/drawing/2014/main" val="10000"/>
+                    <a16:rowId xmlns:a16="http://schemas.microsoft.com/office/drawing/2014/main" val="10000"/>
                   </a:ext>
                 </a:extLst>
               </a:tr>
@@ -19064,7 +23290,7 @@
                 </a:tc>
                 <a:extLst>
                   <a:ext uri="{0D108BD9-81ED-4DB2-BD59-A6C34878D82A}">
-                    <a16:rowId xmlns="" xmlns:a16="http://schemas.microsoft.com/office/drawing/2014/main" val="10001"/>
+                    <a16:rowId xmlns:a16="http://schemas.microsoft.com/office/drawing/2014/main" val="10001"/>
                   </a:ext>
                 </a:extLst>
               </a:tr>
@@ -19151,6 +23377,11 @@
                   </a:txBody>
                   <a:tcPr marL="121920" marR="121920" marT="60960" marB="60960"/>
                 </a:tc>
+                <a:extLst>
+                  <a:ext uri="{0D108BD9-81ED-4DB2-BD59-A6C34878D82A}">
+                    <a16:rowId xmlns:a16="http://schemas.microsoft.com/office/drawing/2014/main" val="10002"/>
+                  </a:ext>
+                </a:extLst>
               </a:tr>
             </a:tbl>
           </a:graphicData>
@@ -19236,7 +23467,7 @@
 </p:sld>
 </file>
 
-<file path=ppt/slides/slide8.xml><?xml version="1.0" encoding="utf-8"?>
+<file path=ppt/slides/slide9.xml><?xml version="1.0" encoding="utf-8"?>
 <p:sld xmlns:a="http://schemas.openxmlformats.org/drawingml/2006/main" xmlns:r="http://schemas.openxmlformats.org/officeDocument/2006/relationships" xmlns:p="http://schemas.openxmlformats.org/presentationml/2006/main">
   <p:cSld>
     <p:spTree>
@@ -19857,662 +24088,6 @@
 </p:sld>
 </file>
 
-<file path=ppt/slides/slide9.xml><?xml version="1.0" encoding="utf-8"?>
-<p:sld xmlns:a="http://schemas.openxmlformats.org/drawingml/2006/main" xmlns:r="http://schemas.openxmlformats.org/officeDocument/2006/relationships" xmlns:p="http://schemas.openxmlformats.org/presentationml/2006/main">
-  <p:cSld>
-    <p:spTree>
-      <p:nvGrpSpPr>
-        <p:cNvPr id="1" name=""/>
-        <p:cNvGrpSpPr/>
-        <p:nvPr/>
-      </p:nvGrpSpPr>
-      <p:grpSpPr>
-        <a:xfrm>
-          <a:off x="0" y="0"/>
-          <a:ext cx="0" cy="0"/>
-          <a:chOff x="0" y="0"/>
-          <a:chExt cx="0" cy="0"/>
-        </a:xfrm>
-      </p:grpSpPr>
-      <p:sp>
-        <p:nvSpPr>
-          <p:cNvPr id="6" name="양쪽 모서리가 둥근 사각형 5"/>
-          <p:cNvSpPr/>
-          <p:nvPr/>
-        </p:nvSpPr>
-        <p:spPr>
-          <a:xfrm>
-            <a:off x="143339" y="548680"/>
-            <a:ext cx="11905323" cy="6144683"/>
-          </a:xfrm>
-          <a:prstGeom prst="round2SameRect">
-            <a:avLst>
-              <a:gd name="adj1" fmla="val 0"/>
-              <a:gd name="adj2" fmla="val 2405"/>
-            </a:avLst>
-          </a:prstGeom>
-          <a:solidFill>
-            <a:schemeClr val="bg1"/>
-          </a:solidFill>
-          <a:ln>
-            <a:noFill/>
-          </a:ln>
-          <a:effectLst>
-            <a:outerShdw dist="254000" dir="5400000" sx="97000" sy="97000" algn="t" rotWithShape="0">
-              <a:prstClr val="black">
-                <a:alpha val="40000"/>
-              </a:prstClr>
-            </a:outerShdw>
-          </a:effectLst>
-        </p:spPr>
-        <p:style>
-          <a:lnRef idx="2">
-            <a:schemeClr val="accent1">
-              <a:shade val="50000"/>
-            </a:schemeClr>
-          </a:lnRef>
-          <a:fillRef idx="1">
-            <a:schemeClr val="accent1"/>
-          </a:fillRef>
-          <a:effectRef idx="0">
-            <a:schemeClr val="accent1"/>
-          </a:effectRef>
-          <a:fontRef idx="minor">
-            <a:schemeClr val="lt1"/>
-          </a:fontRef>
-        </p:style>
-        <p:txBody>
-          <a:bodyPr lIns="91440" tIns="45720" rIns="91440" bIns="45720" rtlCol="0" anchor="ctr"/>
-          <a:lstStyle/>
-          <a:p>
-            <a:pPr algn="ctr"/>
-            <a:endParaRPr lang="ko-KR" altLang="en-US" sz="2400" dirty="0">
-              <a:solidFill>
-                <a:prstClr val="white"/>
-              </a:solidFill>
-              <a:latin typeface="나눔바른고딕" panose="020B0603020101020101" pitchFamily="50" charset="-127"/>
-              <a:ea typeface="나눔바른고딕" panose="020B0603020101020101" pitchFamily="50" charset="-127"/>
-            </a:endParaRPr>
-          </a:p>
-        </p:txBody>
-      </p:sp>
-      <p:sp>
-        <p:nvSpPr>
-          <p:cNvPr id="5" name="양쪽 모서리가 둥근 사각형 4"/>
-          <p:cNvSpPr/>
-          <p:nvPr/>
-        </p:nvSpPr>
-        <p:spPr>
-          <a:xfrm>
-            <a:off x="143339" y="243880"/>
-            <a:ext cx="11905323" cy="304800"/>
-          </a:xfrm>
-          <a:prstGeom prst="round2SameRect">
-            <a:avLst>
-              <a:gd name="adj1" fmla="val 44667"/>
-              <a:gd name="adj2" fmla="val 0"/>
-            </a:avLst>
-          </a:prstGeom>
-          <a:solidFill>
-            <a:srgbClr val="411F42"/>
-          </a:solidFill>
-          <a:ln>
-            <a:noFill/>
-          </a:ln>
-          <a:effectLst>
-            <a:outerShdw dist="76200" dir="16200000" sx="97000" sy="97000" rotWithShape="0">
-              <a:prstClr val="black">
-                <a:alpha val="40000"/>
-              </a:prstClr>
-            </a:outerShdw>
-          </a:effectLst>
-        </p:spPr>
-        <p:style>
-          <a:lnRef idx="2">
-            <a:schemeClr val="accent1">
-              <a:shade val="50000"/>
-            </a:schemeClr>
-          </a:lnRef>
-          <a:fillRef idx="1">
-            <a:schemeClr val="accent1"/>
-          </a:fillRef>
-          <a:effectRef idx="0">
-            <a:schemeClr val="accent1"/>
-          </a:effectRef>
-          <a:fontRef idx="minor">
-            <a:schemeClr val="lt1"/>
-          </a:fontRef>
-        </p:style>
-        <p:txBody>
-          <a:bodyPr lIns="91440" tIns="45720" rIns="91440" bIns="45720" rtlCol="0" anchor="ctr"/>
-          <a:lstStyle/>
-          <a:p>
-            <a:pPr algn="ctr"/>
-            <a:endParaRPr lang="ko-KR" altLang="en-US" sz="2400" dirty="0">
-              <a:solidFill>
-                <a:prstClr val="white"/>
-              </a:solidFill>
-              <a:latin typeface="나눔바른고딕" panose="020B0603020101020101" pitchFamily="50" charset="-127"/>
-              <a:ea typeface="나눔바른고딕" panose="020B0603020101020101" pitchFamily="50" charset="-127"/>
-            </a:endParaRPr>
-          </a:p>
-        </p:txBody>
-      </p:sp>
-      <p:sp>
-        <p:nvSpPr>
-          <p:cNvPr id="7" name="직사각형 6"/>
-          <p:cNvSpPr/>
-          <p:nvPr/>
-        </p:nvSpPr>
-        <p:spPr>
-          <a:xfrm>
-            <a:off x="935120" y="366664"/>
-            <a:ext cx="10613801" cy="72000"/>
-          </a:xfrm>
-          <a:prstGeom prst="rect">
-            <a:avLst/>
-          </a:prstGeom>
-          <a:solidFill>
-            <a:schemeClr val="bg1"/>
-          </a:solidFill>
-          <a:ln>
-            <a:noFill/>
-          </a:ln>
-        </p:spPr>
-        <p:style>
-          <a:lnRef idx="2">
-            <a:schemeClr val="accent1">
-              <a:shade val="50000"/>
-            </a:schemeClr>
-          </a:lnRef>
-          <a:fillRef idx="1">
-            <a:schemeClr val="accent1"/>
-          </a:fillRef>
-          <a:effectRef idx="0">
-            <a:schemeClr val="accent1"/>
-          </a:effectRef>
-          <a:fontRef idx="minor">
-            <a:schemeClr val="lt1"/>
-          </a:fontRef>
-        </p:style>
-        <p:txBody>
-          <a:bodyPr lIns="91440" tIns="45720" rIns="91440" bIns="45720" rtlCol="0" anchor="ctr"/>
-          <a:lstStyle/>
-          <a:p>
-            <a:pPr algn="ctr"/>
-            <a:endParaRPr lang="ko-KR" altLang="en-US" sz="2400" dirty="0">
-              <a:solidFill>
-                <a:prstClr val="white"/>
-              </a:solidFill>
-              <a:latin typeface="나눔바른고딕" panose="020B0603020101020101" pitchFamily="50" charset="-127"/>
-              <a:ea typeface="나눔바른고딕" panose="020B0603020101020101" pitchFamily="50" charset="-127"/>
-            </a:endParaRPr>
-          </a:p>
-        </p:txBody>
-      </p:sp>
-      <p:sp>
-        <p:nvSpPr>
-          <p:cNvPr id="8" name="타원 7"/>
-          <p:cNvSpPr/>
-          <p:nvPr/>
-        </p:nvSpPr>
-        <p:spPr>
-          <a:xfrm>
-            <a:off x="576949" y="366664"/>
-            <a:ext cx="75276" cy="72000"/>
-          </a:xfrm>
-          <a:prstGeom prst="ellipse">
-            <a:avLst/>
-          </a:prstGeom>
-          <a:solidFill>
-            <a:srgbClr val="FF6189"/>
-          </a:solidFill>
-          <a:ln>
-            <a:noFill/>
-          </a:ln>
-        </p:spPr>
-        <p:style>
-          <a:lnRef idx="2">
-            <a:schemeClr val="accent1">
-              <a:shade val="50000"/>
-            </a:schemeClr>
-          </a:lnRef>
-          <a:fillRef idx="1">
-            <a:schemeClr val="accent1"/>
-          </a:fillRef>
-          <a:effectRef idx="0">
-            <a:schemeClr val="accent1"/>
-          </a:effectRef>
-          <a:fontRef idx="minor">
-            <a:schemeClr val="lt1"/>
-          </a:fontRef>
-        </p:style>
-        <p:txBody>
-          <a:bodyPr lIns="91440" tIns="45720" rIns="91440" bIns="45720" rtlCol="0" anchor="ctr"/>
-          <a:lstStyle/>
-          <a:p>
-            <a:pPr algn="ctr"/>
-            <a:endParaRPr lang="ko-KR" altLang="en-US" sz="2400" dirty="0">
-              <a:solidFill>
-                <a:prstClr val="white"/>
-              </a:solidFill>
-              <a:latin typeface="나눔바른고딕" panose="020B0603020101020101" pitchFamily="50" charset="-127"/>
-              <a:ea typeface="나눔바른고딕" panose="020B0603020101020101" pitchFamily="50" charset="-127"/>
-            </a:endParaRPr>
-          </a:p>
-        </p:txBody>
-      </p:sp>
-      <p:sp>
-        <p:nvSpPr>
-          <p:cNvPr id="9" name="타원 8"/>
-          <p:cNvSpPr/>
-          <p:nvPr/>
-        </p:nvSpPr>
-        <p:spPr>
-          <a:xfrm>
-            <a:off x="766826" y="366664"/>
-            <a:ext cx="75276" cy="72000"/>
-          </a:xfrm>
-          <a:prstGeom prst="ellipse">
-            <a:avLst/>
-          </a:prstGeom>
-          <a:solidFill>
-            <a:srgbClr val="00B0F0"/>
-          </a:solidFill>
-          <a:ln>
-            <a:noFill/>
-          </a:ln>
-        </p:spPr>
-        <p:style>
-          <a:lnRef idx="2">
-            <a:schemeClr val="accent1">
-              <a:shade val="50000"/>
-            </a:schemeClr>
-          </a:lnRef>
-          <a:fillRef idx="1">
-            <a:schemeClr val="accent1"/>
-          </a:fillRef>
-          <a:effectRef idx="0">
-            <a:schemeClr val="accent1"/>
-          </a:effectRef>
-          <a:fontRef idx="minor">
-            <a:schemeClr val="lt1"/>
-          </a:fontRef>
-        </p:style>
-        <p:txBody>
-          <a:bodyPr lIns="91440" tIns="45720" rIns="91440" bIns="45720" rtlCol="0" anchor="ctr"/>
-          <a:lstStyle/>
-          <a:p>
-            <a:pPr algn="ctr"/>
-            <a:endParaRPr lang="ko-KR" altLang="en-US" sz="2400" dirty="0">
-              <a:solidFill>
-                <a:prstClr val="white"/>
-              </a:solidFill>
-              <a:latin typeface="나눔바른고딕" panose="020B0603020101020101" pitchFamily="50" charset="-127"/>
-              <a:ea typeface="나눔바른고딕" panose="020B0603020101020101" pitchFamily="50" charset="-127"/>
-            </a:endParaRPr>
-          </a:p>
-        </p:txBody>
-      </p:sp>
-      <p:sp>
-        <p:nvSpPr>
-          <p:cNvPr id="10" name="타원 9"/>
-          <p:cNvSpPr/>
-          <p:nvPr/>
-        </p:nvSpPr>
-        <p:spPr>
-          <a:xfrm>
-            <a:off x="956703" y="366664"/>
-            <a:ext cx="75276" cy="72000"/>
-          </a:xfrm>
-          <a:prstGeom prst="ellipse">
-            <a:avLst/>
-          </a:prstGeom>
-          <a:solidFill>
-            <a:schemeClr val="accent4"/>
-          </a:solidFill>
-          <a:ln>
-            <a:noFill/>
-          </a:ln>
-        </p:spPr>
-        <p:style>
-          <a:lnRef idx="2">
-            <a:schemeClr val="accent1">
-              <a:shade val="50000"/>
-            </a:schemeClr>
-          </a:lnRef>
-          <a:fillRef idx="1">
-            <a:schemeClr val="accent1"/>
-          </a:fillRef>
-          <a:effectRef idx="0">
-            <a:schemeClr val="accent1"/>
-          </a:effectRef>
-          <a:fontRef idx="minor">
-            <a:schemeClr val="lt1"/>
-          </a:fontRef>
-        </p:style>
-        <p:txBody>
-          <a:bodyPr lIns="91440" tIns="45720" rIns="91440" bIns="45720" rtlCol="0" anchor="ctr"/>
-          <a:lstStyle/>
-          <a:p>
-            <a:pPr algn="ctr"/>
-            <a:endParaRPr lang="ko-KR" altLang="en-US" sz="2400" dirty="0">
-              <a:solidFill>
-                <a:prstClr val="white"/>
-              </a:solidFill>
-              <a:latin typeface="나눔바른고딕" panose="020B0603020101020101" pitchFamily="50" charset="-127"/>
-              <a:ea typeface="나눔바른고딕" panose="020B0603020101020101" pitchFamily="50" charset="-127"/>
-            </a:endParaRPr>
-          </a:p>
-        </p:txBody>
-      </p:sp>
-      <p:sp>
-        <p:nvSpPr>
-          <p:cNvPr id="11" name="직사각형 10"/>
-          <p:cNvSpPr/>
-          <p:nvPr/>
-        </p:nvSpPr>
-        <p:spPr>
-          <a:xfrm>
-            <a:off x="1871531" y="626202"/>
-            <a:ext cx="7532965" cy="646331"/>
-          </a:xfrm>
-          <a:prstGeom prst="rect">
-            <a:avLst/>
-          </a:prstGeom>
-        </p:spPr>
-        <p:txBody>
-          <a:bodyPr wrap="square" lIns="91440" tIns="45720" rIns="91440" bIns="45720">
-            <a:spAutoFit/>
-          </a:bodyPr>
-          <a:lstStyle/>
-          <a:p>
-            <a:pPr>
-              <a:lnSpc>
-                <a:spcPct val="150000"/>
-              </a:lnSpc>
-            </a:pPr>
-            <a:r>
-              <a:rPr lang="en-US" altLang="ko-KR" sz="2400" b="1" dirty="0">
-                <a:solidFill>
-                  <a:prstClr val="black">
-                    <a:lumMod val="75000"/>
-                    <a:lumOff val="25000"/>
-                  </a:prstClr>
-                </a:solidFill>
-                <a:latin typeface="나눔바른고딕" panose="020B0603020101020101" pitchFamily="50" charset="-127"/>
-                <a:ea typeface="나눔바른고딕" panose="020B0603020101020101" pitchFamily="50" charset="-127"/>
-              </a:rPr>
-              <a:t>[ </a:t>
-            </a:r>
-            <a:r>
-              <a:rPr lang="ko-KR" altLang="en-US" sz="2400" b="1" dirty="0">
-                <a:solidFill>
-                  <a:prstClr val="black">
-                    <a:lumMod val="75000"/>
-                    <a:lumOff val="25000"/>
-                  </a:prstClr>
-                </a:solidFill>
-                <a:latin typeface="나눔바른고딕" panose="020B0603020101020101" pitchFamily="50" charset="-127"/>
-                <a:ea typeface="나눔바른고딕" panose="020B0603020101020101" pitchFamily="50" charset="-127"/>
-              </a:rPr>
-              <a:t>화면구현 </a:t>
-            </a:r>
-            <a:r>
-              <a:rPr lang="en-US" altLang="ko-KR" sz="2400" b="1" dirty="0">
-                <a:solidFill>
-                  <a:prstClr val="black">
-                    <a:lumMod val="75000"/>
-                    <a:lumOff val="25000"/>
-                  </a:prstClr>
-                </a:solidFill>
-                <a:latin typeface="나눔바른고딕" panose="020B0603020101020101" pitchFamily="50" charset="-127"/>
-                <a:ea typeface="나눔바른고딕" panose="020B0603020101020101" pitchFamily="50" charset="-127"/>
-              </a:rPr>
-              <a:t>] </a:t>
-            </a:r>
-            <a:r>
-              <a:rPr lang="ko-KR" altLang="en-US" sz="2400" b="1" dirty="0">
-                <a:solidFill>
-                  <a:prstClr val="black">
-                    <a:lumMod val="75000"/>
-                    <a:lumOff val="25000"/>
-                  </a:prstClr>
-                </a:solidFill>
-                <a:latin typeface="나눔바른고딕" panose="020B0603020101020101" pitchFamily="50" charset="-127"/>
-                <a:ea typeface="나눔바른고딕" panose="020B0603020101020101" pitchFamily="50" charset="-127"/>
-              </a:rPr>
-              <a:t>고객센터 </a:t>
-            </a:r>
-            <a:r>
-              <a:rPr lang="en-US" altLang="ko-KR" sz="2400" b="1" dirty="0">
-                <a:solidFill>
-                  <a:prstClr val="black">
-                    <a:lumMod val="75000"/>
-                    <a:lumOff val="25000"/>
-                  </a:prstClr>
-                </a:solidFill>
-                <a:latin typeface="나눔바른고딕" panose="020B0603020101020101" pitchFamily="50" charset="-127"/>
-                <a:ea typeface="나눔바른고딕" panose="020B0603020101020101" pitchFamily="50" charset="-127"/>
-              </a:rPr>
-              <a:t>– FAQ </a:t>
-            </a:r>
-            <a:r>
-              <a:rPr lang="ko-KR" altLang="en-US" sz="2400" b="1" dirty="0">
-                <a:solidFill>
-                  <a:prstClr val="black">
-                    <a:lumMod val="75000"/>
-                    <a:lumOff val="25000"/>
-                  </a:prstClr>
-                </a:solidFill>
-                <a:latin typeface="나눔바른고딕" panose="020B0603020101020101" pitchFamily="50" charset="-127"/>
-                <a:ea typeface="나눔바른고딕" panose="020B0603020101020101" pitchFamily="50" charset="-127"/>
-              </a:rPr>
-              <a:t>목록 </a:t>
-            </a:r>
-            <a:r>
-              <a:rPr lang="en-US" altLang="ko-KR" sz="2400" b="1" dirty="0">
-                <a:solidFill>
-                  <a:prstClr val="black">
-                    <a:lumMod val="75000"/>
-                    <a:lumOff val="25000"/>
-                  </a:prstClr>
-                </a:solidFill>
-                <a:latin typeface="나눔바른고딕" panose="020B0603020101020101" pitchFamily="50" charset="-127"/>
-                <a:ea typeface="나눔바른고딕" panose="020B0603020101020101" pitchFamily="50" charset="-127"/>
-              </a:rPr>
-              <a:t>– </a:t>
-            </a:r>
-            <a:r>
-              <a:rPr lang="ko-KR" altLang="en-US" sz="2400" b="1" dirty="0">
-                <a:solidFill>
-                  <a:prstClr val="black">
-                    <a:lumMod val="75000"/>
-                    <a:lumOff val="25000"/>
-                  </a:prstClr>
-                </a:solidFill>
-                <a:latin typeface="나눔바른고딕" panose="020B0603020101020101" pitchFamily="50" charset="-127"/>
-                <a:ea typeface="나눔바른고딕" panose="020B0603020101020101" pitchFamily="50" charset="-127"/>
-              </a:rPr>
-              <a:t>사용자</a:t>
-            </a:r>
-          </a:p>
-        </p:txBody>
-      </p:sp>
-      <p:pic>
-        <p:nvPicPr>
-          <p:cNvPr id="13" name="Picture 2"/>
-          <p:cNvPicPr>
-            <a:picLocks noChangeAspect="1" noChangeArrowheads="1"/>
-          </p:cNvPicPr>
-          <p:nvPr/>
-        </p:nvPicPr>
-        <p:blipFill>
-          <a:blip r:embed="rId2" cstate="print">
-            <a:extLst>
-              <a:ext uri="{28A0092B-C50C-407E-A947-70E740481C1C}">
-                <a14:useLocalDpi xmlns:a14="http://schemas.microsoft.com/office/drawing/2010/main" val="0"/>
-              </a:ext>
-            </a:extLst>
-          </a:blip>
-          <a:srcRect/>
-          <a:stretch>
-            <a:fillRect/>
-          </a:stretch>
-        </p:blipFill>
-        <p:spPr bwMode="auto">
-          <a:xfrm>
-            <a:off x="804463" y="626202"/>
-            <a:ext cx="1128060" cy="751305"/>
-          </a:xfrm>
-          <a:prstGeom prst="rect">
-            <a:avLst/>
-          </a:prstGeom>
-          <a:noFill/>
-          <a:ln>
-            <a:noFill/>
-          </a:ln>
-          <a:extLst>
-            <a:ext uri="{909E8E84-426E-40DD-AFC4-6F175D3DCCD1}">
-              <a14:hiddenFill xmlns:a14="http://schemas.microsoft.com/office/drawing/2010/main">
-                <a:solidFill>
-                  <a:schemeClr val="accent1"/>
-                </a:solidFill>
-              </a14:hiddenFill>
-            </a:ext>
-            <a:ext uri="{91240B29-F687-4F45-9708-019B960494DF}">
-              <a14:hiddenLine xmlns:a14="http://schemas.microsoft.com/office/drawing/2010/main" w="9525">
-                <a:solidFill>
-                  <a:schemeClr val="tx1"/>
-                </a:solidFill>
-                <a:miter lim="800000"/>
-                <a:headEnd/>
-                <a:tailEnd/>
-              </a14:hiddenLine>
-            </a:ext>
-          </a:extLst>
-        </p:spPr>
-      </p:pic>
-      <p:pic>
-        <p:nvPicPr>
-          <p:cNvPr id="2" name="그림 1"/>
-          <p:cNvPicPr>
-            <a:picLocks noChangeAspect="1"/>
-          </p:cNvPicPr>
-          <p:nvPr/>
-        </p:nvPicPr>
-        <p:blipFill>
-          <a:blip r:embed="rId3" cstate="print">
-            <a:extLst>
-              <a:ext uri="{28A0092B-C50C-407E-A947-70E740481C1C}">
-                <a14:useLocalDpi xmlns:a14="http://schemas.microsoft.com/office/drawing/2010/main" val="0"/>
-              </a:ext>
-            </a:extLst>
-          </a:blip>
-          <a:stretch>
-            <a:fillRect/>
-          </a:stretch>
-        </p:blipFill>
-        <p:spPr>
-          <a:xfrm>
-            <a:off x="1223855" y="1555718"/>
-            <a:ext cx="2590800" cy="4605867"/>
-          </a:xfrm>
-          <a:prstGeom prst="rect">
-            <a:avLst/>
-          </a:prstGeom>
-        </p:spPr>
-      </p:pic>
-      <p:pic>
-        <p:nvPicPr>
-          <p:cNvPr id="14" name="그림 13"/>
-          <p:cNvPicPr>
-            <a:picLocks noChangeAspect="1"/>
-          </p:cNvPicPr>
-          <p:nvPr/>
-        </p:nvPicPr>
-        <p:blipFill>
-          <a:blip r:embed="rId4">
-            <a:clrChange>
-              <a:clrFrom>
-                <a:srgbClr val="FFFFFF"/>
-              </a:clrFrom>
-              <a:clrTo>
-                <a:srgbClr val="FFFFFF">
-                  <a:alpha val="0"/>
-                </a:srgbClr>
-              </a:clrTo>
-            </a:clrChange>
-          </a:blip>
-          <a:stretch>
-            <a:fillRect/>
-          </a:stretch>
-        </p:blipFill>
-        <p:spPr>
-          <a:xfrm>
-            <a:off x="4869787" y="4153817"/>
-            <a:ext cx="5192810" cy="2321314"/>
-          </a:xfrm>
-          <a:prstGeom prst="rect">
-            <a:avLst/>
-          </a:prstGeom>
-        </p:spPr>
-      </p:pic>
-      <p:pic>
-        <p:nvPicPr>
-          <p:cNvPr id="18" name="그림 17"/>
-          <p:cNvPicPr>
-            <a:picLocks noChangeAspect="1"/>
-          </p:cNvPicPr>
-          <p:nvPr/>
-        </p:nvPicPr>
-        <p:blipFill>
-          <a:blip r:embed="rId5">
-            <a:clrChange>
-              <a:clrFrom>
-                <a:srgbClr val="FFFFFF"/>
-              </a:clrFrom>
-              <a:clrTo>
-                <a:srgbClr val="FFFFFF">
-                  <a:alpha val="0"/>
-                </a:srgbClr>
-              </a:clrTo>
-            </a:clrChange>
-          </a:blip>
-          <a:stretch>
-            <a:fillRect/>
-          </a:stretch>
-        </p:blipFill>
-        <p:spPr>
-          <a:xfrm>
-            <a:off x="4869787" y="1272533"/>
-            <a:ext cx="6225343" cy="2826276"/>
-          </a:xfrm>
-          <a:prstGeom prst="rect">
-            <a:avLst/>
-          </a:prstGeom>
-        </p:spPr>
-      </p:pic>
-    </p:spTree>
-    <p:extLst>
-      <p:ext uri="{BB962C8B-B14F-4D97-AF65-F5344CB8AC3E}">
-        <p14:creationId xmlns:p14="http://schemas.microsoft.com/office/powerpoint/2010/main" val="862724149"/>
-      </p:ext>
-    </p:extLst>
-  </p:cSld>
-  <p:clrMapOvr>
-    <a:masterClrMapping/>
-  </p:clrMapOvr>
-  <p:timing>
-    <p:tnLst>
-      <p:par>
-        <p:cTn id="1" dur="indefinite" restart="never" nodeType="tmRoot"/>
-      </p:par>
-    </p:tnLst>
-  </p:timing>
-</p:sld>
-</file>
-
 <file path=ppt/theme/theme1.xml><?xml version="1.0" encoding="utf-8"?>
 <a:theme xmlns:a="http://schemas.openxmlformats.org/drawingml/2006/main" name="1_Office 테마">
   <a:themeElements>
